--- a/Presentation/week1-concepts/NP-group3-Caro-week1.pptx
+++ b/Presentation/week1-concepts/NP-group3-Caro-week1.pptx
@@ -18530,6 +18530,18 @@
   <p:clrMapOvr>
     <a:masterClrMapping/>
   </p:clrMapOvr>
+  <mc:AlternateContent xmlns:mc="http://schemas.openxmlformats.org/markup-compatibility/2006">
+    <mc:Choice xmlns:p14="http://schemas.microsoft.com/office/powerpoint/2010/main" Requires="p14">
+      <p:transition spd="slow" p14:dur="1500">
+        <p:random/>
+      </p:transition>
+    </mc:Choice>
+    <mc:Fallback>
+      <p:transition spd="slow">
+        <p:random/>
+      </p:transition>
+    </mc:Fallback>
+  </mc:AlternateContent>
 </p:sld>
 </file>
 
@@ -18772,6 +18784,18 @@
   <p:clrMapOvr>
     <a:masterClrMapping/>
   </p:clrMapOvr>
+  <mc:AlternateContent xmlns:mc="http://schemas.openxmlformats.org/markup-compatibility/2006">
+    <mc:Choice xmlns:p14="http://schemas.microsoft.com/office/powerpoint/2010/main" Requires="p14">
+      <p:transition spd="slow" p14:dur="1500">
+        <p:random/>
+      </p:transition>
+    </mc:Choice>
+    <mc:Fallback>
+      <p:transition spd="slow">
+        <p:random/>
+      </p:transition>
+    </mc:Fallback>
+  </mc:AlternateContent>
 </p:sld>
 </file>
 
@@ -21318,6 +21342,18 @@
   <p:clrMapOvr>
     <a:masterClrMapping/>
   </p:clrMapOvr>
+  <mc:AlternateContent xmlns:mc="http://schemas.openxmlformats.org/markup-compatibility/2006">
+    <mc:Choice xmlns:p14="http://schemas.microsoft.com/office/powerpoint/2010/main" Requires="p14">
+      <p:transition spd="slow" p14:dur="1500">
+        <p:random/>
+      </p:transition>
+    </mc:Choice>
+    <mc:Fallback>
+      <p:transition spd="slow">
+        <p:random/>
+      </p:transition>
+    </mc:Fallback>
+  </mc:AlternateContent>
 </p:sld>
 </file>
 
@@ -22378,6 +22414,18 @@
   <p:clrMapOvr>
     <a:masterClrMapping/>
   </p:clrMapOvr>
+  <mc:AlternateContent xmlns:mc="http://schemas.openxmlformats.org/markup-compatibility/2006">
+    <mc:Choice xmlns:p14="http://schemas.microsoft.com/office/powerpoint/2010/main" Requires="p14">
+      <p:transition spd="slow" p14:dur="1500">
+        <p:random/>
+      </p:transition>
+    </mc:Choice>
+    <mc:Fallback>
+      <p:transition spd="slow">
+        <p:random/>
+      </p:transition>
+    </mc:Fallback>
+  </mc:AlternateContent>
 </p:sld>
 </file>
 
@@ -22398,6 +22446,305 @@
           <a:chExt cx="0" cy="0"/>
         </a:xfrm>
       </p:grpSpPr>
+      <p:sp>
+        <p:nvSpPr>
+          <p:cNvPr id="2" name="TextBox 1">
+            <a:extLst>
+              <a:ext uri="{FF2B5EF4-FFF2-40B4-BE49-F238E27FC236}">
+                <a16:creationId xmlns:a16="http://schemas.microsoft.com/office/drawing/2014/main" id="{8C743145-8D52-4B58-9E13-C1742F319C76}"/>
+              </a:ext>
+            </a:extLst>
+          </p:cNvPr>
+          <p:cNvSpPr txBox="1"/>
+          <p:nvPr/>
+        </p:nvSpPr>
+        <p:spPr>
+          <a:xfrm>
+            <a:off x="86955" y="2258024"/>
+            <a:ext cx="5369638" cy="3323987"/>
+          </a:xfrm>
+          <a:prstGeom prst="rect">
+            <a:avLst/>
+          </a:prstGeom>
+          <a:noFill/>
+        </p:spPr>
+        <p:txBody>
+          <a:bodyPr wrap="square" rtlCol="0">
+            <a:spAutoFit/>
+          </a:bodyPr>
+          <a:lstStyle/>
+          <a:p>
+            <a:pPr marL="285750" lvl="2" indent="-285750">
+              <a:buClr>
+                <a:srgbClr val="0070C0"/>
+              </a:buClr>
+              <a:buFont typeface="Arial" panose="020B0604020202020204" pitchFamily="34" charset="0"/>
+              <a:buChar char="•"/>
+            </a:pPr>
+            <a:r>
+              <a:rPr lang="en-US" b="1" i="0" dirty="0">
+                <a:solidFill>
+                  <a:srgbClr val="0070C0"/>
+                </a:solidFill>
+                <a:effectLst/>
+                <a:latin typeface="-apple-system"/>
+              </a:rPr>
+              <a:t>Register</a:t>
+            </a:r>
+            <a:r>
+              <a:rPr lang="en-US" b="0" i="0" dirty="0">
+                <a:solidFill>
+                  <a:srgbClr val="0070C0"/>
+                </a:solidFill>
+                <a:effectLst/>
+                <a:latin typeface="-apple-system"/>
+              </a:rPr>
+              <a:t>: Account with username, and password to record his result (stored in database)</a:t>
+            </a:r>
+          </a:p>
+          <a:p>
+            <a:pPr marL="285750" lvl="2" indent="-285750">
+              <a:buClr>
+                <a:srgbClr val="0070C0"/>
+              </a:buClr>
+              <a:buFont typeface="Arial" panose="020B0604020202020204" pitchFamily="34" charset="0"/>
+              <a:buChar char="•"/>
+            </a:pPr>
+            <a:endParaRPr lang="en-US" b="0" i="0" dirty="0">
+              <a:solidFill>
+                <a:srgbClr val="0070C0"/>
+              </a:solidFill>
+              <a:effectLst/>
+              <a:latin typeface="-apple-system"/>
+            </a:endParaRPr>
+          </a:p>
+          <a:p>
+            <a:pPr marL="285750" lvl="2" indent="-285750" algn="r">
+              <a:buClr>
+                <a:srgbClr val="0070C0"/>
+              </a:buClr>
+              <a:buFont typeface="Arial" panose="020B0604020202020204" pitchFamily="34" charset="0"/>
+              <a:buChar char="•"/>
+            </a:pPr>
+            <a:r>
+              <a:rPr lang="en-US" b="1" i="0" dirty="0">
+                <a:solidFill>
+                  <a:srgbClr val="0070C0"/>
+                </a:solidFill>
+                <a:effectLst/>
+                <a:latin typeface="-apple-system"/>
+              </a:rPr>
+              <a:t>Login</a:t>
+            </a:r>
+            <a:r>
+              <a:rPr lang="en-US" b="0" i="0" dirty="0">
+                <a:solidFill>
+                  <a:srgbClr val="0070C0"/>
+                </a:solidFill>
+                <a:effectLst/>
+                <a:latin typeface="-apple-system"/>
+              </a:rPr>
+              <a:t>: Player enters username and password for server to authenticate. Server returns success or</a:t>
+            </a:r>
+            <a:r>
+              <a:rPr lang="en-US" dirty="0">
+                <a:solidFill>
+                  <a:srgbClr val="0070C0"/>
+                </a:solidFill>
+                <a:latin typeface="-apple-system"/>
+              </a:rPr>
+              <a:t> fail login message</a:t>
+            </a:r>
+          </a:p>
+          <a:p>
+            <a:pPr marL="285750" lvl="2" indent="-285750" algn="r">
+              <a:buClr>
+                <a:srgbClr val="0070C0"/>
+              </a:buClr>
+              <a:buFont typeface="Arial" panose="020B0604020202020204" pitchFamily="34" charset="0"/>
+              <a:buChar char="•"/>
+            </a:pPr>
+            <a:endParaRPr lang="en-US" b="0" i="0" dirty="0">
+              <a:solidFill>
+                <a:srgbClr val="0070C0"/>
+              </a:solidFill>
+              <a:effectLst/>
+              <a:latin typeface="-apple-system"/>
+            </a:endParaRPr>
+          </a:p>
+          <a:p>
+            <a:pPr marL="285750" indent="-285750">
+              <a:buClr>
+                <a:srgbClr val="0070C0"/>
+              </a:buClr>
+              <a:buFont typeface="Arial" panose="020B0604020202020204" pitchFamily="34" charset="0"/>
+              <a:buChar char="•"/>
+            </a:pPr>
+            <a:r>
+              <a:rPr lang="en-US" b="1" dirty="0">
+                <a:solidFill>
+                  <a:srgbClr val="0070C0"/>
+                </a:solidFill>
+                <a:latin typeface="-apple-system"/>
+              </a:rPr>
+              <a:t>P</a:t>
+            </a:r>
+            <a:r>
+              <a:rPr lang="en-US" b="1" i="0" dirty="0">
+                <a:solidFill>
+                  <a:srgbClr val="0070C0"/>
+                </a:solidFill>
+                <a:effectLst/>
+                <a:latin typeface="-apple-system"/>
+              </a:rPr>
+              <a:t>laying as a guest</a:t>
+            </a:r>
+            <a:r>
+              <a:rPr lang="en-US" b="0" i="0" dirty="0">
+                <a:solidFill>
+                  <a:srgbClr val="0070C0"/>
+                </a:solidFill>
+                <a:effectLst/>
+                <a:latin typeface="-apple-system"/>
+              </a:rPr>
+              <a:t>, a temporary id is assigned and result is not recorded for future plays</a:t>
+            </a:r>
+          </a:p>
+          <a:p>
+            <a:pPr algn="just">
+              <a:buClr>
+                <a:srgbClr val="0070C0"/>
+              </a:buClr>
+            </a:pPr>
+            <a:endParaRPr lang="en-US" b="0" i="0" dirty="0">
+              <a:solidFill>
+                <a:srgbClr val="0070C0"/>
+              </a:solidFill>
+              <a:effectLst/>
+              <a:latin typeface="-apple-system"/>
+            </a:endParaRPr>
+          </a:p>
+          <a:p>
+            <a:pPr marL="285750" indent="-285750" algn="r">
+              <a:buClr>
+                <a:srgbClr val="0070C0"/>
+              </a:buClr>
+              <a:buFont typeface="Arial" panose="020B0604020202020204" pitchFamily="34" charset="0"/>
+              <a:buChar char="•"/>
+            </a:pPr>
+            <a:r>
+              <a:rPr lang="en-US" b="1" i="0" dirty="0">
+                <a:solidFill>
+                  <a:srgbClr val="0070C0"/>
+                </a:solidFill>
+                <a:effectLst/>
+                <a:latin typeface="-apple-system"/>
+              </a:rPr>
+              <a:t>Ranking</a:t>
+            </a:r>
+            <a:r>
+              <a:rPr lang="en-US" b="0" i="0" dirty="0">
+                <a:solidFill>
+                  <a:srgbClr val="0070C0"/>
+                </a:solidFill>
+                <a:effectLst/>
+                <a:latin typeface="-apple-system"/>
+              </a:rPr>
+              <a:t>: Win – 10 pts | Draw – 0 pts | Loss – 5 pts </a:t>
+            </a:r>
+          </a:p>
+          <a:p>
+            <a:pPr algn="just">
+              <a:buClr>
+                <a:srgbClr val="0070C0"/>
+              </a:buClr>
+            </a:pPr>
+            <a:endParaRPr lang="en-US" b="0" i="0" dirty="0">
+              <a:solidFill>
+                <a:srgbClr val="0070C0"/>
+              </a:solidFill>
+              <a:effectLst/>
+              <a:latin typeface="-apple-system"/>
+            </a:endParaRPr>
+          </a:p>
+          <a:p>
+            <a:pPr marL="285750" indent="-285750">
+              <a:buClr>
+                <a:srgbClr val="0070C0"/>
+              </a:buClr>
+              <a:buFont typeface="Arial" panose="020B0604020202020204" pitchFamily="34" charset="0"/>
+              <a:buChar char="•"/>
+            </a:pPr>
+            <a:r>
+              <a:rPr lang="en-US" b="1" i="0" dirty="0">
+                <a:solidFill>
+                  <a:srgbClr val="0070C0"/>
+                </a:solidFill>
+                <a:effectLst/>
+                <a:latin typeface="-apple-system"/>
+              </a:rPr>
+              <a:t>Matching</a:t>
+            </a:r>
+            <a:r>
+              <a:rPr lang="en-US" b="0" i="0" dirty="0">
+                <a:solidFill>
+                  <a:srgbClr val="0070C0"/>
+                </a:solidFill>
+                <a:effectLst/>
+                <a:latin typeface="-apple-system"/>
+              </a:rPr>
+              <a:t>: Player </a:t>
+            </a:r>
+            <a:r>
+              <a:rPr lang="en-US" dirty="0">
+                <a:solidFill>
+                  <a:srgbClr val="0070C0"/>
+                </a:solidFill>
+                <a:latin typeface="-apple-system"/>
+              </a:rPr>
+              <a:t>is </a:t>
+            </a:r>
+            <a:r>
+              <a:rPr lang="en-US" b="0" i="0" dirty="0">
+                <a:solidFill>
+                  <a:srgbClr val="0070C0"/>
+                </a:solidFill>
+                <a:effectLst/>
+                <a:latin typeface="-apple-system"/>
+              </a:rPr>
+              <a:t>randomly placed into an available room,         the system will find a match based on </a:t>
+            </a:r>
+            <a:r>
+              <a:rPr lang="en-US" dirty="0">
+                <a:solidFill>
+                  <a:srgbClr val="0070C0"/>
+                </a:solidFill>
+                <a:latin typeface="-apple-system"/>
+              </a:rPr>
+              <a:t>rank</a:t>
+            </a:r>
+            <a:endParaRPr lang="en-US" dirty="0">
+              <a:solidFill>
+                <a:srgbClr val="0070C0"/>
+              </a:solidFill>
+            </a:endParaRPr>
+          </a:p>
+          <a:p>
+            <a:pPr marL="285750" indent="-285750">
+              <a:buFont typeface="Arial" panose="020B0604020202020204" pitchFamily="34" charset="0"/>
+              <a:buChar char="•"/>
+            </a:pPr>
+            <a:endParaRPr lang="en-US" dirty="0">
+              <a:solidFill>
+                <a:srgbClr val="0070C0"/>
+              </a:solidFill>
+            </a:endParaRPr>
+          </a:p>
+          <a:p>
+            <a:endParaRPr lang="en-US" dirty="0"/>
+          </a:p>
+        </p:txBody>
+      </p:sp>
       <p:sp>
         <p:nvSpPr>
           <p:cNvPr id="60" name="Google Shape;492;p35">
@@ -24583,2244 +24930,6 @@
           </p:txBody>
         </p:sp>
       </p:grpSp>
-      <p:grpSp>
-        <p:nvGrpSpPr>
-          <p:cNvPr id="16" name="Google Shape;962;p50">
-            <a:extLst>
-              <a:ext uri="{FF2B5EF4-FFF2-40B4-BE49-F238E27FC236}">
-                <a16:creationId xmlns:a16="http://schemas.microsoft.com/office/drawing/2014/main" id="{CA013CAE-F2BF-4467-8CDD-6CE3662340EA}"/>
-              </a:ext>
-            </a:extLst>
-          </p:cNvPr>
-          <p:cNvGrpSpPr/>
-          <p:nvPr/>
-        </p:nvGrpSpPr>
-        <p:grpSpPr>
-          <a:xfrm>
-            <a:off x="739490" y="4081102"/>
-            <a:ext cx="417987" cy="389919"/>
-            <a:chOff x="1757850" y="2670575"/>
-            <a:chExt cx="488075" cy="455300"/>
-          </a:xfrm>
-        </p:grpSpPr>
-        <p:sp>
-          <p:nvSpPr>
-            <p:cNvPr id="17" name="Google Shape;963;p50">
-              <a:extLst>
-                <a:ext uri="{FF2B5EF4-FFF2-40B4-BE49-F238E27FC236}">
-                  <a16:creationId xmlns:a16="http://schemas.microsoft.com/office/drawing/2014/main" id="{FB88E917-F400-4410-913E-00E38EA2794A}"/>
-                </a:ext>
-              </a:extLst>
-            </p:cNvPr>
-            <p:cNvSpPr/>
-            <p:nvPr/>
-          </p:nvSpPr>
-          <p:spPr>
-            <a:xfrm>
-              <a:off x="2138975" y="2985175"/>
-              <a:ext cx="106950" cy="140700"/>
-            </a:xfrm>
-            <a:custGeom>
-              <a:avLst/>
-              <a:gdLst/>
-              <a:ahLst/>
-              <a:cxnLst/>
-              <a:rect l="l" t="t" r="r" b="b"/>
-              <a:pathLst>
-                <a:path w="4278" h="5628" extrusionOk="0">
-                  <a:moveTo>
-                    <a:pt x="2254" y="1"/>
-                  </a:moveTo>
-                  <a:lnTo>
-                    <a:pt x="2254" y="2651"/>
-                  </a:lnTo>
-                  <a:cubicBezTo>
-                    <a:pt x="2254" y="3616"/>
-                    <a:pt x="1464" y="4342"/>
-                    <a:pt x="568" y="4342"/>
-                  </a:cubicBezTo>
-                  <a:cubicBezTo>
-                    <a:pt x="381" y="4342"/>
-                    <a:pt x="190" y="4310"/>
-                    <a:pt x="1" y="4243"/>
-                  </a:cubicBezTo>
-                  <a:lnTo>
-                    <a:pt x="1" y="4459"/>
-                  </a:lnTo>
-                  <a:cubicBezTo>
-                    <a:pt x="1" y="4730"/>
-                    <a:pt x="190" y="4961"/>
-                    <a:pt x="455" y="5012"/>
-                  </a:cubicBezTo>
-                  <a:lnTo>
-                    <a:pt x="3471" y="5616"/>
-                  </a:lnTo>
-                  <a:cubicBezTo>
-                    <a:pt x="3509" y="5624"/>
-                    <a:pt x="3547" y="5627"/>
-                    <a:pt x="3583" y="5627"/>
-                  </a:cubicBezTo>
-                  <a:cubicBezTo>
-                    <a:pt x="3987" y="5627"/>
-                    <a:pt x="4277" y="5191"/>
-                    <a:pt x="4084" y="4808"/>
-                  </a:cubicBezTo>
-                  <a:lnTo>
-                    <a:pt x="3024" y="2744"/>
-                  </a:lnTo>
-                  <a:lnTo>
-                    <a:pt x="4054" y="1145"/>
-                  </a:lnTo>
-                  <a:cubicBezTo>
-                    <a:pt x="4270" y="812"/>
-                    <a:pt x="4081" y="364"/>
-                    <a:pt x="3691" y="286"/>
-                  </a:cubicBezTo>
-                  <a:lnTo>
-                    <a:pt x="2254" y="1"/>
-                  </a:lnTo>
-                  <a:close/>
-                </a:path>
-              </a:pathLst>
-            </a:custGeom>
-            <a:ln/>
-          </p:spPr>
-          <p:style>
-            <a:lnRef idx="1">
-              <a:schemeClr val="accent3"/>
-            </a:lnRef>
-            <a:fillRef idx="2">
-              <a:schemeClr val="accent3"/>
-            </a:fillRef>
-            <a:effectRef idx="1">
-              <a:schemeClr val="accent3"/>
-            </a:effectRef>
-            <a:fontRef idx="minor">
-              <a:schemeClr val="dk1"/>
-            </a:fontRef>
-          </p:style>
-          <p:txBody>
-            <a:bodyPr spcFirstLastPara="1" wrap="square" lIns="91425" tIns="91425" rIns="91425" bIns="91425" anchor="ctr" anchorCtr="0">
-              <a:noAutofit/>
-            </a:bodyPr>
-            <a:lstStyle/>
-            <a:p>
-              <a:pPr marL="0" lvl="0" indent="0" algn="l" rtl="0">
-                <a:spcBef>
-                  <a:spcPts val="0"/>
-                </a:spcBef>
-                <a:spcAft>
-                  <a:spcPts val="0"/>
-                </a:spcAft>
-                <a:buNone/>
-              </a:pPr>
-              <a:endParaRPr/>
-            </a:p>
-          </p:txBody>
-        </p:sp>
-        <p:sp>
-          <p:nvSpPr>
-            <p:cNvPr id="18" name="Google Shape;964;p50">
-              <a:extLst>
-                <a:ext uri="{FF2B5EF4-FFF2-40B4-BE49-F238E27FC236}">
-                  <a16:creationId xmlns:a16="http://schemas.microsoft.com/office/drawing/2014/main" id="{FD877DAC-4F94-44AE-AE02-0F046160B44B}"/>
-                </a:ext>
-              </a:extLst>
-            </p:cNvPr>
-            <p:cNvSpPr/>
-            <p:nvPr/>
-          </p:nvSpPr>
-          <p:spPr>
-            <a:xfrm>
-              <a:off x="1757925" y="2985250"/>
-              <a:ext cx="106850" cy="140625"/>
-            </a:xfrm>
-            <a:custGeom>
-              <a:avLst/>
-              <a:gdLst/>
-              <a:ahLst/>
-              <a:cxnLst/>
-              <a:rect l="l" t="t" r="r" b="b"/>
-              <a:pathLst>
-                <a:path w="4274" h="5625" extrusionOk="0">
-                  <a:moveTo>
-                    <a:pt x="2023" y="1"/>
-                  </a:moveTo>
-                  <a:lnTo>
-                    <a:pt x="586" y="286"/>
-                  </a:lnTo>
-                  <a:cubicBezTo>
-                    <a:pt x="199" y="364"/>
-                    <a:pt x="10" y="812"/>
-                    <a:pt x="223" y="1145"/>
-                  </a:cubicBezTo>
-                  <a:lnTo>
-                    <a:pt x="1253" y="2741"/>
-                  </a:lnTo>
-                  <a:lnTo>
-                    <a:pt x="196" y="4805"/>
-                  </a:lnTo>
-                  <a:cubicBezTo>
-                    <a:pt x="0" y="5188"/>
-                    <a:pt x="290" y="5624"/>
-                    <a:pt x="696" y="5624"/>
-                  </a:cubicBezTo>
-                  <a:cubicBezTo>
-                    <a:pt x="733" y="5624"/>
-                    <a:pt x="771" y="5621"/>
-                    <a:pt x="809" y="5613"/>
-                  </a:cubicBezTo>
-                  <a:lnTo>
-                    <a:pt x="3822" y="5012"/>
-                  </a:lnTo>
-                  <a:cubicBezTo>
-                    <a:pt x="4087" y="4958"/>
-                    <a:pt x="4273" y="4727"/>
-                    <a:pt x="4273" y="4459"/>
-                  </a:cubicBezTo>
-                  <a:lnTo>
-                    <a:pt x="4273" y="4243"/>
-                  </a:lnTo>
-                  <a:cubicBezTo>
-                    <a:pt x="4085" y="4310"/>
-                    <a:pt x="3895" y="4341"/>
-                    <a:pt x="3709" y="4341"/>
-                  </a:cubicBezTo>
-                  <a:cubicBezTo>
-                    <a:pt x="2814" y="4341"/>
-                    <a:pt x="2022" y="3616"/>
-                    <a:pt x="2020" y="2651"/>
-                  </a:cubicBezTo>
-                  <a:lnTo>
-                    <a:pt x="2023" y="2648"/>
-                  </a:lnTo>
-                  <a:lnTo>
-                    <a:pt x="2023" y="1"/>
-                  </a:lnTo>
-                  <a:close/>
-                </a:path>
-              </a:pathLst>
-            </a:custGeom>
-            <a:ln/>
-          </p:spPr>
-          <p:style>
-            <a:lnRef idx="1">
-              <a:schemeClr val="accent3"/>
-            </a:lnRef>
-            <a:fillRef idx="2">
-              <a:schemeClr val="accent3"/>
-            </a:fillRef>
-            <a:effectRef idx="1">
-              <a:schemeClr val="accent3"/>
-            </a:effectRef>
-            <a:fontRef idx="minor">
-              <a:schemeClr val="dk1"/>
-            </a:fontRef>
-          </p:style>
-          <p:txBody>
-            <a:bodyPr spcFirstLastPara="1" wrap="square" lIns="91425" tIns="91425" rIns="91425" bIns="91425" anchor="ctr" anchorCtr="0">
-              <a:noAutofit/>
-            </a:bodyPr>
-            <a:lstStyle/>
-            <a:p>
-              <a:pPr marL="0" lvl="0" indent="0" algn="l" rtl="0">
-                <a:spcBef>
-                  <a:spcPts val="0"/>
-                </a:spcBef>
-                <a:spcAft>
-                  <a:spcPts val="0"/>
-                </a:spcAft>
-                <a:buNone/>
-              </a:pPr>
-              <a:endParaRPr/>
-            </a:p>
-          </p:txBody>
-        </p:sp>
-        <p:sp>
-          <p:nvSpPr>
-            <p:cNvPr id="19" name="Google Shape;965;p50">
-              <a:extLst>
-                <a:ext uri="{FF2B5EF4-FFF2-40B4-BE49-F238E27FC236}">
-                  <a16:creationId xmlns:a16="http://schemas.microsoft.com/office/drawing/2014/main" id="{FB92596A-0C80-4D85-9535-9D5F476CAEFA}"/>
-                </a:ext>
-              </a:extLst>
-            </p:cNvPr>
-            <p:cNvSpPr/>
-            <p:nvPr/>
-          </p:nvSpPr>
-          <p:spPr>
-            <a:xfrm>
-              <a:off x="1836650" y="2921300"/>
-              <a:ext cx="329625" cy="144175"/>
-            </a:xfrm>
-            <a:custGeom>
-              <a:avLst/>
-              <a:gdLst/>
-              <a:ahLst/>
-              <a:cxnLst/>
-              <a:rect l="l" t="t" r="r" b="b"/>
-              <a:pathLst>
-                <a:path w="13185" h="5767" extrusionOk="0">
-                  <a:moveTo>
-                    <a:pt x="6592" y="1"/>
-                  </a:moveTo>
-                  <a:cubicBezTo>
-                    <a:pt x="4495" y="1"/>
-                    <a:pt x="2397" y="352"/>
-                    <a:pt x="388" y="1053"/>
-                  </a:cubicBezTo>
-                  <a:cubicBezTo>
-                    <a:pt x="157" y="1128"/>
-                    <a:pt x="0" y="1345"/>
-                    <a:pt x="0" y="1588"/>
-                  </a:cubicBezTo>
-                  <a:lnTo>
-                    <a:pt x="0" y="5206"/>
-                  </a:lnTo>
-                  <a:cubicBezTo>
-                    <a:pt x="0" y="5527"/>
-                    <a:pt x="264" y="5767"/>
-                    <a:pt x="564" y="5767"/>
-                  </a:cubicBezTo>
-                  <a:cubicBezTo>
-                    <a:pt x="628" y="5767"/>
-                    <a:pt x="695" y="5756"/>
-                    <a:pt x="761" y="5731"/>
-                  </a:cubicBezTo>
-                  <a:cubicBezTo>
-                    <a:pt x="2647" y="5072"/>
-                    <a:pt x="4619" y="4742"/>
-                    <a:pt x="6591" y="4742"/>
-                  </a:cubicBezTo>
-                  <a:cubicBezTo>
-                    <a:pt x="8564" y="4742"/>
-                    <a:pt x="10536" y="5072"/>
-                    <a:pt x="12424" y="5731"/>
-                  </a:cubicBezTo>
-                  <a:cubicBezTo>
-                    <a:pt x="12490" y="5756"/>
-                    <a:pt x="12556" y="5767"/>
-                    <a:pt x="12620" y="5767"/>
-                  </a:cubicBezTo>
-                  <a:cubicBezTo>
-                    <a:pt x="12918" y="5767"/>
-                    <a:pt x="13182" y="5527"/>
-                    <a:pt x="13185" y="5206"/>
-                  </a:cubicBezTo>
-                  <a:lnTo>
-                    <a:pt x="13185" y="1588"/>
-                  </a:lnTo>
-                  <a:cubicBezTo>
-                    <a:pt x="13182" y="1345"/>
-                    <a:pt x="13028" y="1128"/>
-                    <a:pt x="12797" y="1053"/>
-                  </a:cubicBezTo>
-                  <a:cubicBezTo>
-                    <a:pt x="10788" y="352"/>
-                    <a:pt x="8690" y="1"/>
-                    <a:pt x="6592" y="1"/>
-                  </a:cubicBezTo>
-                  <a:close/>
-                </a:path>
-              </a:pathLst>
-            </a:custGeom>
-            <a:ln/>
-          </p:spPr>
-          <p:style>
-            <a:lnRef idx="1">
-              <a:schemeClr val="accent3"/>
-            </a:lnRef>
-            <a:fillRef idx="2">
-              <a:schemeClr val="accent3"/>
-            </a:fillRef>
-            <a:effectRef idx="1">
-              <a:schemeClr val="accent3"/>
-            </a:effectRef>
-            <a:fontRef idx="minor">
-              <a:schemeClr val="dk1"/>
-            </a:fontRef>
-          </p:style>
-          <p:txBody>
-            <a:bodyPr spcFirstLastPara="1" wrap="square" lIns="91425" tIns="91425" rIns="91425" bIns="91425" anchor="ctr" anchorCtr="0">
-              <a:noAutofit/>
-            </a:bodyPr>
-            <a:lstStyle/>
-            <a:p>
-              <a:pPr marL="0" lvl="0" indent="0" algn="l" rtl="0">
-                <a:spcBef>
-                  <a:spcPts val="0"/>
-                </a:spcBef>
-                <a:spcAft>
-                  <a:spcPts val="0"/>
-                </a:spcAft>
-                <a:buNone/>
-              </a:pPr>
-              <a:endParaRPr dirty="0"/>
-            </a:p>
-          </p:txBody>
-        </p:sp>
-        <p:sp>
-          <p:nvSpPr>
-            <p:cNvPr id="20" name="Google Shape;966;p50">
-              <a:extLst>
-                <a:ext uri="{FF2B5EF4-FFF2-40B4-BE49-F238E27FC236}">
-                  <a16:creationId xmlns:a16="http://schemas.microsoft.com/office/drawing/2014/main" id="{9AD9BE9C-AFB1-4504-9ADE-51E78912EB73}"/>
-                </a:ext>
-              </a:extLst>
-            </p:cNvPr>
-            <p:cNvSpPr/>
-            <p:nvPr/>
-          </p:nvSpPr>
-          <p:spPr>
-            <a:xfrm>
-              <a:off x="2098575" y="2772950"/>
-              <a:ext cx="147175" cy="137100"/>
-            </a:xfrm>
-            <a:custGeom>
-              <a:avLst/>
-              <a:gdLst/>
-              <a:ahLst/>
-              <a:cxnLst/>
-              <a:rect l="l" t="t" r="r" b="b"/>
-              <a:pathLst>
-                <a:path w="5887" h="5484" extrusionOk="0">
-                  <a:moveTo>
-                    <a:pt x="2889" y="0"/>
-                  </a:moveTo>
-                  <a:cubicBezTo>
-                    <a:pt x="2706" y="0"/>
-                    <a:pt x="2523" y="92"/>
-                    <a:pt x="2419" y="275"/>
-                  </a:cubicBezTo>
-                  <a:lnTo>
-                    <a:pt x="1767" y="1426"/>
-                  </a:lnTo>
-                  <a:lnTo>
-                    <a:pt x="469" y="1690"/>
-                  </a:lnTo>
-                  <a:cubicBezTo>
-                    <a:pt x="277" y="1729"/>
-                    <a:pt x="121" y="1867"/>
-                    <a:pt x="61" y="2054"/>
-                  </a:cubicBezTo>
-                  <a:cubicBezTo>
-                    <a:pt x="0" y="2240"/>
-                    <a:pt x="46" y="2441"/>
-                    <a:pt x="175" y="2586"/>
-                  </a:cubicBezTo>
-                  <a:lnTo>
-                    <a:pt x="1070" y="3562"/>
-                  </a:lnTo>
-                  <a:lnTo>
-                    <a:pt x="920" y="4878"/>
-                  </a:lnTo>
-                  <a:cubicBezTo>
-                    <a:pt x="884" y="5214"/>
-                    <a:pt x="1153" y="5480"/>
-                    <a:pt x="1459" y="5480"/>
-                  </a:cubicBezTo>
-                  <a:cubicBezTo>
-                    <a:pt x="1533" y="5480"/>
-                    <a:pt x="1609" y="5465"/>
-                    <a:pt x="1683" y="5431"/>
-                  </a:cubicBezTo>
-                  <a:lnTo>
-                    <a:pt x="2888" y="4881"/>
-                  </a:lnTo>
-                  <a:lnTo>
-                    <a:pt x="4096" y="5434"/>
-                  </a:lnTo>
-                  <a:cubicBezTo>
-                    <a:pt x="4170" y="5468"/>
-                    <a:pt x="4246" y="5484"/>
-                    <a:pt x="4320" y="5484"/>
-                  </a:cubicBezTo>
-                  <a:cubicBezTo>
-                    <a:pt x="4626" y="5484"/>
-                    <a:pt x="4895" y="5217"/>
-                    <a:pt x="4856" y="4881"/>
-                  </a:cubicBezTo>
-                  <a:lnTo>
-                    <a:pt x="4706" y="3562"/>
-                  </a:lnTo>
-                  <a:lnTo>
-                    <a:pt x="5601" y="2586"/>
-                  </a:lnTo>
-                  <a:cubicBezTo>
-                    <a:pt x="5886" y="2276"/>
-                    <a:pt x="5724" y="1774"/>
-                    <a:pt x="5313" y="1693"/>
-                  </a:cubicBezTo>
-                  <a:lnTo>
-                    <a:pt x="4012" y="1429"/>
-                  </a:lnTo>
-                  <a:lnTo>
-                    <a:pt x="3360" y="275"/>
-                  </a:lnTo>
-                  <a:cubicBezTo>
-                    <a:pt x="3256" y="92"/>
-                    <a:pt x="3073" y="0"/>
-                    <a:pt x="2889" y="0"/>
-                  </a:cubicBezTo>
-                  <a:close/>
-                </a:path>
-              </a:pathLst>
-            </a:custGeom>
-            <a:ln/>
-          </p:spPr>
-          <p:style>
-            <a:lnRef idx="1">
-              <a:schemeClr val="accent3"/>
-            </a:lnRef>
-            <a:fillRef idx="2">
-              <a:schemeClr val="accent3"/>
-            </a:fillRef>
-            <a:effectRef idx="1">
-              <a:schemeClr val="accent3"/>
-            </a:effectRef>
-            <a:fontRef idx="minor">
-              <a:schemeClr val="dk1"/>
-            </a:fontRef>
-          </p:style>
-          <p:txBody>
-            <a:bodyPr spcFirstLastPara="1" wrap="square" lIns="91425" tIns="91425" rIns="91425" bIns="91425" anchor="ctr" anchorCtr="0">
-              <a:noAutofit/>
-            </a:bodyPr>
-            <a:lstStyle/>
-            <a:p>
-              <a:pPr marL="0" lvl="0" indent="0" algn="l" rtl="0">
-                <a:spcBef>
-                  <a:spcPts val="0"/>
-                </a:spcBef>
-                <a:spcAft>
-                  <a:spcPts val="0"/>
-                </a:spcAft>
-                <a:buNone/>
-              </a:pPr>
-              <a:endParaRPr/>
-            </a:p>
-          </p:txBody>
-        </p:sp>
-        <p:sp>
-          <p:nvSpPr>
-            <p:cNvPr id="21" name="Google Shape;967;p50">
-              <a:extLst>
-                <a:ext uri="{FF2B5EF4-FFF2-40B4-BE49-F238E27FC236}">
-                  <a16:creationId xmlns:a16="http://schemas.microsoft.com/office/drawing/2014/main" id="{3E759CF0-F68F-46C1-83E2-AA71E2BFC45C}"/>
-                </a:ext>
-              </a:extLst>
-            </p:cNvPr>
-            <p:cNvSpPr/>
-            <p:nvPr/>
-          </p:nvSpPr>
-          <p:spPr>
-            <a:xfrm>
-              <a:off x="1888925" y="2670575"/>
-              <a:ext cx="225900" cy="209275"/>
-            </a:xfrm>
-            <a:custGeom>
-              <a:avLst/>
-              <a:gdLst/>
-              <a:ahLst/>
-              <a:cxnLst/>
-              <a:rect l="l" t="t" r="r" b="b"/>
-              <a:pathLst>
-                <a:path w="9036" h="8371" extrusionOk="0">
-                  <a:moveTo>
-                    <a:pt x="4518" y="1"/>
-                  </a:moveTo>
-                  <a:cubicBezTo>
-                    <a:pt x="4326" y="1"/>
-                    <a:pt x="4135" y="96"/>
-                    <a:pt x="4027" y="287"/>
-                  </a:cubicBezTo>
-                  <a:lnTo>
-                    <a:pt x="2882" y="2315"/>
-                  </a:lnTo>
-                  <a:lnTo>
-                    <a:pt x="599" y="2781"/>
-                  </a:lnTo>
-                  <a:cubicBezTo>
-                    <a:pt x="169" y="2868"/>
-                    <a:pt x="1" y="3391"/>
-                    <a:pt x="295" y="3712"/>
-                  </a:cubicBezTo>
-                  <a:lnTo>
-                    <a:pt x="1866" y="5428"/>
-                  </a:lnTo>
-                  <a:lnTo>
-                    <a:pt x="1602" y="7744"/>
-                  </a:lnTo>
-                  <a:cubicBezTo>
-                    <a:pt x="1563" y="8092"/>
-                    <a:pt x="1844" y="8370"/>
-                    <a:pt x="2163" y="8370"/>
-                  </a:cubicBezTo>
-                  <a:cubicBezTo>
-                    <a:pt x="2240" y="8370"/>
-                    <a:pt x="2320" y="8354"/>
-                    <a:pt x="2398" y="8318"/>
-                  </a:cubicBezTo>
-                  <a:lnTo>
-                    <a:pt x="4517" y="7354"/>
-                  </a:lnTo>
-                  <a:lnTo>
-                    <a:pt x="6635" y="8318"/>
-                  </a:lnTo>
-                  <a:cubicBezTo>
-                    <a:pt x="6713" y="8354"/>
-                    <a:pt x="6793" y="8370"/>
-                    <a:pt x="6870" y="8370"/>
-                  </a:cubicBezTo>
-                  <a:cubicBezTo>
-                    <a:pt x="7189" y="8370"/>
-                    <a:pt x="7469" y="8092"/>
-                    <a:pt x="7428" y="7744"/>
-                  </a:cubicBezTo>
-                  <a:lnTo>
-                    <a:pt x="7167" y="5428"/>
-                  </a:lnTo>
-                  <a:lnTo>
-                    <a:pt x="8741" y="3712"/>
-                  </a:lnTo>
-                  <a:cubicBezTo>
-                    <a:pt x="9035" y="3391"/>
-                    <a:pt x="8864" y="2868"/>
-                    <a:pt x="8438" y="2781"/>
-                  </a:cubicBezTo>
-                  <a:lnTo>
-                    <a:pt x="6154" y="2315"/>
-                  </a:lnTo>
-                  <a:lnTo>
-                    <a:pt x="5006" y="287"/>
-                  </a:lnTo>
-                  <a:cubicBezTo>
-                    <a:pt x="4900" y="96"/>
-                    <a:pt x="4709" y="1"/>
-                    <a:pt x="4518" y="1"/>
-                  </a:cubicBezTo>
-                  <a:close/>
-                </a:path>
-              </a:pathLst>
-            </a:custGeom>
-            <a:ln/>
-          </p:spPr>
-          <p:style>
-            <a:lnRef idx="1">
-              <a:schemeClr val="accent3"/>
-            </a:lnRef>
-            <a:fillRef idx="2">
-              <a:schemeClr val="accent3"/>
-            </a:fillRef>
-            <a:effectRef idx="1">
-              <a:schemeClr val="accent3"/>
-            </a:effectRef>
-            <a:fontRef idx="minor">
-              <a:schemeClr val="dk1"/>
-            </a:fontRef>
-          </p:style>
-          <p:txBody>
-            <a:bodyPr spcFirstLastPara="1" wrap="square" lIns="91425" tIns="91425" rIns="91425" bIns="91425" anchor="ctr" anchorCtr="0">
-              <a:noAutofit/>
-            </a:bodyPr>
-            <a:lstStyle/>
-            <a:p>
-              <a:pPr marL="0" lvl="0" indent="0" algn="l" rtl="0">
-                <a:spcBef>
-                  <a:spcPts val="0"/>
-                </a:spcBef>
-                <a:spcAft>
-                  <a:spcPts val="0"/>
-                </a:spcAft>
-                <a:buNone/>
-              </a:pPr>
-              <a:endParaRPr/>
-            </a:p>
-          </p:txBody>
-        </p:sp>
-        <p:sp>
-          <p:nvSpPr>
-            <p:cNvPr id="23" name="Google Shape;968;p50">
-              <a:extLst>
-                <a:ext uri="{FF2B5EF4-FFF2-40B4-BE49-F238E27FC236}">
-                  <a16:creationId xmlns:a16="http://schemas.microsoft.com/office/drawing/2014/main" id="{ABCBD121-6D00-460A-BE43-4E98190197D3}"/>
-                </a:ext>
-              </a:extLst>
-            </p:cNvPr>
-            <p:cNvSpPr/>
-            <p:nvPr/>
-          </p:nvSpPr>
-          <p:spPr>
-            <a:xfrm>
-              <a:off x="1757850" y="2773000"/>
-              <a:ext cx="149875" cy="137050"/>
-            </a:xfrm>
-            <a:custGeom>
-              <a:avLst/>
-              <a:gdLst/>
-              <a:ahLst/>
-              <a:cxnLst/>
-              <a:rect l="l" t="t" r="r" b="b"/>
-              <a:pathLst>
-                <a:path w="5995" h="5482" extrusionOk="0">
-                  <a:moveTo>
-                    <a:pt x="2999" y="0"/>
-                  </a:moveTo>
-                  <a:cubicBezTo>
-                    <a:pt x="2816" y="0"/>
-                    <a:pt x="2633" y="91"/>
-                    <a:pt x="2527" y="273"/>
-                  </a:cubicBezTo>
-                  <a:lnTo>
-                    <a:pt x="1875" y="1424"/>
-                  </a:lnTo>
-                  <a:lnTo>
-                    <a:pt x="577" y="1688"/>
-                  </a:lnTo>
-                  <a:cubicBezTo>
-                    <a:pt x="166" y="1772"/>
-                    <a:pt x="1" y="2274"/>
-                    <a:pt x="286" y="2584"/>
-                  </a:cubicBezTo>
-                  <a:lnTo>
-                    <a:pt x="1181" y="3560"/>
-                  </a:lnTo>
-                  <a:lnTo>
-                    <a:pt x="1031" y="4879"/>
-                  </a:lnTo>
-                  <a:cubicBezTo>
-                    <a:pt x="992" y="5215"/>
-                    <a:pt x="1261" y="5482"/>
-                    <a:pt x="1567" y="5482"/>
-                  </a:cubicBezTo>
-                  <a:cubicBezTo>
-                    <a:pt x="1641" y="5482"/>
-                    <a:pt x="1717" y="5466"/>
-                    <a:pt x="1791" y="5432"/>
-                  </a:cubicBezTo>
-                  <a:lnTo>
-                    <a:pt x="2999" y="4882"/>
-                  </a:lnTo>
-                  <a:lnTo>
-                    <a:pt x="4204" y="5432"/>
-                  </a:lnTo>
-                  <a:cubicBezTo>
-                    <a:pt x="4278" y="5466"/>
-                    <a:pt x="4354" y="5482"/>
-                    <a:pt x="4428" y="5482"/>
-                  </a:cubicBezTo>
-                  <a:cubicBezTo>
-                    <a:pt x="4734" y="5482"/>
-                    <a:pt x="5003" y="5215"/>
-                    <a:pt x="4964" y="4879"/>
-                  </a:cubicBezTo>
-                  <a:lnTo>
-                    <a:pt x="4814" y="3560"/>
-                  </a:lnTo>
-                  <a:lnTo>
-                    <a:pt x="5709" y="2584"/>
-                  </a:lnTo>
-                  <a:cubicBezTo>
-                    <a:pt x="5995" y="2274"/>
-                    <a:pt x="5833" y="1775"/>
-                    <a:pt x="5421" y="1691"/>
-                  </a:cubicBezTo>
-                  <a:lnTo>
-                    <a:pt x="4120" y="1427"/>
-                  </a:lnTo>
-                  <a:lnTo>
-                    <a:pt x="3468" y="273"/>
-                  </a:lnTo>
-                  <a:cubicBezTo>
-                    <a:pt x="3364" y="91"/>
-                    <a:pt x="3182" y="0"/>
-                    <a:pt x="2999" y="0"/>
-                  </a:cubicBezTo>
-                  <a:close/>
-                </a:path>
-              </a:pathLst>
-            </a:custGeom>
-            <a:ln/>
-          </p:spPr>
-          <p:style>
-            <a:lnRef idx="1">
-              <a:schemeClr val="accent3"/>
-            </a:lnRef>
-            <a:fillRef idx="2">
-              <a:schemeClr val="accent3"/>
-            </a:fillRef>
-            <a:effectRef idx="1">
-              <a:schemeClr val="accent3"/>
-            </a:effectRef>
-            <a:fontRef idx="minor">
-              <a:schemeClr val="dk1"/>
-            </a:fontRef>
-          </p:style>
-          <p:txBody>
-            <a:bodyPr spcFirstLastPara="1" wrap="square" lIns="91425" tIns="91425" rIns="91425" bIns="91425" anchor="ctr" anchorCtr="0">
-              <a:noAutofit/>
-            </a:bodyPr>
-            <a:lstStyle/>
-            <a:p>
-              <a:pPr marL="0" lvl="0" indent="0" algn="l" rtl="0">
-                <a:spcBef>
-                  <a:spcPts val="0"/>
-                </a:spcBef>
-                <a:spcAft>
-                  <a:spcPts val="0"/>
-                </a:spcAft>
-                <a:buNone/>
-              </a:pPr>
-              <a:endParaRPr/>
-            </a:p>
-          </p:txBody>
-        </p:sp>
-      </p:grpSp>
-      <p:grpSp>
-        <p:nvGrpSpPr>
-          <p:cNvPr id="24" name="Google Shape;995;p50">
-            <a:extLst>
-              <a:ext uri="{FF2B5EF4-FFF2-40B4-BE49-F238E27FC236}">
-                <a16:creationId xmlns:a16="http://schemas.microsoft.com/office/drawing/2014/main" id="{0054C3BB-3127-4C60-9240-B5056D14ECE4}"/>
-              </a:ext>
-            </a:extLst>
-          </p:cNvPr>
-          <p:cNvGrpSpPr/>
-          <p:nvPr/>
-        </p:nvGrpSpPr>
-        <p:grpSpPr>
-          <a:xfrm>
-            <a:off x="175908" y="2884187"/>
-            <a:ext cx="503030" cy="392306"/>
-            <a:chOff x="2644125" y="1337750"/>
-            <a:chExt cx="479875" cy="362450"/>
-          </a:xfrm>
-        </p:grpSpPr>
-        <p:sp>
-          <p:nvSpPr>
-            <p:cNvPr id="25" name="Google Shape;996;p50">
-              <a:extLst>
-                <a:ext uri="{FF2B5EF4-FFF2-40B4-BE49-F238E27FC236}">
-                  <a16:creationId xmlns:a16="http://schemas.microsoft.com/office/drawing/2014/main" id="{E063AB2C-B0C7-4379-A8F0-584D833F8D0A}"/>
-                </a:ext>
-              </a:extLst>
-            </p:cNvPr>
-            <p:cNvSpPr/>
-            <p:nvPr/>
-          </p:nvSpPr>
-          <p:spPr>
-            <a:xfrm>
-              <a:off x="2644125" y="1617550"/>
-              <a:ext cx="479875" cy="82650"/>
-            </a:xfrm>
-            <a:custGeom>
-              <a:avLst/>
-              <a:gdLst/>
-              <a:ahLst/>
-              <a:cxnLst/>
-              <a:rect l="l" t="t" r="r" b="b"/>
-              <a:pathLst>
-                <a:path w="19195" h="3306" extrusionOk="0">
-                  <a:moveTo>
-                    <a:pt x="566" y="1"/>
-                  </a:moveTo>
-                  <a:cubicBezTo>
-                    <a:pt x="253" y="1"/>
-                    <a:pt x="1" y="253"/>
-                    <a:pt x="1" y="563"/>
-                  </a:cubicBezTo>
-                  <a:lnTo>
-                    <a:pt x="1" y="1542"/>
-                  </a:lnTo>
-                  <a:cubicBezTo>
-                    <a:pt x="1" y="1692"/>
-                    <a:pt x="61" y="1834"/>
-                    <a:pt x="166" y="1939"/>
-                  </a:cubicBezTo>
-                  <a:lnTo>
-                    <a:pt x="1371" y="3141"/>
-                  </a:lnTo>
-                  <a:cubicBezTo>
-                    <a:pt x="1476" y="3246"/>
-                    <a:pt x="1617" y="3306"/>
-                    <a:pt x="1768" y="3306"/>
-                  </a:cubicBezTo>
-                  <a:lnTo>
-                    <a:pt x="17428" y="3306"/>
-                  </a:lnTo>
-                  <a:cubicBezTo>
-                    <a:pt x="17578" y="3306"/>
-                    <a:pt x="17719" y="3246"/>
-                    <a:pt x="17824" y="3141"/>
-                  </a:cubicBezTo>
-                  <a:lnTo>
-                    <a:pt x="19029" y="1939"/>
-                  </a:lnTo>
-                  <a:cubicBezTo>
-                    <a:pt x="19134" y="1834"/>
-                    <a:pt x="19194" y="1692"/>
-                    <a:pt x="19194" y="1542"/>
-                  </a:cubicBezTo>
-                  <a:lnTo>
-                    <a:pt x="19194" y="563"/>
-                  </a:lnTo>
-                  <a:cubicBezTo>
-                    <a:pt x="19194" y="253"/>
-                    <a:pt x="18942" y="1"/>
-                    <a:pt x="18629" y="1"/>
-                  </a:cubicBezTo>
-                  <a:close/>
-                </a:path>
-              </a:pathLst>
-            </a:custGeom>
-            <a:ln/>
-          </p:spPr>
-          <p:style>
-            <a:lnRef idx="1">
-              <a:schemeClr val="accent3"/>
-            </a:lnRef>
-            <a:fillRef idx="2">
-              <a:schemeClr val="accent3"/>
-            </a:fillRef>
-            <a:effectRef idx="1">
-              <a:schemeClr val="accent3"/>
-            </a:effectRef>
-            <a:fontRef idx="minor">
-              <a:schemeClr val="dk1"/>
-            </a:fontRef>
-          </p:style>
-          <p:txBody>
-            <a:bodyPr spcFirstLastPara="1" wrap="square" lIns="91425" tIns="91425" rIns="91425" bIns="91425" anchor="ctr" anchorCtr="0">
-              <a:noAutofit/>
-            </a:bodyPr>
-            <a:lstStyle/>
-            <a:p>
-              <a:pPr marL="0" lvl="0" indent="0" algn="l" rtl="0">
-                <a:spcBef>
-                  <a:spcPts val="0"/>
-                </a:spcBef>
-                <a:spcAft>
-                  <a:spcPts val="0"/>
-                </a:spcAft>
-                <a:buNone/>
-              </a:pPr>
-              <a:endParaRPr dirty="0"/>
-            </a:p>
-          </p:txBody>
-        </p:sp>
-        <p:sp>
-          <p:nvSpPr>
-            <p:cNvPr id="26" name="Google Shape;997;p50">
-              <a:extLst>
-                <a:ext uri="{FF2B5EF4-FFF2-40B4-BE49-F238E27FC236}">
-                  <a16:creationId xmlns:a16="http://schemas.microsoft.com/office/drawing/2014/main" id="{7183DB17-2F37-44F5-B8DB-37D0ED143238}"/>
-                </a:ext>
-              </a:extLst>
-            </p:cNvPr>
-            <p:cNvSpPr/>
-            <p:nvPr/>
-          </p:nvSpPr>
-          <p:spPr>
-            <a:xfrm>
-              <a:off x="2777475" y="1426025"/>
-              <a:ext cx="213200" cy="107050"/>
-            </a:xfrm>
-            <a:custGeom>
-              <a:avLst/>
-              <a:gdLst/>
-              <a:ahLst/>
-              <a:cxnLst/>
-              <a:rect l="l" t="t" r="r" b="b"/>
-              <a:pathLst>
-                <a:path w="8528" h="4282" extrusionOk="0">
-                  <a:moveTo>
-                    <a:pt x="0" y="0"/>
-                  </a:moveTo>
-                  <a:lnTo>
-                    <a:pt x="0" y="4282"/>
-                  </a:lnTo>
-                  <a:lnTo>
-                    <a:pt x="8527" y="4282"/>
-                  </a:lnTo>
-                  <a:lnTo>
-                    <a:pt x="8527" y="0"/>
-                  </a:lnTo>
-                  <a:close/>
-                </a:path>
-              </a:pathLst>
-            </a:custGeom>
-            <a:ln/>
-          </p:spPr>
-          <p:style>
-            <a:lnRef idx="1">
-              <a:schemeClr val="accent3"/>
-            </a:lnRef>
-            <a:fillRef idx="2">
-              <a:schemeClr val="accent3"/>
-            </a:fillRef>
-            <a:effectRef idx="1">
-              <a:schemeClr val="accent3"/>
-            </a:effectRef>
-            <a:fontRef idx="minor">
-              <a:schemeClr val="dk1"/>
-            </a:fontRef>
-          </p:style>
-          <p:txBody>
-            <a:bodyPr spcFirstLastPara="1" wrap="square" lIns="91425" tIns="91425" rIns="91425" bIns="91425" anchor="ctr" anchorCtr="0">
-              <a:noAutofit/>
-            </a:bodyPr>
-            <a:lstStyle/>
-            <a:p>
-              <a:pPr marL="0" lvl="0" indent="0" algn="l" rtl="0">
-                <a:spcBef>
-                  <a:spcPts val="0"/>
-                </a:spcBef>
-                <a:spcAft>
-                  <a:spcPts val="0"/>
-                </a:spcAft>
-                <a:buNone/>
-              </a:pPr>
-              <a:endParaRPr/>
-            </a:p>
-          </p:txBody>
-        </p:sp>
-        <p:sp>
-          <p:nvSpPr>
-            <p:cNvPr id="27" name="Google Shape;998;p50">
-              <a:extLst>
-                <a:ext uri="{FF2B5EF4-FFF2-40B4-BE49-F238E27FC236}">
-                  <a16:creationId xmlns:a16="http://schemas.microsoft.com/office/drawing/2014/main" id="{C398CAD9-0BA5-44E1-B56E-28CF7008952D}"/>
-                </a:ext>
-              </a:extLst>
-            </p:cNvPr>
-            <p:cNvSpPr/>
-            <p:nvPr/>
-          </p:nvSpPr>
-          <p:spPr>
-            <a:xfrm>
-              <a:off x="2704225" y="1337750"/>
-              <a:ext cx="359675" cy="251675"/>
-            </a:xfrm>
-            <a:custGeom>
-              <a:avLst/>
-              <a:gdLst/>
-              <a:ahLst/>
-              <a:cxnLst/>
-              <a:rect l="l" t="t" r="r" b="b"/>
-              <a:pathLst>
-                <a:path w="14387" h="10067" extrusionOk="0">
-                  <a:moveTo>
-                    <a:pt x="12019" y="2401"/>
-                  </a:moveTo>
-                  <a:cubicBezTo>
-                    <a:pt x="12331" y="2401"/>
-                    <a:pt x="12584" y="2654"/>
-                    <a:pt x="12584" y="2966"/>
-                  </a:cubicBezTo>
-                  <a:lnTo>
-                    <a:pt x="12584" y="8378"/>
-                  </a:lnTo>
-                  <a:cubicBezTo>
-                    <a:pt x="12581" y="8687"/>
-                    <a:pt x="12328" y="8939"/>
-                    <a:pt x="12019" y="8939"/>
-                  </a:cubicBezTo>
-                  <a:lnTo>
-                    <a:pt x="2368" y="8939"/>
-                  </a:lnTo>
-                  <a:cubicBezTo>
-                    <a:pt x="2056" y="8939"/>
-                    <a:pt x="1803" y="8687"/>
-                    <a:pt x="1803" y="8378"/>
-                  </a:cubicBezTo>
-                  <a:lnTo>
-                    <a:pt x="1803" y="2966"/>
-                  </a:lnTo>
-                  <a:cubicBezTo>
-                    <a:pt x="1803" y="2654"/>
-                    <a:pt x="2056" y="2401"/>
-                    <a:pt x="2368" y="2401"/>
-                  </a:cubicBezTo>
-                  <a:close/>
-                  <a:moveTo>
-                    <a:pt x="2371" y="1"/>
-                  </a:moveTo>
-                  <a:cubicBezTo>
-                    <a:pt x="2221" y="1"/>
-                    <a:pt x="2080" y="61"/>
-                    <a:pt x="1975" y="166"/>
-                  </a:cubicBezTo>
-                  <a:lnTo>
-                    <a:pt x="166" y="1969"/>
-                  </a:lnTo>
-                  <a:cubicBezTo>
-                    <a:pt x="61" y="2074"/>
-                    <a:pt x="1" y="2218"/>
-                    <a:pt x="1" y="2368"/>
-                  </a:cubicBezTo>
-                  <a:lnTo>
-                    <a:pt x="1" y="10066"/>
-                  </a:lnTo>
-                  <a:lnTo>
-                    <a:pt x="14387" y="10066"/>
-                  </a:lnTo>
-                  <a:lnTo>
-                    <a:pt x="14387" y="2368"/>
-                  </a:lnTo>
-                  <a:cubicBezTo>
-                    <a:pt x="14384" y="2218"/>
-                    <a:pt x="14327" y="2074"/>
-                    <a:pt x="14221" y="1969"/>
-                  </a:cubicBezTo>
-                  <a:lnTo>
-                    <a:pt x="12413" y="166"/>
-                  </a:lnTo>
-                  <a:cubicBezTo>
-                    <a:pt x="12307" y="61"/>
-                    <a:pt x="12163" y="1"/>
-                    <a:pt x="12013" y="1"/>
-                  </a:cubicBezTo>
-                  <a:close/>
-                </a:path>
-              </a:pathLst>
-            </a:custGeom>
-            <a:ln/>
-          </p:spPr>
-          <p:style>
-            <a:lnRef idx="1">
-              <a:schemeClr val="accent3"/>
-            </a:lnRef>
-            <a:fillRef idx="2">
-              <a:schemeClr val="accent3"/>
-            </a:fillRef>
-            <a:effectRef idx="1">
-              <a:schemeClr val="accent3"/>
-            </a:effectRef>
-            <a:fontRef idx="minor">
-              <a:schemeClr val="dk1"/>
-            </a:fontRef>
-          </p:style>
-          <p:txBody>
-            <a:bodyPr spcFirstLastPara="1" wrap="square" lIns="91425" tIns="91425" rIns="91425" bIns="91425" anchor="ctr" anchorCtr="0">
-              <a:noAutofit/>
-            </a:bodyPr>
-            <a:lstStyle/>
-            <a:p>
-              <a:pPr marL="0" lvl="0" indent="0" algn="l" rtl="0">
-                <a:spcBef>
-                  <a:spcPts val="0"/>
-                </a:spcBef>
-                <a:spcAft>
-                  <a:spcPts val="0"/>
-                </a:spcAft>
-                <a:buNone/>
-              </a:pPr>
-              <a:endParaRPr/>
-            </a:p>
-          </p:txBody>
-        </p:sp>
-      </p:grpSp>
-      <p:grpSp>
-        <p:nvGrpSpPr>
-          <p:cNvPr id="28" name="Google Shape;1092;p50">
-            <a:extLst>
-              <a:ext uri="{FF2B5EF4-FFF2-40B4-BE49-F238E27FC236}">
-                <a16:creationId xmlns:a16="http://schemas.microsoft.com/office/drawing/2014/main" id="{6EBFE3C6-9990-442C-8FBE-8684CE414C22}"/>
-              </a:ext>
-            </a:extLst>
-          </p:cNvPr>
-          <p:cNvGrpSpPr/>
-          <p:nvPr/>
-        </p:nvGrpSpPr>
-        <p:grpSpPr>
-          <a:xfrm>
-            <a:off x="4996222" y="4639174"/>
-            <a:ext cx="411714" cy="411714"/>
-            <a:chOff x="5553950" y="1278575"/>
-            <a:chExt cx="480750" cy="480750"/>
-          </a:xfrm>
-        </p:grpSpPr>
-        <p:sp>
-          <p:nvSpPr>
-            <p:cNvPr id="29" name="Google Shape;1093;p50">
-              <a:extLst>
-                <a:ext uri="{FF2B5EF4-FFF2-40B4-BE49-F238E27FC236}">
-                  <a16:creationId xmlns:a16="http://schemas.microsoft.com/office/drawing/2014/main" id="{2679A176-3507-4A54-831B-439C37463DD8}"/>
-                </a:ext>
-              </a:extLst>
-            </p:cNvPr>
-            <p:cNvSpPr/>
-            <p:nvPr/>
-          </p:nvSpPr>
-          <p:spPr>
-            <a:xfrm>
-              <a:off x="5810250" y="1625975"/>
-              <a:ext cx="224450" cy="133350"/>
-            </a:xfrm>
-            <a:custGeom>
-              <a:avLst/>
-              <a:gdLst/>
-              <a:ahLst/>
-              <a:cxnLst/>
-              <a:rect l="l" t="t" r="r" b="b"/>
-              <a:pathLst>
-                <a:path w="8978" h="5334" extrusionOk="0">
-                  <a:moveTo>
-                    <a:pt x="5892" y="2094"/>
-                  </a:moveTo>
-                  <a:cubicBezTo>
-                    <a:pt x="6182" y="2094"/>
-                    <a:pt x="6460" y="2320"/>
-                    <a:pt x="6460" y="2659"/>
-                  </a:cubicBezTo>
-                  <a:cubicBezTo>
-                    <a:pt x="6460" y="2969"/>
-                    <a:pt x="6208" y="3221"/>
-                    <a:pt x="5898" y="3221"/>
-                  </a:cubicBezTo>
-                  <a:lnTo>
-                    <a:pt x="5895" y="3221"/>
-                  </a:lnTo>
-                  <a:cubicBezTo>
-                    <a:pt x="5393" y="3221"/>
-                    <a:pt x="5141" y="2614"/>
-                    <a:pt x="5498" y="2260"/>
-                  </a:cubicBezTo>
-                  <a:cubicBezTo>
-                    <a:pt x="5613" y="2145"/>
-                    <a:pt x="5754" y="2094"/>
-                    <a:pt x="5892" y="2094"/>
-                  </a:cubicBezTo>
-                  <a:close/>
-                  <a:moveTo>
-                    <a:pt x="7571" y="2094"/>
-                  </a:moveTo>
-                  <a:cubicBezTo>
-                    <a:pt x="7861" y="2094"/>
-                    <a:pt x="8140" y="2320"/>
-                    <a:pt x="8140" y="2659"/>
-                  </a:cubicBezTo>
-                  <a:cubicBezTo>
-                    <a:pt x="8140" y="2969"/>
-                    <a:pt x="7887" y="3221"/>
-                    <a:pt x="7575" y="3221"/>
-                  </a:cubicBezTo>
-                  <a:cubicBezTo>
-                    <a:pt x="7073" y="3221"/>
-                    <a:pt x="6820" y="2614"/>
-                    <a:pt x="7178" y="2260"/>
-                  </a:cubicBezTo>
-                  <a:cubicBezTo>
-                    <a:pt x="7292" y="2145"/>
-                    <a:pt x="7433" y="2094"/>
-                    <a:pt x="7571" y="2094"/>
-                  </a:cubicBezTo>
-                  <a:close/>
-                  <a:moveTo>
-                    <a:pt x="2253" y="1501"/>
-                  </a:moveTo>
-                  <a:cubicBezTo>
-                    <a:pt x="2565" y="1501"/>
-                    <a:pt x="2818" y="1753"/>
-                    <a:pt x="2818" y="2065"/>
-                  </a:cubicBezTo>
-                  <a:lnTo>
-                    <a:pt x="2818" y="2104"/>
-                  </a:lnTo>
-                  <a:lnTo>
-                    <a:pt x="2857" y="2104"/>
-                  </a:lnTo>
-                  <a:cubicBezTo>
-                    <a:pt x="3326" y="2104"/>
-                    <a:pt x="3660" y="2677"/>
-                    <a:pt x="3203" y="3161"/>
-                  </a:cubicBezTo>
-                  <a:cubicBezTo>
-                    <a:pt x="3158" y="3206"/>
-                    <a:pt x="3101" y="3230"/>
-                    <a:pt x="3038" y="3230"/>
-                  </a:cubicBezTo>
-                  <a:lnTo>
-                    <a:pt x="2818" y="3230"/>
-                  </a:lnTo>
-                  <a:lnTo>
-                    <a:pt x="2818" y="3453"/>
-                  </a:lnTo>
-                  <a:cubicBezTo>
-                    <a:pt x="2815" y="3516"/>
-                    <a:pt x="2791" y="3573"/>
-                    <a:pt x="2746" y="3615"/>
-                  </a:cubicBezTo>
-                  <a:cubicBezTo>
-                    <a:pt x="2583" y="3770"/>
-                    <a:pt x="2410" y="3835"/>
-                    <a:pt x="2253" y="3835"/>
-                  </a:cubicBezTo>
-                  <a:cubicBezTo>
-                    <a:pt x="1943" y="3835"/>
-                    <a:pt x="1692" y="3583"/>
-                    <a:pt x="1692" y="3272"/>
-                  </a:cubicBezTo>
-                  <a:lnTo>
-                    <a:pt x="1692" y="3230"/>
-                  </a:lnTo>
-                  <a:lnTo>
-                    <a:pt x="1469" y="3230"/>
-                  </a:lnTo>
-                  <a:cubicBezTo>
-                    <a:pt x="1406" y="3230"/>
-                    <a:pt x="1349" y="3206"/>
-                    <a:pt x="1307" y="3161"/>
-                  </a:cubicBezTo>
-                  <a:cubicBezTo>
-                    <a:pt x="847" y="2677"/>
-                    <a:pt x="1181" y="2104"/>
-                    <a:pt x="1650" y="2104"/>
-                  </a:cubicBezTo>
-                  <a:lnTo>
-                    <a:pt x="1692" y="2104"/>
-                  </a:lnTo>
-                  <a:lnTo>
-                    <a:pt x="1692" y="1881"/>
-                  </a:lnTo>
-                  <a:cubicBezTo>
-                    <a:pt x="1692" y="1821"/>
-                    <a:pt x="1716" y="1761"/>
-                    <a:pt x="1761" y="1719"/>
-                  </a:cubicBezTo>
-                  <a:cubicBezTo>
-                    <a:pt x="1923" y="1566"/>
-                    <a:pt x="2096" y="1501"/>
-                    <a:pt x="2253" y="1501"/>
-                  </a:cubicBezTo>
-                  <a:close/>
-                  <a:moveTo>
-                    <a:pt x="1770" y="0"/>
-                  </a:moveTo>
-                  <a:cubicBezTo>
-                    <a:pt x="793" y="0"/>
-                    <a:pt x="0" y="794"/>
-                    <a:pt x="0" y="1770"/>
-                  </a:cubicBezTo>
-                  <a:lnTo>
-                    <a:pt x="0" y="3564"/>
-                  </a:lnTo>
-                  <a:cubicBezTo>
-                    <a:pt x="0" y="4540"/>
-                    <a:pt x="793" y="5334"/>
-                    <a:pt x="1770" y="5334"/>
-                  </a:cubicBezTo>
-                  <a:lnTo>
-                    <a:pt x="7205" y="5334"/>
-                  </a:lnTo>
-                  <a:cubicBezTo>
-                    <a:pt x="8185" y="5334"/>
-                    <a:pt x="8978" y="4540"/>
-                    <a:pt x="8978" y="3564"/>
-                  </a:cubicBezTo>
-                  <a:lnTo>
-                    <a:pt x="8978" y="1773"/>
-                  </a:lnTo>
-                  <a:cubicBezTo>
-                    <a:pt x="8978" y="794"/>
-                    <a:pt x="8185" y="0"/>
-                    <a:pt x="7205" y="0"/>
-                  </a:cubicBezTo>
-                  <a:close/>
-                </a:path>
-              </a:pathLst>
-            </a:custGeom>
-            <a:ln/>
-          </p:spPr>
-          <p:style>
-            <a:lnRef idx="1">
-              <a:schemeClr val="accent3"/>
-            </a:lnRef>
-            <a:fillRef idx="2">
-              <a:schemeClr val="accent3"/>
-            </a:fillRef>
-            <a:effectRef idx="1">
-              <a:schemeClr val="accent3"/>
-            </a:effectRef>
-            <a:fontRef idx="minor">
-              <a:schemeClr val="dk1"/>
-            </a:fontRef>
-          </p:style>
-          <p:txBody>
-            <a:bodyPr spcFirstLastPara="1" wrap="square" lIns="91425" tIns="91425" rIns="91425" bIns="91425" anchor="ctr" anchorCtr="0">
-              <a:noAutofit/>
-            </a:bodyPr>
-            <a:lstStyle/>
-            <a:p>
-              <a:pPr marL="0" lvl="0" indent="0" algn="l" rtl="0">
-                <a:spcBef>
-                  <a:spcPts val="0"/>
-                </a:spcBef>
-                <a:spcAft>
-                  <a:spcPts val="0"/>
-                </a:spcAft>
-                <a:buNone/>
-              </a:pPr>
-              <a:endParaRPr/>
-            </a:p>
-          </p:txBody>
-        </p:sp>
-        <p:sp>
-          <p:nvSpPr>
-            <p:cNvPr id="30" name="Google Shape;1094;p50">
-              <a:extLst>
-                <a:ext uri="{FF2B5EF4-FFF2-40B4-BE49-F238E27FC236}">
-                  <a16:creationId xmlns:a16="http://schemas.microsoft.com/office/drawing/2014/main" id="{F35166F6-61B2-4976-A20A-A4E2A379F849}"/>
-                </a:ext>
-              </a:extLst>
-            </p:cNvPr>
-            <p:cNvSpPr/>
-            <p:nvPr/>
-          </p:nvSpPr>
-          <p:spPr>
-            <a:xfrm>
-              <a:off x="5553950" y="1625975"/>
-              <a:ext cx="224400" cy="133350"/>
-            </a:xfrm>
-            <a:custGeom>
-              <a:avLst/>
-              <a:gdLst/>
-              <a:ahLst/>
-              <a:cxnLst/>
-              <a:rect l="l" t="t" r="r" b="b"/>
-              <a:pathLst>
-                <a:path w="8976" h="5334" extrusionOk="0">
-                  <a:moveTo>
-                    <a:pt x="5885" y="2094"/>
-                  </a:moveTo>
-                  <a:cubicBezTo>
-                    <a:pt x="6176" y="2094"/>
-                    <a:pt x="6454" y="2320"/>
-                    <a:pt x="6454" y="2659"/>
-                  </a:cubicBezTo>
-                  <a:cubicBezTo>
-                    <a:pt x="6454" y="2969"/>
-                    <a:pt x="6202" y="3221"/>
-                    <a:pt x="5889" y="3221"/>
-                  </a:cubicBezTo>
-                  <a:cubicBezTo>
-                    <a:pt x="5388" y="3221"/>
-                    <a:pt x="5135" y="2614"/>
-                    <a:pt x="5490" y="2260"/>
-                  </a:cubicBezTo>
-                  <a:cubicBezTo>
-                    <a:pt x="5605" y="2145"/>
-                    <a:pt x="5747" y="2094"/>
-                    <a:pt x="5885" y="2094"/>
-                  </a:cubicBezTo>
-                  <a:close/>
-                  <a:moveTo>
-                    <a:pt x="7563" y="2094"/>
-                  </a:moveTo>
-                  <a:cubicBezTo>
-                    <a:pt x="7852" y="2094"/>
-                    <a:pt x="8131" y="2320"/>
-                    <a:pt x="8131" y="2659"/>
-                  </a:cubicBezTo>
-                  <a:cubicBezTo>
-                    <a:pt x="8131" y="2969"/>
-                    <a:pt x="7878" y="3221"/>
-                    <a:pt x="7569" y="3221"/>
-                  </a:cubicBezTo>
-                  <a:cubicBezTo>
-                    <a:pt x="7067" y="3221"/>
-                    <a:pt x="6815" y="2614"/>
-                    <a:pt x="7169" y="2260"/>
-                  </a:cubicBezTo>
-                  <a:cubicBezTo>
-                    <a:pt x="7284" y="2145"/>
-                    <a:pt x="7424" y="2094"/>
-                    <a:pt x="7563" y="2094"/>
-                  </a:cubicBezTo>
-                  <a:close/>
-                  <a:moveTo>
-                    <a:pt x="2254" y="1502"/>
-                  </a:moveTo>
-                  <a:cubicBezTo>
-                    <a:pt x="2559" y="1502"/>
-                    <a:pt x="2816" y="1750"/>
-                    <a:pt x="2816" y="2065"/>
-                  </a:cubicBezTo>
-                  <a:lnTo>
-                    <a:pt x="2816" y="2104"/>
-                  </a:lnTo>
-                  <a:lnTo>
-                    <a:pt x="2840" y="2104"/>
-                  </a:lnTo>
-                  <a:cubicBezTo>
-                    <a:pt x="2842" y="2104"/>
-                    <a:pt x="2844" y="2104"/>
-                    <a:pt x="2846" y="2104"/>
-                  </a:cubicBezTo>
-                  <a:cubicBezTo>
-                    <a:pt x="3135" y="2104"/>
-                    <a:pt x="3378" y="2316"/>
-                    <a:pt x="3417" y="2602"/>
-                  </a:cubicBezTo>
-                  <a:cubicBezTo>
-                    <a:pt x="3453" y="2939"/>
-                    <a:pt x="3191" y="3230"/>
-                    <a:pt x="2855" y="3230"/>
-                  </a:cubicBezTo>
-                  <a:lnTo>
-                    <a:pt x="2816" y="3230"/>
-                  </a:lnTo>
-                  <a:lnTo>
-                    <a:pt x="2816" y="3257"/>
-                  </a:lnTo>
-                  <a:cubicBezTo>
-                    <a:pt x="2819" y="3546"/>
-                    <a:pt x="2605" y="3795"/>
-                    <a:pt x="2317" y="3831"/>
-                  </a:cubicBezTo>
-                  <a:cubicBezTo>
-                    <a:pt x="2295" y="3834"/>
-                    <a:pt x="2273" y="3835"/>
-                    <a:pt x="2251" y="3835"/>
-                  </a:cubicBezTo>
-                  <a:cubicBezTo>
-                    <a:pt x="1945" y="3835"/>
-                    <a:pt x="1689" y="3586"/>
-                    <a:pt x="1689" y="3272"/>
-                  </a:cubicBezTo>
-                  <a:lnTo>
-                    <a:pt x="1689" y="3230"/>
-                  </a:lnTo>
-                  <a:lnTo>
-                    <a:pt x="1665" y="3230"/>
-                  </a:lnTo>
-                  <a:cubicBezTo>
-                    <a:pt x="1661" y="3230"/>
-                    <a:pt x="1657" y="3230"/>
-                    <a:pt x="1653" y="3230"/>
-                  </a:cubicBezTo>
-                  <a:cubicBezTo>
-                    <a:pt x="1367" y="3230"/>
-                    <a:pt x="1124" y="3016"/>
-                    <a:pt x="1088" y="2732"/>
-                  </a:cubicBezTo>
-                  <a:cubicBezTo>
-                    <a:pt x="1049" y="2398"/>
-                    <a:pt x="1310" y="2104"/>
-                    <a:pt x="1647" y="2104"/>
-                  </a:cubicBezTo>
-                  <a:lnTo>
-                    <a:pt x="1689" y="2104"/>
-                  </a:lnTo>
-                  <a:lnTo>
-                    <a:pt x="1689" y="2080"/>
-                  </a:lnTo>
-                  <a:cubicBezTo>
-                    <a:pt x="1686" y="1788"/>
-                    <a:pt x="1899" y="1542"/>
-                    <a:pt x="2188" y="1506"/>
-                  </a:cubicBezTo>
-                  <a:cubicBezTo>
-                    <a:pt x="2210" y="1503"/>
-                    <a:pt x="2232" y="1502"/>
-                    <a:pt x="2254" y="1502"/>
-                  </a:cubicBezTo>
-                  <a:close/>
-                  <a:moveTo>
-                    <a:pt x="1770" y="0"/>
-                  </a:moveTo>
-                  <a:cubicBezTo>
-                    <a:pt x="791" y="0"/>
-                    <a:pt x="0" y="794"/>
-                    <a:pt x="0" y="1770"/>
-                  </a:cubicBezTo>
-                  <a:lnTo>
-                    <a:pt x="0" y="3564"/>
-                  </a:lnTo>
-                  <a:cubicBezTo>
-                    <a:pt x="0" y="4540"/>
-                    <a:pt x="791" y="5334"/>
-                    <a:pt x="1770" y="5334"/>
-                  </a:cubicBezTo>
-                  <a:lnTo>
-                    <a:pt x="7205" y="5334"/>
-                  </a:lnTo>
-                  <a:cubicBezTo>
-                    <a:pt x="8182" y="5334"/>
-                    <a:pt x="8975" y="4540"/>
-                    <a:pt x="8975" y="3564"/>
-                  </a:cubicBezTo>
-                  <a:lnTo>
-                    <a:pt x="8975" y="1773"/>
-                  </a:lnTo>
-                  <a:cubicBezTo>
-                    <a:pt x="8975" y="794"/>
-                    <a:pt x="8182" y="0"/>
-                    <a:pt x="7205" y="0"/>
-                  </a:cubicBezTo>
-                  <a:close/>
-                </a:path>
-              </a:pathLst>
-            </a:custGeom>
-            <a:ln/>
-          </p:spPr>
-          <p:style>
-            <a:lnRef idx="1">
-              <a:schemeClr val="accent3"/>
-            </a:lnRef>
-            <a:fillRef idx="2">
-              <a:schemeClr val="accent3"/>
-            </a:fillRef>
-            <a:effectRef idx="1">
-              <a:schemeClr val="accent3"/>
-            </a:effectRef>
-            <a:fontRef idx="minor">
-              <a:schemeClr val="dk1"/>
-            </a:fontRef>
-          </p:style>
-          <p:txBody>
-            <a:bodyPr spcFirstLastPara="1" wrap="square" lIns="91425" tIns="91425" rIns="91425" bIns="91425" anchor="ctr" anchorCtr="0">
-              <a:noAutofit/>
-            </a:bodyPr>
-            <a:lstStyle/>
-            <a:p>
-              <a:pPr marL="0" lvl="0" indent="0" algn="l" rtl="0">
-                <a:spcBef>
-                  <a:spcPts val="0"/>
-                </a:spcBef>
-                <a:spcAft>
-                  <a:spcPts val="0"/>
-                </a:spcAft>
-                <a:buNone/>
-              </a:pPr>
-              <a:endParaRPr/>
-            </a:p>
-          </p:txBody>
-        </p:sp>
-        <p:sp>
-          <p:nvSpPr>
-            <p:cNvPr id="31" name="Google Shape;1095;p50">
-              <a:extLst>
-                <a:ext uri="{FF2B5EF4-FFF2-40B4-BE49-F238E27FC236}">
-                  <a16:creationId xmlns:a16="http://schemas.microsoft.com/office/drawing/2014/main" id="{88BBFE40-37BA-4CDC-90C5-A196F2271B81}"/>
-                </a:ext>
-              </a:extLst>
-            </p:cNvPr>
-            <p:cNvSpPr/>
-            <p:nvPr/>
-          </p:nvSpPr>
-          <p:spPr>
-            <a:xfrm>
-              <a:off x="5553950" y="1278575"/>
-              <a:ext cx="480750" cy="299575"/>
-            </a:xfrm>
-            <a:custGeom>
-              <a:avLst/>
-              <a:gdLst/>
-              <a:ahLst/>
-              <a:cxnLst/>
-              <a:rect l="l" t="t" r="r" b="b"/>
-              <a:pathLst>
-                <a:path w="19230" h="11983" extrusionOk="0">
-                  <a:moveTo>
-                    <a:pt x="8566" y="3923"/>
-                  </a:moveTo>
-                  <a:cubicBezTo>
-                    <a:pt x="8872" y="3923"/>
-                    <a:pt x="9128" y="4172"/>
-                    <a:pt x="9128" y="4486"/>
-                  </a:cubicBezTo>
-                  <a:lnTo>
-                    <a:pt x="9125" y="6301"/>
-                  </a:lnTo>
-                  <a:cubicBezTo>
-                    <a:pt x="9125" y="6421"/>
-                    <a:pt x="9086" y="6541"/>
-                    <a:pt x="9014" y="6637"/>
-                  </a:cubicBezTo>
-                  <a:lnTo>
-                    <a:pt x="8113" y="7839"/>
-                  </a:lnTo>
-                  <a:cubicBezTo>
-                    <a:pt x="7999" y="7988"/>
-                    <a:pt x="7830" y="8062"/>
-                    <a:pt x="7661" y="8062"/>
-                  </a:cubicBezTo>
-                  <a:cubicBezTo>
-                    <a:pt x="7492" y="8062"/>
-                    <a:pt x="7324" y="7988"/>
-                    <a:pt x="7211" y="7839"/>
-                  </a:cubicBezTo>
-                  <a:lnTo>
-                    <a:pt x="6310" y="6637"/>
-                  </a:lnTo>
-                  <a:cubicBezTo>
-                    <a:pt x="6238" y="6541"/>
-                    <a:pt x="6199" y="6421"/>
-                    <a:pt x="6199" y="6301"/>
-                  </a:cubicBezTo>
-                  <a:lnTo>
-                    <a:pt x="6199" y="4501"/>
-                  </a:lnTo>
-                  <a:cubicBezTo>
-                    <a:pt x="6196" y="4213"/>
-                    <a:pt x="6409" y="3963"/>
-                    <a:pt x="6698" y="3927"/>
-                  </a:cubicBezTo>
-                  <a:cubicBezTo>
-                    <a:pt x="6720" y="3925"/>
-                    <a:pt x="6742" y="3923"/>
-                    <a:pt x="6764" y="3923"/>
-                  </a:cubicBezTo>
-                  <a:cubicBezTo>
-                    <a:pt x="7069" y="3923"/>
-                    <a:pt x="7326" y="4172"/>
-                    <a:pt x="7326" y="4486"/>
-                  </a:cubicBezTo>
-                  <a:lnTo>
-                    <a:pt x="7326" y="6111"/>
-                  </a:lnTo>
-                  <a:lnTo>
-                    <a:pt x="7662" y="6562"/>
-                  </a:lnTo>
-                  <a:lnTo>
-                    <a:pt x="8002" y="6111"/>
-                  </a:lnTo>
-                  <a:lnTo>
-                    <a:pt x="8002" y="4501"/>
-                  </a:lnTo>
-                  <a:cubicBezTo>
-                    <a:pt x="7999" y="4210"/>
-                    <a:pt x="8212" y="3963"/>
-                    <a:pt x="8500" y="3927"/>
-                  </a:cubicBezTo>
-                  <a:cubicBezTo>
-                    <a:pt x="8523" y="3925"/>
-                    <a:pt x="8545" y="3923"/>
-                    <a:pt x="8566" y="3923"/>
-                  </a:cubicBezTo>
-                  <a:close/>
-                  <a:moveTo>
-                    <a:pt x="12283" y="3945"/>
-                  </a:moveTo>
-                  <a:cubicBezTo>
-                    <a:pt x="12569" y="3945"/>
-                    <a:pt x="12812" y="4157"/>
-                    <a:pt x="12851" y="4444"/>
-                  </a:cubicBezTo>
-                  <a:cubicBezTo>
-                    <a:pt x="12890" y="4777"/>
-                    <a:pt x="12629" y="5072"/>
-                    <a:pt x="12292" y="5072"/>
-                  </a:cubicBezTo>
-                  <a:lnTo>
-                    <a:pt x="10931" y="5072"/>
-                  </a:lnTo>
-                  <a:cubicBezTo>
-                    <a:pt x="10823" y="5072"/>
-                    <a:pt x="10736" y="5165"/>
-                    <a:pt x="10745" y="5273"/>
-                  </a:cubicBezTo>
-                  <a:cubicBezTo>
-                    <a:pt x="10754" y="5370"/>
-                    <a:pt x="10838" y="5448"/>
-                    <a:pt x="10935" y="5448"/>
-                  </a:cubicBezTo>
-                  <a:cubicBezTo>
-                    <a:pt x="10936" y="5448"/>
-                    <a:pt x="10938" y="5447"/>
-                    <a:pt x="10940" y="5447"/>
-                  </a:cubicBezTo>
-                  <a:lnTo>
-                    <a:pt x="11811" y="5447"/>
-                  </a:lnTo>
-                  <a:cubicBezTo>
-                    <a:pt x="12575" y="5447"/>
-                    <a:pt x="13200" y="6084"/>
-                    <a:pt x="13151" y="6848"/>
-                  </a:cubicBezTo>
-                  <a:cubicBezTo>
-                    <a:pt x="13106" y="7539"/>
-                    <a:pt x="12533" y="8076"/>
-                    <a:pt x="11838" y="8076"/>
-                  </a:cubicBezTo>
-                  <a:lnTo>
-                    <a:pt x="10495" y="8076"/>
-                  </a:lnTo>
-                  <a:cubicBezTo>
-                    <a:pt x="10493" y="8076"/>
-                    <a:pt x="10491" y="8076"/>
-                    <a:pt x="10489" y="8076"/>
-                  </a:cubicBezTo>
-                  <a:cubicBezTo>
-                    <a:pt x="10201" y="8076"/>
-                    <a:pt x="9957" y="7864"/>
-                    <a:pt x="9922" y="7578"/>
-                  </a:cubicBezTo>
-                  <a:cubicBezTo>
-                    <a:pt x="9882" y="7241"/>
-                    <a:pt x="10144" y="6950"/>
-                    <a:pt x="10480" y="6950"/>
-                  </a:cubicBezTo>
-                  <a:lnTo>
-                    <a:pt x="11838" y="6950"/>
-                  </a:lnTo>
-                  <a:cubicBezTo>
-                    <a:pt x="11947" y="6950"/>
-                    <a:pt x="12034" y="6860"/>
-                    <a:pt x="12028" y="6751"/>
-                  </a:cubicBezTo>
-                  <a:cubicBezTo>
-                    <a:pt x="12019" y="6651"/>
-                    <a:pt x="11935" y="6574"/>
-                    <a:pt x="11835" y="6574"/>
-                  </a:cubicBezTo>
-                  <a:cubicBezTo>
-                    <a:pt x="11833" y="6574"/>
-                    <a:pt x="11831" y="6574"/>
-                    <a:pt x="11829" y="6574"/>
-                  </a:cubicBezTo>
-                  <a:lnTo>
-                    <a:pt x="10961" y="6574"/>
-                  </a:lnTo>
-                  <a:cubicBezTo>
-                    <a:pt x="10192" y="6574"/>
-                    <a:pt x="9570" y="5943"/>
-                    <a:pt x="9621" y="5174"/>
-                  </a:cubicBezTo>
-                  <a:cubicBezTo>
-                    <a:pt x="9666" y="4483"/>
-                    <a:pt x="10240" y="3945"/>
-                    <a:pt x="10931" y="3945"/>
-                  </a:cubicBezTo>
-                  <a:lnTo>
-                    <a:pt x="12277" y="3945"/>
-                  </a:lnTo>
-                  <a:cubicBezTo>
-                    <a:pt x="12279" y="3945"/>
-                    <a:pt x="12281" y="3945"/>
-                    <a:pt x="12283" y="3945"/>
-                  </a:cubicBezTo>
-                  <a:close/>
-                  <a:moveTo>
-                    <a:pt x="562" y="0"/>
-                  </a:moveTo>
-                  <a:cubicBezTo>
-                    <a:pt x="250" y="0"/>
-                    <a:pt x="0" y="252"/>
-                    <a:pt x="0" y="565"/>
-                  </a:cubicBezTo>
-                  <a:lnTo>
-                    <a:pt x="0" y="11418"/>
-                  </a:lnTo>
-                  <a:cubicBezTo>
-                    <a:pt x="0" y="11730"/>
-                    <a:pt x="250" y="11982"/>
-                    <a:pt x="562" y="11982"/>
-                  </a:cubicBezTo>
-                  <a:lnTo>
-                    <a:pt x="2822" y="11982"/>
-                  </a:lnTo>
-                  <a:lnTo>
-                    <a:pt x="6199" y="8608"/>
-                  </a:lnTo>
-                  <a:cubicBezTo>
-                    <a:pt x="6309" y="8488"/>
-                    <a:pt x="6459" y="8428"/>
-                    <a:pt x="6610" y="8428"/>
-                  </a:cubicBezTo>
-                  <a:cubicBezTo>
-                    <a:pt x="6754" y="8428"/>
-                    <a:pt x="6898" y="8483"/>
-                    <a:pt x="7010" y="8593"/>
-                  </a:cubicBezTo>
-                  <a:cubicBezTo>
-                    <a:pt x="7235" y="8819"/>
-                    <a:pt x="7226" y="9188"/>
-                    <a:pt x="6995" y="9404"/>
-                  </a:cubicBezTo>
-                  <a:lnTo>
-                    <a:pt x="4417" y="11982"/>
-                  </a:lnTo>
-                  <a:lnTo>
-                    <a:pt x="18665" y="11982"/>
-                  </a:lnTo>
-                  <a:cubicBezTo>
-                    <a:pt x="18977" y="11982"/>
-                    <a:pt x="19230" y="11730"/>
-                    <a:pt x="19230" y="11418"/>
-                  </a:cubicBezTo>
-                  <a:lnTo>
-                    <a:pt x="19230" y="565"/>
-                  </a:lnTo>
-                  <a:cubicBezTo>
-                    <a:pt x="19230" y="252"/>
-                    <a:pt x="18977" y="0"/>
-                    <a:pt x="18665" y="0"/>
-                  </a:cubicBezTo>
-                  <a:lnTo>
-                    <a:pt x="16405" y="0"/>
-                  </a:lnTo>
-                  <a:lnTo>
-                    <a:pt x="13028" y="3374"/>
-                  </a:lnTo>
-                  <a:cubicBezTo>
-                    <a:pt x="12918" y="3492"/>
-                    <a:pt x="12770" y="3550"/>
-                    <a:pt x="12620" y="3550"/>
-                  </a:cubicBezTo>
-                  <a:cubicBezTo>
-                    <a:pt x="12476" y="3550"/>
-                    <a:pt x="12331" y="3496"/>
-                    <a:pt x="12220" y="3386"/>
-                  </a:cubicBezTo>
-                  <a:cubicBezTo>
-                    <a:pt x="11998" y="3161"/>
-                    <a:pt x="12001" y="2797"/>
-                    <a:pt x="12232" y="2578"/>
-                  </a:cubicBezTo>
-                  <a:lnTo>
-                    <a:pt x="14810" y="0"/>
-                  </a:lnTo>
-                  <a:close/>
-                </a:path>
-              </a:pathLst>
-            </a:custGeom>
-            <a:ln/>
-          </p:spPr>
-          <p:style>
-            <a:lnRef idx="1">
-              <a:schemeClr val="accent3"/>
-            </a:lnRef>
-            <a:fillRef idx="2">
-              <a:schemeClr val="accent3"/>
-            </a:fillRef>
-            <a:effectRef idx="1">
-              <a:schemeClr val="accent3"/>
-            </a:effectRef>
-            <a:fontRef idx="minor">
-              <a:schemeClr val="dk1"/>
-            </a:fontRef>
-          </p:style>
-          <p:txBody>
-            <a:bodyPr spcFirstLastPara="1" wrap="square" lIns="91425" tIns="91425" rIns="91425" bIns="91425" anchor="ctr" anchorCtr="0">
-              <a:noAutofit/>
-            </a:bodyPr>
-            <a:lstStyle/>
-            <a:p>
-              <a:pPr marL="0" lvl="0" indent="0" algn="l" rtl="0">
-                <a:spcBef>
-                  <a:spcPts val="0"/>
-                </a:spcBef>
-                <a:spcAft>
-                  <a:spcPts val="0"/>
-                </a:spcAft>
-                <a:buNone/>
-              </a:pPr>
-              <a:endParaRPr/>
-            </a:p>
-          </p:txBody>
-        </p:sp>
-      </p:grpSp>
-      <p:sp>
-        <p:nvSpPr>
-          <p:cNvPr id="2" name="TextBox 1">
-            <a:extLst>
-              <a:ext uri="{FF2B5EF4-FFF2-40B4-BE49-F238E27FC236}">
-                <a16:creationId xmlns:a16="http://schemas.microsoft.com/office/drawing/2014/main" id="{8C743145-8D52-4B58-9E13-C1742F319C76}"/>
-              </a:ext>
-            </a:extLst>
-          </p:cNvPr>
-          <p:cNvSpPr txBox="1"/>
-          <p:nvPr/>
-        </p:nvSpPr>
-        <p:spPr>
-          <a:xfrm>
-            <a:off x="86955" y="2258024"/>
-            <a:ext cx="5369638" cy="3323987"/>
-          </a:xfrm>
-          <a:prstGeom prst="rect">
-            <a:avLst/>
-          </a:prstGeom>
-          <a:noFill/>
-        </p:spPr>
-        <p:txBody>
-          <a:bodyPr wrap="square" rtlCol="0">
-            <a:spAutoFit/>
-          </a:bodyPr>
-          <a:lstStyle/>
-          <a:p>
-            <a:pPr marL="285750" lvl="2" indent="-285750">
-              <a:buClr>
-                <a:srgbClr val="0070C0"/>
-              </a:buClr>
-              <a:buFont typeface="Arial" panose="020B0604020202020204" pitchFamily="34" charset="0"/>
-              <a:buChar char="•"/>
-            </a:pPr>
-            <a:r>
-              <a:rPr lang="en-US" b="1" i="0" dirty="0">
-                <a:solidFill>
-                  <a:srgbClr val="0070C0"/>
-                </a:solidFill>
-                <a:effectLst/>
-                <a:latin typeface="-apple-system"/>
-              </a:rPr>
-              <a:t>Register</a:t>
-            </a:r>
-            <a:r>
-              <a:rPr lang="en-US" b="0" i="0" dirty="0">
-                <a:solidFill>
-                  <a:srgbClr val="0070C0"/>
-                </a:solidFill>
-                <a:effectLst/>
-                <a:latin typeface="-apple-system"/>
-              </a:rPr>
-              <a:t>: Account with username, and password to record his result (stored in database)</a:t>
-            </a:r>
-          </a:p>
-          <a:p>
-            <a:pPr marL="285750" lvl="2" indent="-285750">
-              <a:buClr>
-                <a:srgbClr val="0070C0"/>
-              </a:buClr>
-              <a:buFont typeface="Arial" panose="020B0604020202020204" pitchFamily="34" charset="0"/>
-              <a:buChar char="•"/>
-            </a:pPr>
-            <a:endParaRPr lang="en-US" b="0" i="0" dirty="0">
-              <a:solidFill>
-                <a:srgbClr val="0070C0"/>
-              </a:solidFill>
-              <a:effectLst/>
-              <a:latin typeface="-apple-system"/>
-            </a:endParaRPr>
-          </a:p>
-          <a:p>
-            <a:pPr marL="285750" lvl="2" indent="-285750" algn="r">
-              <a:buClr>
-                <a:srgbClr val="0070C0"/>
-              </a:buClr>
-              <a:buFont typeface="Arial" panose="020B0604020202020204" pitchFamily="34" charset="0"/>
-              <a:buChar char="•"/>
-            </a:pPr>
-            <a:r>
-              <a:rPr lang="en-US" b="1" i="0" dirty="0">
-                <a:solidFill>
-                  <a:srgbClr val="0070C0"/>
-                </a:solidFill>
-                <a:effectLst/>
-                <a:latin typeface="-apple-system"/>
-              </a:rPr>
-              <a:t>Login</a:t>
-            </a:r>
-            <a:r>
-              <a:rPr lang="en-US" b="0" i="0" dirty="0">
-                <a:solidFill>
-                  <a:srgbClr val="0070C0"/>
-                </a:solidFill>
-                <a:effectLst/>
-                <a:latin typeface="-apple-system"/>
-              </a:rPr>
-              <a:t>: Player enters username and password for server to authenticate. Server returns success or</a:t>
-            </a:r>
-            <a:r>
-              <a:rPr lang="en-US" dirty="0">
-                <a:solidFill>
-                  <a:srgbClr val="0070C0"/>
-                </a:solidFill>
-                <a:latin typeface="-apple-system"/>
-              </a:rPr>
-              <a:t> fail login message</a:t>
-            </a:r>
-          </a:p>
-          <a:p>
-            <a:pPr marL="285750" lvl="2" indent="-285750" algn="r">
-              <a:buClr>
-                <a:srgbClr val="0070C0"/>
-              </a:buClr>
-              <a:buFont typeface="Arial" panose="020B0604020202020204" pitchFamily="34" charset="0"/>
-              <a:buChar char="•"/>
-            </a:pPr>
-            <a:endParaRPr lang="en-US" b="0" i="0" dirty="0">
-              <a:solidFill>
-                <a:srgbClr val="0070C0"/>
-              </a:solidFill>
-              <a:effectLst/>
-              <a:latin typeface="-apple-system"/>
-            </a:endParaRPr>
-          </a:p>
-          <a:p>
-            <a:pPr marL="285750" indent="-285750">
-              <a:buClr>
-                <a:srgbClr val="0070C0"/>
-              </a:buClr>
-              <a:buFont typeface="Arial" panose="020B0604020202020204" pitchFamily="34" charset="0"/>
-              <a:buChar char="•"/>
-            </a:pPr>
-            <a:r>
-              <a:rPr lang="en-US" b="1" dirty="0">
-                <a:solidFill>
-                  <a:srgbClr val="0070C0"/>
-                </a:solidFill>
-                <a:latin typeface="-apple-system"/>
-              </a:rPr>
-              <a:t>P</a:t>
-            </a:r>
-            <a:r>
-              <a:rPr lang="en-US" b="1" i="0" dirty="0">
-                <a:solidFill>
-                  <a:srgbClr val="0070C0"/>
-                </a:solidFill>
-                <a:effectLst/>
-                <a:latin typeface="-apple-system"/>
-              </a:rPr>
-              <a:t>laying as a guest</a:t>
-            </a:r>
-            <a:r>
-              <a:rPr lang="en-US" b="0" i="0" dirty="0">
-                <a:solidFill>
-                  <a:srgbClr val="0070C0"/>
-                </a:solidFill>
-                <a:effectLst/>
-                <a:latin typeface="-apple-system"/>
-              </a:rPr>
-              <a:t>, a temporary id is assigned and result is not recorded for future plays</a:t>
-            </a:r>
-          </a:p>
-          <a:p>
-            <a:pPr algn="just">
-              <a:buClr>
-                <a:srgbClr val="0070C0"/>
-              </a:buClr>
-            </a:pPr>
-            <a:endParaRPr lang="en-US" b="0" i="0" dirty="0">
-              <a:solidFill>
-                <a:srgbClr val="0070C0"/>
-              </a:solidFill>
-              <a:effectLst/>
-              <a:latin typeface="-apple-system"/>
-            </a:endParaRPr>
-          </a:p>
-          <a:p>
-            <a:pPr marL="285750" indent="-285750" algn="r">
-              <a:buClr>
-                <a:srgbClr val="0070C0"/>
-              </a:buClr>
-              <a:buFont typeface="Arial" panose="020B0604020202020204" pitchFamily="34" charset="0"/>
-              <a:buChar char="•"/>
-            </a:pPr>
-            <a:r>
-              <a:rPr lang="en-US" b="1" i="0" dirty="0">
-                <a:solidFill>
-                  <a:srgbClr val="0070C0"/>
-                </a:solidFill>
-                <a:effectLst/>
-                <a:latin typeface="-apple-system"/>
-              </a:rPr>
-              <a:t>Ranking</a:t>
-            </a:r>
-            <a:r>
-              <a:rPr lang="en-US" b="0" i="0" dirty="0">
-                <a:solidFill>
-                  <a:srgbClr val="0070C0"/>
-                </a:solidFill>
-                <a:effectLst/>
-                <a:latin typeface="-apple-system"/>
-              </a:rPr>
-              <a:t>: Win – 10 pts | Draw – 0 pts | Loss – 5 pts </a:t>
-            </a:r>
-          </a:p>
-          <a:p>
-            <a:pPr algn="just">
-              <a:buClr>
-                <a:srgbClr val="0070C0"/>
-              </a:buClr>
-            </a:pPr>
-            <a:endParaRPr lang="en-US" b="0" i="0" dirty="0">
-              <a:solidFill>
-                <a:srgbClr val="0070C0"/>
-              </a:solidFill>
-              <a:effectLst/>
-              <a:latin typeface="-apple-system"/>
-            </a:endParaRPr>
-          </a:p>
-          <a:p>
-            <a:pPr marL="285750" indent="-285750">
-              <a:buClr>
-                <a:srgbClr val="0070C0"/>
-              </a:buClr>
-              <a:buFont typeface="Arial" panose="020B0604020202020204" pitchFamily="34" charset="0"/>
-              <a:buChar char="•"/>
-            </a:pPr>
-            <a:r>
-              <a:rPr lang="en-US" b="1" i="0" dirty="0">
-                <a:solidFill>
-                  <a:srgbClr val="0070C0"/>
-                </a:solidFill>
-                <a:effectLst/>
-                <a:latin typeface="-apple-system"/>
-              </a:rPr>
-              <a:t>Matching</a:t>
-            </a:r>
-            <a:r>
-              <a:rPr lang="en-US" b="0" i="0" dirty="0">
-                <a:solidFill>
-                  <a:srgbClr val="0070C0"/>
-                </a:solidFill>
-                <a:effectLst/>
-                <a:latin typeface="-apple-system"/>
-              </a:rPr>
-              <a:t>: Player </a:t>
-            </a:r>
-            <a:r>
-              <a:rPr lang="en-US" dirty="0">
-                <a:solidFill>
-                  <a:srgbClr val="0070C0"/>
-                </a:solidFill>
-                <a:latin typeface="-apple-system"/>
-              </a:rPr>
-              <a:t>is </a:t>
-            </a:r>
-            <a:r>
-              <a:rPr lang="en-US" b="0" i="0" dirty="0">
-                <a:solidFill>
-                  <a:srgbClr val="0070C0"/>
-                </a:solidFill>
-                <a:effectLst/>
-                <a:latin typeface="-apple-system"/>
-              </a:rPr>
-              <a:t>randomly placed into an available room,         the system will find a match based on </a:t>
-            </a:r>
-            <a:r>
-              <a:rPr lang="en-US" dirty="0">
-                <a:solidFill>
-                  <a:srgbClr val="0070C0"/>
-                </a:solidFill>
-                <a:latin typeface="-apple-system"/>
-              </a:rPr>
-              <a:t>rank</a:t>
-            </a:r>
-            <a:endParaRPr lang="en-US" dirty="0">
-              <a:solidFill>
-                <a:srgbClr val="0070C0"/>
-              </a:solidFill>
-            </a:endParaRPr>
-          </a:p>
-          <a:p>
-            <a:pPr marL="285750" indent="-285750">
-              <a:buFont typeface="Arial" panose="020B0604020202020204" pitchFamily="34" charset="0"/>
-              <a:buChar char="•"/>
-            </a:pPr>
-            <a:endParaRPr lang="en-US" dirty="0">
-              <a:solidFill>
-                <a:srgbClr val="0070C0"/>
-              </a:solidFill>
-            </a:endParaRPr>
-          </a:p>
-          <a:p>
-            <a:endParaRPr lang="en-US" dirty="0"/>
-          </a:p>
-        </p:txBody>
-      </p:sp>
       <p:sp>
         <p:nvSpPr>
           <p:cNvPr id="3" name="TextBox 2">
@@ -28391,11 +26500,3601 @@
           </p:txBody>
         </p:sp>
       </p:grpSp>
+      <p:grpSp>
+        <p:nvGrpSpPr>
+          <p:cNvPr id="16" name="Google Shape;962;p50">
+            <a:extLst>
+              <a:ext uri="{FF2B5EF4-FFF2-40B4-BE49-F238E27FC236}">
+                <a16:creationId xmlns:a16="http://schemas.microsoft.com/office/drawing/2014/main" id="{CA013CAE-F2BF-4467-8CDD-6CE3662340EA}"/>
+              </a:ext>
+            </a:extLst>
+          </p:cNvPr>
+          <p:cNvGrpSpPr/>
+          <p:nvPr/>
+        </p:nvGrpSpPr>
+        <p:grpSpPr>
+          <a:xfrm>
+            <a:off x="739490" y="4081102"/>
+            <a:ext cx="417987" cy="389919"/>
+            <a:chOff x="1757850" y="2670575"/>
+            <a:chExt cx="488075" cy="455300"/>
+          </a:xfrm>
+        </p:grpSpPr>
+        <p:sp>
+          <p:nvSpPr>
+            <p:cNvPr id="17" name="Google Shape;963;p50">
+              <a:extLst>
+                <a:ext uri="{FF2B5EF4-FFF2-40B4-BE49-F238E27FC236}">
+                  <a16:creationId xmlns:a16="http://schemas.microsoft.com/office/drawing/2014/main" id="{FB88E917-F400-4410-913E-00E38EA2794A}"/>
+                </a:ext>
+              </a:extLst>
+            </p:cNvPr>
+            <p:cNvSpPr/>
+            <p:nvPr/>
+          </p:nvSpPr>
+          <p:spPr>
+            <a:xfrm>
+              <a:off x="2138975" y="2985175"/>
+              <a:ext cx="106950" cy="140700"/>
+            </a:xfrm>
+            <a:custGeom>
+              <a:avLst/>
+              <a:gdLst/>
+              <a:ahLst/>
+              <a:cxnLst/>
+              <a:rect l="l" t="t" r="r" b="b"/>
+              <a:pathLst>
+                <a:path w="4278" h="5628" extrusionOk="0">
+                  <a:moveTo>
+                    <a:pt x="2254" y="1"/>
+                  </a:moveTo>
+                  <a:lnTo>
+                    <a:pt x="2254" y="2651"/>
+                  </a:lnTo>
+                  <a:cubicBezTo>
+                    <a:pt x="2254" y="3616"/>
+                    <a:pt x="1464" y="4342"/>
+                    <a:pt x="568" y="4342"/>
+                  </a:cubicBezTo>
+                  <a:cubicBezTo>
+                    <a:pt x="381" y="4342"/>
+                    <a:pt x="190" y="4310"/>
+                    <a:pt x="1" y="4243"/>
+                  </a:cubicBezTo>
+                  <a:lnTo>
+                    <a:pt x="1" y="4459"/>
+                  </a:lnTo>
+                  <a:cubicBezTo>
+                    <a:pt x="1" y="4730"/>
+                    <a:pt x="190" y="4961"/>
+                    <a:pt x="455" y="5012"/>
+                  </a:cubicBezTo>
+                  <a:lnTo>
+                    <a:pt x="3471" y="5616"/>
+                  </a:lnTo>
+                  <a:cubicBezTo>
+                    <a:pt x="3509" y="5624"/>
+                    <a:pt x="3547" y="5627"/>
+                    <a:pt x="3583" y="5627"/>
+                  </a:cubicBezTo>
+                  <a:cubicBezTo>
+                    <a:pt x="3987" y="5627"/>
+                    <a:pt x="4277" y="5191"/>
+                    <a:pt x="4084" y="4808"/>
+                  </a:cubicBezTo>
+                  <a:lnTo>
+                    <a:pt x="3024" y="2744"/>
+                  </a:lnTo>
+                  <a:lnTo>
+                    <a:pt x="4054" y="1145"/>
+                  </a:lnTo>
+                  <a:cubicBezTo>
+                    <a:pt x="4270" y="812"/>
+                    <a:pt x="4081" y="364"/>
+                    <a:pt x="3691" y="286"/>
+                  </a:cubicBezTo>
+                  <a:lnTo>
+                    <a:pt x="2254" y="1"/>
+                  </a:lnTo>
+                  <a:close/>
+                </a:path>
+              </a:pathLst>
+            </a:custGeom>
+            <a:ln/>
+          </p:spPr>
+          <p:style>
+            <a:lnRef idx="1">
+              <a:schemeClr val="accent3"/>
+            </a:lnRef>
+            <a:fillRef idx="2">
+              <a:schemeClr val="accent3"/>
+            </a:fillRef>
+            <a:effectRef idx="1">
+              <a:schemeClr val="accent3"/>
+            </a:effectRef>
+            <a:fontRef idx="minor">
+              <a:schemeClr val="dk1"/>
+            </a:fontRef>
+          </p:style>
+          <p:txBody>
+            <a:bodyPr spcFirstLastPara="1" wrap="square" lIns="91425" tIns="91425" rIns="91425" bIns="91425" anchor="ctr" anchorCtr="0">
+              <a:noAutofit/>
+            </a:bodyPr>
+            <a:lstStyle/>
+            <a:p>
+              <a:pPr marL="0" lvl="0" indent="0" algn="l" rtl="0">
+                <a:spcBef>
+                  <a:spcPts val="0"/>
+                </a:spcBef>
+                <a:spcAft>
+                  <a:spcPts val="0"/>
+                </a:spcAft>
+                <a:buNone/>
+              </a:pPr>
+              <a:endParaRPr/>
+            </a:p>
+          </p:txBody>
+        </p:sp>
+        <p:sp>
+          <p:nvSpPr>
+            <p:cNvPr id="18" name="Google Shape;964;p50">
+              <a:extLst>
+                <a:ext uri="{FF2B5EF4-FFF2-40B4-BE49-F238E27FC236}">
+                  <a16:creationId xmlns:a16="http://schemas.microsoft.com/office/drawing/2014/main" id="{FD877DAC-4F94-44AE-AE02-0F046160B44B}"/>
+                </a:ext>
+              </a:extLst>
+            </p:cNvPr>
+            <p:cNvSpPr/>
+            <p:nvPr/>
+          </p:nvSpPr>
+          <p:spPr>
+            <a:xfrm>
+              <a:off x="1757925" y="2985250"/>
+              <a:ext cx="106850" cy="140625"/>
+            </a:xfrm>
+            <a:custGeom>
+              <a:avLst/>
+              <a:gdLst/>
+              <a:ahLst/>
+              <a:cxnLst/>
+              <a:rect l="l" t="t" r="r" b="b"/>
+              <a:pathLst>
+                <a:path w="4274" h="5625" extrusionOk="0">
+                  <a:moveTo>
+                    <a:pt x="2023" y="1"/>
+                  </a:moveTo>
+                  <a:lnTo>
+                    <a:pt x="586" y="286"/>
+                  </a:lnTo>
+                  <a:cubicBezTo>
+                    <a:pt x="199" y="364"/>
+                    <a:pt x="10" y="812"/>
+                    <a:pt x="223" y="1145"/>
+                  </a:cubicBezTo>
+                  <a:lnTo>
+                    <a:pt x="1253" y="2741"/>
+                  </a:lnTo>
+                  <a:lnTo>
+                    <a:pt x="196" y="4805"/>
+                  </a:lnTo>
+                  <a:cubicBezTo>
+                    <a:pt x="0" y="5188"/>
+                    <a:pt x="290" y="5624"/>
+                    <a:pt x="696" y="5624"/>
+                  </a:cubicBezTo>
+                  <a:cubicBezTo>
+                    <a:pt x="733" y="5624"/>
+                    <a:pt x="771" y="5621"/>
+                    <a:pt x="809" y="5613"/>
+                  </a:cubicBezTo>
+                  <a:lnTo>
+                    <a:pt x="3822" y="5012"/>
+                  </a:lnTo>
+                  <a:cubicBezTo>
+                    <a:pt x="4087" y="4958"/>
+                    <a:pt x="4273" y="4727"/>
+                    <a:pt x="4273" y="4459"/>
+                  </a:cubicBezTo>
+                  <a:lnTo>
+                    <a:pt x="4273" y="4243"/>
+                  </a:lnTo>
+                  <a:cubicBezTo>
+                    <a:pt x="4085" y="4310"/>
+                    <a:pt x="3895" y="4341"/>
+                    <a:pt x="3709" y="4341"/>
+                  </a:cubicBezTo>
+                  <a:cubicBezTo>
+                    <a:pt x="2814" y="4341"/>
+                    <a:pt x="2022" y="3616"/>
+                    <a:pt x="2020" y="2651"/>
+                  </a:cubicBezTo>
+                  <a:lnTo>
+                    <a:pt x="2023" y="2648"/>
+                  </a:lnTo>
+                  <a:lnTo>
+                    <a:pt x="2023" y="1"/>
+                  </a:lnTo>
+                  <a:close/>
+                </a:path>
+              </a:pathLst>
+            </a:custGeom>
+            <a:ln/>
+          </p:spPr>
+          <p:style>
+            <a:lnRef idx="1">
+              <a:schemeClr val="accent3"/>
+            </a:lnRef>
+            <a:fillRef idx="2">
+              <a:schemeClr val="accent3"/>
+            </a:fillRef>
+            <a:effectRef idx="1">
+              <a:schemeClr val="accent3"/>
+            </a:effectRef>
+            <a:fontRef idx="minor">
+              <a:schemeClr val="dk1"/>
+            </a:fontRef>
+          </p:style>
+          <p:txBody>
+            <a:bodyPr spcFirstLastPara="1" wrap="square" lIns="91425" tIns="91425" rIns="91425" bIns="91425" anchor="ctr" anchorCtr="0">
+              <a:noAutofit/>
+            </a:bodyPr>
+            <a:lstStyle/>
+            <a:p>
+              <a:pPr marL="0" lvl="0" indent="0" algn="l" rtl="0">
+                <a:spcBef>
+                  <a:spcPts val="0"/>
+                </a:spcBef>
+                <a:spcAft>
+                  <a:spcPts val="0"/>
+                </a:spcAft>
+                <a:buNone/>
+              </a:pPr>
+              <a:endParaRPr/>
+            </a:p>
+          </p:txBody>
+        </p:sp>
+        <p:sp>
+          <p:nvSpPr>
+            <p:cNvPr id="19" name="Google Shape;965;p50">
+              <a:extLst>
+                <a:ext uri="{FF2B5EF4-FFF2-40B4-BE49-F238E27FC236}">
+                  <a16:creationId xmlns:a16="http://schemas.microsoft.com/office/drawing/2014/main" id="{FB92596A-0C80-4D85-9535-9D5F476CAEFA}"/>
+                </a:ext>
+              </a:extLst>
+            </p:cNvPr>
+            <p:cNvSpPr/>
+            <p:nvPr/>
+          </p:nvSpPr>
+          <p:spPr>
+            <a:xfrm>
+              <a:off x="1836650" y="2921300"/>
+              <a:ext cx="329625" cy="144175"/>
+            </a:xfrm>
+            <a:custGeom>
+              <a:avLst/>
+              <a:gdLst/>
+              <a:ahLst/>
+              <a:cxnLst/>
+              <a:rect l="l" t="t" r="r" b="b"/>
+              <a:pathLst>
+                <a:path w="13185" h="5767" extrusionOk="0">
+                  <a:moveTo>
+                    <a:pt x="6592" y="1"/>
+                  </a:moveTo>
+                  <a:cubicBezTo>
+                    <a:pt x="4495" y="1"/>
+                    <a:pt x="2397" y="352"/>
+                    <a:pt x="388" y="1053"/>
+                  </a:cubicBezTo>
+                  <a:cubicBezTo>
+                    <a:pt x="157" y="1128"/>
+                    <a:pt x="0" y="1345"/>
+                    <a:pt x="0" y="1588"/>
+                  </a:cubicBezTo>
+                  <a:lnTo>
+                    <a:pt x="0" y="5206"/>
+                  </a:lnTo>
+                  <a:cubicBezTo>
+                    <a:pt x="0" y="5527"/>
+                    <a:pt x="264" y="5767"/>
+                    <a:pt x="564" y="5767"/>
+                  </a:cubicBezTo>
+                  <a:cubicBezTo>
+                    <a:pt x="628" y="5767"/>
+                    <a:pt x="695" y="5756"/>
+                    <a:pt x="761" y="5731"/>
+                  </a:cubicBezTo>
+                  <a:cubicBezTo>
+                    <a:pt x="2647" y="5072"/>
+                    <a:pt x="4619" y="4742"/>
+                    <a:pt x="6591" y="4742"/>
+                  </a:cubicBezTo>
+                  <a:cubicBezTo>
+                    <a:pt x="8564" y="4742"/>
+                    <a:pt x="10536" y="5072"/>
+                    <a:pt x="12424" y="5731"/>
+                  </a:cubicBezTo>
+                  <a:cubicBezTo>
+                    <a:pt x="12490" y="5756"/>
+                    <a:pt x="12556" y="5767"/>
+                    <a:pt x="12620" y="5767"/>
+                  </a:cubicBezTo>
+                  <a:cubicBezTo>
+                    <a:pt x="12918" y="5767"/>
+                    <a:pt x="13182" y="5527"/>
+                    <a:pt x="13185" y="5206"/>
+                  </a:cubicBezTo>
+                  <a:lnTo>
+                    <a:pt x="13185" y="1588"/>
+                  </a:lnTo>
+                  <a:cubicBezTo>
+                    <a:pt x="13182" y="1345"/>
+                    <a:pt x="13028" y="1128"/>
+                    <a:pt x="12797" y="1053"/>
+                  </a:cubicBezTo>
+                  <a:cubicBezTo>
+                    <a:pt x="10788" y="352"/>
+                    <a:pt x="8690" y="1"/>
+                    <a:pt x="6592" y="1"/>
+                  </a:cubicBezTo>
+                  <a:close/>
+                </a:path>
+              </a:pathLst>
+            </a:custGeom>
+            <a:ln/>
+          </p:spPr>
+          <p:style>
+            <a:lnRef idx="1">
+              <a:schemeClr val="accent3"/>
+            </a:lnRef>
+            <a:fillRef idx="2">
+              <a:schemeClr val="accent3"/>
+            </a:fillRef>
+            <a:effectRef idx="1">
+              <a:schemeClr val="accent3"/>
+            </a:effectRef>
+            <a:fontRef idx="minor">
+              <a:schemeClr val="dk1"/>
+            </a:fontRef>
+          </p:style>
+          <p:txBody>
+            <a:bodyPr spcFirstLastPara="1" wrap="square" lIns="91425" tIns="91425" rIns="91425" bIns="91425" anchor="ctr" anchorCtr="0">
+              <a:noAutofit/>
+            </a:bodyPr>
+            <a:lstStyle/>
+            <a:p>
+              <a:pPr marL="0" lvl="0" indent="0" algn="l" rtl="0">
+                <a:spcBef>
+                  <a:spcPts val="0"/>
+                </a:spcBef>
+                <a:spcAft>
+                  <a:spcPts val="0"/>
+                </a:spcAft>
+                <a:buNone/>
+              </a:pPr>
+              <a:endParaRPr dirty="0"/>
+            </a:p>
+          </p:txBody>
+        </p:sp>
+        <p:sp>
+          <p:nvSpPr>
+            <p:cNvPr id="20" name="Google Shape;966;p50">
+              <a:extLst>
+                <a:ext uri="{FF2B5EF4-FFF2-40B4-BE49-F238E27FC236}">
+                  <a16:creationId xmlns:a16="http://schemas.microsoft.com/office/drawing/2014/main" id="{9AD9BE9C-AFB1-4504-9ADE-51E78912EB73}"/>
+                </a:ext>
+              </a:extLst>
+            </p:cNvPr>
+            <p:cNvSpPr/>
+            <p:nvPr/>
+          </p:nvSpPr>
+          <p:spPr>
+            <a:xfrm>
+              <a:off x="2098575" y="2772950"/>
+              <a:ext cx="147175" cy="137100"/>
+            </a:xfrm>
+            <a:custGeom>
+              <a:avLst/>
+              <a:gdLst/>
+              <a:ahLst/>
+              <a:cxnLst/>
+              <a:rect l="l" t="t" r="r" b="b"/>
+              <a:pathLst>
+                <a:path w="5887" h="5484" extrusionOk="0">
+                  <a:moveTo>
+                    <a:pt x="2889" y="0"/>
+                  </a:moveTo>
+                  <a:cubicBezTo>
+                    <a:pt x="2706" y="0"/>
+                    <a:pt x="2523" y="92"/>
+                    <a:pt x="2419" y="275"/>
+                  </a:cubicBezTo>
+                  <a:lnTo>
+                    <a:pt x="1767" y="1426"/>
+                  </a:lnTo>
+                  <a:lnTo>
+                    <a:pt x="469" y="1690"/>
+                  </a:lnTo>
+                  <a:cubicBezTo>
+                    <a:pt x="277" y="1729"/>
+                    <a:pt x="121" y="1867"/>
+                    <a:pt x="61" y="2054"/>
+                  </a:cubicBezTo>
+                  <a:cubicBezTo>
+                    <a:pt x="0" y="2240"/>
+                    <a:pt x="46" y="2441"/>
+                    <a:pt x="175" y="2586"/>
+                  </a:cubicBezTo>
+                  <a:lnTo>
+                    <a:pt x="1070" y="3562"/>
+                  </a:lnTo>
+                  <a:lnTo>
+                    <a:pt x="920" y="4878"/>
+                  </a:lnTo>
+                  <a:cubicBezTo>
+                    <a:pt x="884" y="5214"/>
+                    <a:pt x="1153" y="5480"/>
+                    <a:pt x="1459" y="5480"/>
+                  </a:cubicBezTo>
+                  <a:cubicBezTo>
+                    <a:pt x="1533" y="5480"/>
+                    <a:pt x="1609" y="5465"/>
+                    <a:pt x="1683" y="5431"/>
+                  </a:cubicBezTo>
+                  <a:lnTo>
+                    <a:pt x="2888" y="4881"/>
+                  </a:lnTo>
+                  <a:lnTo>
+                    <a:pt x="4096" y="5434"/>
+                  </a:lnTo>
+                  <a:cubicBezTo>
+                    <a:pt x="4170" y="5468"/>
+                    <a:pt x="4246" y="5484"/>
+                    <a:pt x="4320" y="5484"/>
+                  </a:cubicBezTo>
+                  <a:cubicBezTo>
+                    <a:pt x="4626" y="5484"/>
+                    <a:pt x="4895" y="5217"/>
+                    <a:pt x="4856" y="4881"/>
+                  </a:cubicBezTo>
+                  <a:lnTo>
+                    <a:pt x="4706" y="3562"/>
+                  </a:lnTo>
+                  <a:lnTo>
+                    <a:pt x="5601" y="2586"/>
+                  </a:lnTo>
+                  <a:cubicBezTo>
+                    <a:pt x="5886" y="2276"/>
+                    <a:pt x="5724" y="1774"/>
+                    <a:pt x="5313" y="1693"/>
+                  </a:cubicBezTo>
+                  <a:lnTo>
+                    <a:pt x="4012" y="1429"/>
+                  </a:lnTo>
+                  <a:lnTo>
+                    <a:pt x="3360" y="275"/>
+                  </a:lnTo>
+                  <a:cubicBezTo>
+                    <a:pt x="3256" y="92"/>
+                    <a:pt x="3073" y="0"/>
+                    <a:pt x="2889" y="0"/>
+                  </a:cubicBezTo>
+                  <a:close/>
+                </a:path>
+              </a:pathLst>
+            </a:custGeom>
+            <a:ln/>
+          </p:spPr>
+          <p:style>
+            <a:lnRef idx="1">
+              <a:schemeClr val="accent3"/>
+            </a:lnRef>
+            <a:fillRef idx="2">
+              <a:schemeClr val="accent3"/>
+            </a:fillRef>
+            <a:effectRef idx="1">
+              <a:schemeClr val="accent3"/>
+            </a:effectRef>
+            <a:fontRef idx="minor">
+              <a:schemeClr val="dk1"/>
+            </a:fontRef>
+          </p:style>
+          <p:txBody>
+            <a:bodyPr spcFirstLastPara="1" wrap="square" lIns="91425" tIns="91425" rIns="91425" bIns="91425" anchor="ctr" anchorCtr="0">
+              <a:noAutofit/>
+            </a:bodyPr>
+            <a:lstStyle/>
+            <a:p>
+              <a:pPr marL="0" lvl="0" indent="0" algn="l" rtl="0">
+                <a:spcBef>
+                  <a:spcPts val="0"/>
+                </a:spcBef>
+                <a:spcAft>
+                  <a:spcPts val="0"/>
+                </a:spcAft>
+                <a:buNone/>
+              </a:pPr>
+              <a:endParaRPr/>
+            </a:p>
+          </p:txBody>
+        </p:sp>
+        <p:sp>
+          <p:nvSpPr>
+            <p:cNvPr id="21" name="Google Shape;967;p50">
+              <a:extLst>
+                <a:ext uri="{FF2B5EF4-FFF2-40B4-BE49-F238E27FC236}">
+                  <a16:creationId xmlns:a16="http://schemas.microsoft.com/office/drawing/2014/main" id="{3E759CF0-F68F-46C1-83E2-AA71E2BFC45C}"/>
+                </a:ext>
+              </a:extLst>
+            </p:cNvPr>
+            <p:cNvSpPr/>
+            <p:nvPr/>
+          </p:nvSpPr>
+          <p:spPr>
+            <a:xfrm>
+              <a:off x="1888925" y="2670575"/>
+              <a:ext cx="225900" cy="209275"/>
+            </a:xfrm>
+            <a:custGeom>
+              <a:avLst/>
+              <a:gdLst/>
+              <a:ahLst/>
+              <a:cxnLst/>
+              <a:rect l="l" t="t" r="r" b="b"/>
+              <a:pathLst>
+                <a:path w="9036" h="8371" extrusionOk="0">
+                  <a:moveTo>
+                    <a:pt x="4518" y="1"/>
+                  </a:moveTo>
+                  <a:cubicBezTo>
+                    <a:pt x="4326" y="1"/>
+                    <a:pt x="4135" y="96"/>
+                    <a:pt x="4027" y="287"/>
+                  </a:cubicBezTo>
+                  <a:lnTo>
+                    <a:pt x="2882" y="2315"/>
+                  </a:lnTo>
+                  <a:lnTo>
+                    <a:pt x="599" y="2781"/>
+                  </a:lnTo>
+                  <a:cubicBezTo>
+                    <a:pt x="169" y="2868"/>
+                    <a:pt x="1" y="3391"/>
+                    <a:pt x="295" y="3712"/>
+                  </a:cubicBezTo>
+                  <a:lnTo>
+                    <a:pt x="1866" y="5428"/>
+                  </a:lnTo>
+                  <a:lnTo>
+                    <a:pt x="1602" y="7744"/>
+                  </a:lnTo>
+                  <a:cubicBezTo>
+                    <a:pt x="1563" y="8092"/>
+                    <a:pt x="1844" y="8370"/>
+                    <a:pt x="2163" y="8370"/>
+                  </a:cubicBezTo>
+                  <a:cubicBezTo>
+                    <a:pt x="2240" y="8370"/>
+                    <a:pt x="2320" y="8354"/>
+                    <a:pt x="2398" y="8318"/>
+                  </a:cubicBezTo>
+                  <a:lnTo>
+                    <a:pt x="4517" y="7354"/>
+                  </a:lnTo>
+                  <a:lnTo>
+                    <a:pt x="6635" y="8318"/>
+                  </a:lnTo>
+                  <a:cubicBezTo>
+                    <a:pt x="6713" y="8354"/>
+                    <a:pt x="6793" y="8370"/>
+                    <a:pt x="6870" y="8370"/>
+                  </a:cubicBezTo>
+                  <a:cubicBezTo>
+                    <a:pt x="7189" y="8370"/>
+                    <a:pt x="7469" y="8092"/>
+                    <a:pt x="7428" y="7744"/>
+                  </a:cubicBezTo>
+                  <a:lnTo>
+                    <a:pt x="7167" y="5428"/>
+                  </a:lnTo>
+                  <a:lnTo>
+                    <a:pt x="8741" y="3712"/>
+                  </a:lnTo>
+                  <a:cubicBezTo>
+                    <a:pt x="9035" y="3391"/>
+                    <a:pt x="8864" y="2868"/>
+                    <a:pt x="8438" y="2781"/>
+                  </a:cubicBezTo>
+                  <a:lnTo>
+                    <a:pt x="6154" y="2315"/>
+                  </a:lnTo>
+                  <a:lnTo>
+                    <a:pt x="5006" y="287"/>
+                  </a:lnTo>
+                  <a:cubicBezTo>
+                    <a:pt x="4900" y="96"/>
+                    <a:pt x="4709" y="1"/>
+                    <a:pt x="4518" y="1"/>
+                  </a:cubicBezTo>
+                  <a:close/>
+                </a:path>
+              </a:pathLst>
+            </a:custGeom>
+            <a:ln/>
+          </p:spPr>
+          <p:style>
+            <a:lnRef idx="1">
+              <a:schemeClr val="accent3"/>
+            </a:lnRef>
+            <a:fillRef idx="2">
+              <a:schemeClr val="accent3"/>
+            </a:fillRef>
+            <a:effectRef idx="1">
+              <a:schemeClr val="accent3"/>
+            </a:effectRef>
+            <a:fontRef idx="minor">
+              <a:schemeClr val="dk1"/>
+            </a:fontRef>
+          </p:style>
+          <p:txBody>
+            <a:bodyPr spcFirstLastPara="1" wrap="square" lIns="91425" tIns="91425" rIns="91425" bIns="91425" anchor="ctr" anchorCtr="0">
+              <a:noAutofit/>
+            </a:bodyPr>
+            <a:lstStyle/>
+            <a:p>
+              <a:pPr marL="0" lvl="0" indent="0" algn="l" rtl="0">
+                <a:spcBef>
+                  <a:spcPts val="0"/>
+                </a:spcBef>
+                <a:spcAft>
+                  <a:spcPts val="0"/>
+                </a:spcAft>
+                <a:buNone/>
+              </a:pPr>
+              <a:endParaRPr/>
+            </a:p>
+          </p:txBody>
+        </p:sp>
+        <p:sp>
+          <p:nvSpPr>
+            <p:cNvPr id="23" name="Google Shape;968;p50">
+              <a:extLst>
+                <a:ext uri="{FF2B5EF4-FFF2-40B4-BE49-F238E27FC236}">
+                  <a16:creationId xmlns:a16="http://schemas.microsoft.com/office/drawing/2014/main" id="{ABCBD121-6D00-460A-BE43-4E98190197D3}"/>
+                </a:ext>
+              </a:extLst>
+            </p:cNvPr>
+            <p:cNvSpPr/>
+            <p:nvPr/>
+          </p:nvSpPr>
+          <p:spPr>
+            <a:xfrm>
+              <a:off x="1757850" y="2773000"/>
+              <a:ext cx="149875" cy="137050"/>
+            </a:xfrm>
+            <a:custGeom>
+              <a:avLst/>
+              <a:gdLst/>
+              <a:ahLst/>
+              <a:cxnLst/>
+              <a:rect l="l" t="t" r="r" b="b"/>
+              <a:pathLst>
+                <a:path w="5995" h="5482" extrusionOk="0">
+                  <a:moveTo>
+                    <a:pt x="2999" y="0"/>
+                  </a:moveTo>
+                  <a:cubicBezTo>
+                    <a:pt x="2816" y="0"/>
+                    <a:pt x="2633" y="91"/>
+                    <a:pt x="2527" y="273"/>
+                  </a:cubicBezTo>
+                  <a:lnTo>
+                    <a:pt x="1875" y="1424"/>
+                  </a:lnTo>
+                  <a:lnTo>
+                    <a:pt x="577" y="1688"/>
+                  </a:lnTo>
+                  <a:cubicBezTo>
+                    <a:pt x="166" y="1772"/>
+                    <a:pt x="1" y="2274"/>
+                    <a:pt x="286" y="2584"/>
+                  </a:cubicBezTo>
+                  <a:lnTo>
+                    <a:pt x="1181" y="3560"/>
+                  </a:lnTo>
+                  <a:lnTo>
+                    <a:pt x="1031" y="4879"/>
+                  </a:lnTo>
+                  <a:cubicBezTo>
+                    <a:pt x="992" y="5215"/>
+                    <a:pt x="1261" y="5482"/>
+                    <a:pt x="1567" y="5482"/>
+                  </a:cubicBezTo>
+                  <a:cubicBezTo>
+                    <a:pt x="1641" y="5482"/>
+                    <a:pt x="1717" y="5466"/>
+                    <a:pt x="1791" y="5432"/>
+                  </a:cubicBezTo>
+                  <a:lnTo>
+                    <a:pt x="2999" y="4882"/>
+                  </a:lnTo>
+                  <a:lnTo>
+                    <a:pt x="4204" y="5432"/>
+                  </a:lnTo>
+                  <a:cubicBezTo>
+                    <a:pt x="4278" y="5466"/>
+                    <a:pt x="4354" y="5482"/>
+                    <a:pt x="4428" y="5482"/>
+                  </a:cubicBezTo>
+                  <a:cubicBezTo>
+                    <a:pt x="4734" y="5482"/>
+                    <a:pt x="5003" y="5215"/>
+                    <a:pt x="4964" y="4879"/>
+                  </a:cubicBezTo>
+                  <a:lnTo>
+                    <a:pt x="4814" y="3560"/>
+                  </a:lnTo>
+                  <a:lnTo>
+                    <a:pt x="5709" y="2584"/>
+                  </a:lnTo>
+                  <a:cubicBezTo>
+                    <a:pt x="5995" y="2274"/>
+                    <a:pt x="5833" y="1775"/>
+                    <a:pt x="5421" y="1691"/>
+                  </a:cubicBezTo>
+                  <a:lnTo>
+                    <a:pt x="4120" y="1427"/>
+                  </a:lnTo>
+                  <a:lnTo>
+                    <a:pt x="3468" y="273"/>
+                  </a:lnTo>
+                  <a:cubicBezTo>
+                    <a:pt x="3364" y="91"/>
+                    <a:pt x="3182" y="0"/>
+                    <a:pt x="2999" y="0"/>
+                  </a:cubicBezTo>
+                  <a:close/>
+                </a:path>
+              </a:pathLst>
+            </a:custGeom>
+            <a:ln/>
+          </p:spPr>
+          <p:style>
+            <a:lnRef idx="1">
+              <a:schemeClr val="accent3"/>
+            </a:lnRef>
+            <a:fillRef idx="2">
+              <a:schemeClr val="accent3"/>
+            </a:fillRef>
+            <a:effectRef idx="1">
+              <a:schemeClr val="accent3"/>
+            </a:effectRef>
+            <a:fontRef idx="minor">
+              <a:schemeClr val="dk1"/>
+            </a:fontRef>
+          </p:style>
+          <p:txBody>
+            <a:bodyPr spcFirstLastPara="1" wrap="square" lIns="91425" tIns="91425" rIns="91425" bIns="91425" anchor="ctr" anchorCtr="0">
+              <a:noAutofit/>
+            </a:bodyPr>
+            <a:lstStyle/>
+            <a:p>
+              <a:pPr marL="0" lvl="0" indent="0" algn="l" rtl="0">
+                <a:spcBef>
+                  <a:spcPts val="0"/>
+                </a:spcBef>
+                <a:spcAft>
+                  <a:spcPts val="0"/>
+                </a:spcAft>
+                <a:buNone/>
+              </a:pPr>
+              <a:endParaRPr/>
+            </a:p>
+          </p:txBody>
+        </p:sp>
+      </p:grpSp>
+      <p:grpSp>
+        <p:nvGrpSpPr>
+          <p:cNvPr id="24" name="Google Shape;995;p50">
+            <a:extLst>
+              <a:ext uri="{FF2B5EF4-FFF2-40B4-BE49-F238E27FC236}">
+                <a16:creationId xmlns:a16="http://schemas.microsoft.com/office/drawing/2014/main" id="{0054C3BB-3127-4C60-9240-B5056D14ECE4}"/>
+              </a:ext>
+            </a:extLst>
+          </p:cNvPr>
+          <p:cNvGrpSpPr/>
+          <p:nvPr/>
+        </p:nvGrpSpPr>
+        <p:grpSpPr>
+          <a:xfrm>
+            <a:off x="175908" y="2884187"/>
+            <a:ext cx="503030" cy="392306"/>
+            <a:chOff x="2644125" y="1337750"/>
+            <a:chExt cx="479875" cy="362450"/>
+          </a:xfrm>
+        </p:grpSpPr>
+        <p:sp>
+          <p:nvSpPr>
+            <p:cNvPr id="25" name="Google Shape;996;p50">
+              <a:extLst>
+                <a:ext uri="{FF2B5EF4-FFF2-40B4-BE49-F238E27FC236}">
+                  <a16:creationId xmlns:a16="http://schemas.microsoft.com/office/drawing/2014/main" id="{E063AB2C-B0C7-4379-A8F0-584D833F8D0A}"/>
+                </a:ext>
+              </a:extLst>
+            </p:cNvPr>
+            <p:cNvSpPr/>
+            <p:nvPr/>
+          </p:nvSpPr>
+          <p:spPr>
+            <a:xfrm>
+              <a:off x="2644125" y="1617550"/>
+              <a:ext cx="479875" cy="82650"/>
+            </a:xfrm>
+            <a:custGeom>
+              <a:avLst/>
+              <a:gdLst/>
+              <a:ahLst/>
+              <a:cxnLst/>
+              <a:rect l="l" t="t" r="r" b="b"/>
+              <a:pathLst>
+                <a:path w="19195" h="3306" extrusionOk="0">
+                  <a:moveTo>
+                    <a:pt x="566" y="1"/>
+                  </a:moveTo>
+                  <a:cubicBezTo>
+                    <a:pt x="253" y="1"/>
+                    <a:pt x="1" y="253"/>
+                    <a:pt x="1" y="563"/>
+                  </a:cubicBezTo>
+                  <a:lnTo>
+                    <a:pt x="1" y="1542"/>
+                  </a:lnTo>
+                  <a:cubicBezTo>
+                    <a:pt x="1" y="1692"/>
+                    <a:pt x="61" y="1834"/>
+                    <a:pt x="166" y="1939"/>
+                  </a:cubicBezTo>
+                  <a:lnTo>
+                    <a:pt x="1371" y="3141"/>
+                  </a:lnTo>
+                  <a:cubicBezTo>
+                    <a:pt x="1476" y="3246"/>
+                    <a:pt x="1617" y="3306"/>
+                    <a:pt x="1768" y="3306"/>
+                  </a:cubicBezTo>
+                  <a:lnTo>
+                    <a:pt x="17428" y="3306"/>
+                  </a:lnTo>
+                  <a:cubicBezTo>
+                    <a:pt x="17578" y="3306"/>
+                    <a:pt x="17719" y="3246"/>
+                    <a:pt x="17824" y="3141"/>
+                  </a:cubicBezTo>
+                  <a:lnTo>
+                    <a:pt x="19029" y="1939"/>
+                  </a:lnTo>
+                  <a:cubicBezTo>
+                    <a:pt x="19134" y="1834"/>
+                    <a:pt x="19194" y="1692"/>
+                    <a:pt x="19194" y="1542"/>
+                  </a:cubicBezTo>
+                  <a:lnTo>
+                    <a:pt x="19194" y="563"/>
+                  </a:lnTo>
+                  <a:cubicBezTo>
+                    <a:pt x="19194" y="253"/>
+                    <a:pt x="18942" y="1"/>
+                    <a:pt x="18629" y="1"/>
+                  </a:cubicBezTo>
+                  <a:close/>
+                </a:path>
+              </a:pathLst>
+            </a:custGeom>
+            <a:ln/>
+          </p:spPr>
+          <p:style>
+            <a:lnRef idx="1">
+              <a:schemeClr val="accent3"/>
+            </a:lnRef>
+            <a:fillRef idx="2">
+              <a:schemeClr val="accent3"/>
+            </a:fillRef>
+            <a:effectRef idx="1">
+              <a:schemeClr val="accent3"/>
+            </a:effectRef>
+            <a:fontRef idx="minor">
+              <a:schemeClr val="dk1"/>
+            </a:fontRef>
+          </p:style>
+          <p:txBody>
+            <a:bodyPr spcFirstLastPara="1" wrap="square" lIns="91425" tIns="91425" rIns="91425" bIns="91425" anchor="ctr" anchorCtr="0">
+              <a:noAutofit/>
+            </a:bodyPr>
+            <a:lstStyle/>
+            <a:p>
+              <a:pPr marL="0" lvl="0" indent="0" algn="l" rtl="0">
+                <a:spcBef>
+                  <a:spcPts val="0"/>
+                </a:spcBef>
+                <a:spcAft>
+                  <a:spcPts val="0"/>
+                </a:spcAft>
+                <a:buNone/>
+              </a:pPr>
+              <a:endParaRPr dirty="0"/>
+            </a:p>
+          </p:txBody>
+        </p:sp>
+        <p:sp>
+          <p:nvSpPr>
+            <p:cNvPr id="26" name="Google Shape;997;p50">
+              <a:extLst>
+                <a:ext uri="{FF2B5EF4-FFF2-40B4-BE49-F238E27FC236}">
+                  <a16:creationId xmlns:a16="http://schemas.microsoft.com/office/drawing/2014/main" id="{7183DB17-2F37-44F5-B8DB-37D0ED143238}"/>
+                </a:ext>
+              </a:extLst>
+            </p:cNvPr>
+            <p:cNvSpPr/>
+            <p:nvPr/>
+          </p:nvSpPr>
+          <p:spPr>
+            <a:xfrm>
+              <a:off x="2777475" y="1426025"/>
+              <a:ext cx="213200" cy="107050"/>
+            </a:xfrm>
+            <a:custGeom>
+              <a:avLst/>
+              <a:gdLst/>
+              <a:ahLst/>
+              <a:cxnLst/>
+              <a:rect l="l" t="t" r="r" b="b"/>
+              <a:pathLst>
+                <a:path w="8528" h="4282" extrusionOk="0">
+                  <a:moveTo>
+                    <a:pt x="0" y="0"/>
+                  </a:moveTo>
+                  <a:lnTo>
+                    <a:pt x="0" y="4282"/>
+                  </a:lnTo>
+                  <a:lnTo>
+                    <a:pt x="8527" y="4282"/>
+                  </a:lnTo>
+                  <a:lnTo>
+                    <a:pt x="8527" y="0"/>
+                  </a:lnTo>
+                  <a:close/>
+                </a:path>
+              </a:pathLst>
+            </a:custGeom>
+            <a:ln/>
+          </p:spPr>
+          <p:style>
+            <a:lnRef idx="1">
+              <a:schemeClr val="accent3"/>
+            </a:lnRef>
+            <a:fillRef idx="2">
+              <a:schemeClr val="accent3"/>
+            </a:fillRef>
+            <a:effectRef idx="1">
+              <a:schemeClr val="accent3"/>
+            </a:effectRef>
+            <a:fontRef idx="minor">
+              <a:schemeClr val="dk1"/>
+            </a:fontRef>
+          </p:style>
+          <p:txBody>
+            <a:bodyPr spcFirstLastPara="1" wrap="square" lIns="91425" tIns="91425" rIns="91425" bIns="91425" anchor="ctr" anchorCtr="0">
+              <a:noAutofit/>
+            </a:bodyPr>
+            <a:lstStyle/>
+            <a:p>
+              <a:pPr marL="0" lvl="0" indent="0" algn="l" rtl="0">
+                <a:spcBef>
+                  <a:spcPts val="0"/>
+                </a:spcBef>
+                <a:spcAft>
+                  <a:spcPts val="0"/>
+                </a:spcAft>
+                <a:buNone/>
+              </a:pPr>
+              <a:endParaRPr/>
+            </a:p>
+          </p:txBody>
+        </p:sp>
+        <p:sp>
+          <p:nvSpPr>
+            <p:cNvPr id="27" name="Google Shape;998;p50">
+              <a:extLst>
+                <a:ext uri="{FF2B5EF4-FFF2-40B4-BE49-F238E27FC236}">
+                  <a16:creationId xmlns:a16="http://schemas.microsoft.com/office/drawing/2014/main" id="{C398CAD9-0BA5-44E1-B56E-28CF7008952D}"/>
+                </a:ext>
+              </a:extLst>
+            </p:cNvPr>
+            <p:cNvSpPr/>
+            <p:nvPr/>
+          </p:nvSpPr>
+          <p:spPr>
+            <a:xfrm>
+              <a:off x="2704225" y="1337750"/>
+              <a:ext cx="359675" cy="251675"/>
+            </a:xfrm>
+            <a:custGeom>
+              <a:avLst/>
+              <a:gdLst/>
+              <a:ahLst/>
+              <a:cxnLst/>
+              <a:rect l="l" t="t" r="r" b="b"/>
+              <a:pathLst>
+                <a:path w="14387" h="10067" extrusionOk="0">
+                  <a:moveTo>
+                    <a:pt x="12019" y="2401"/>
+                  </a:moveTo>
+                  <a:cubicBezTo>
+                    <a:pt x="12331" y="2401"/>
+                    <a:pt x="12584" y="2654"/>
+                    <a:pt x="12584" y="2966"/>
+                  </a:cubicBezTo>
+                  <a:lnTo>
+                    <a:pt x="12584" y="8378"/>
+                  </a:lnTo>
+                  <a:cubicBezTo>
+                    <a:pt x="12581" y="8687"/>
+                    <a:pt x="12328" y="8939"/>
+                    <a:pt x="12019" y="8939"/>
+                  </a:cubicBezTo>
+                  <a:lnTo>
+                    <a:pt x="2368" y="8939"/>
+                  </a:lnTo>
+                  <a:cubicBezTo>
+                    <a:pt x="2056" y="8939"/>
+                    <a:pt x="1803" y="8687"/>
+                    <a:pt x="1803" y="8378"/>
+                  </a:cubicBezTo>
+                  <a:lnTo>
+                    <a:pt x="1803" y="2966"/>
+                  </a:lnTo>
+                  <a:cubicBezTo>
+                    <a:pt x="1803" y="2654"/>
+                    <a:pt x="2056" y="2401"/>
+                    <a:pt x="2368" y="2401"/>
+                  </a:cubicBezTo>
+                  <a:close/>
+                  <a:moveTo>
+                    <a:pt x="2371" y="1"/>
+                  </a:moveTo>
+                  <a:cubicBezTo>
+                    <a:pt x="2221" y="1"/>
+                    <a:pt x="2080" y="61"/>
+                    <a:pt x="1975" y="166"/>
+                  </a:cubicBezTo>
+                  <a:lnTo>
+                    <a:pt x="166" y="1969"/>
+                  </a:lnTo>
+                  <a:cubicBezTo>
+                    <a:pt x="61" y="2074"/>
+                    <a:pt x="1" y="2218"/>
+                    <a:pt x="1" y="2368"/>
+                  </a:cubicBezTo>
+                  <a:lnTo>
+                    <a:pt x="1" y="10066"/>
+                  </a:lnTo>
+                  <a:lnTo>
+                    <a:pt x="14387" y="10066"/>
+                  </a:lnTo>
+                  <a:lnTo>
+                    <a:pt x="14387" y="2368"/>
+                  </a:lnTo>
+                  <a:cubicBezTo>
+                    <a:pt x="14384" y="2218"/>
+                    <a:pt x="14327" y="2074"/>
+                    <a:pt x="14221" y="1969"/>
+                  </a:cubicBezTo>
+                  <a:lnTo>
+                    <a:pt x="12413" y="166"/>
+                  </a:lnTo>
+                  <a:cubicBezTo>
+                    <a:pt x="12307" y="61"/>
+                    <a:pt x="12163" y="1"/>
+                    <a:pt x="12013" y="1"/>
+                  </a:cubicBezTo>
+                  <a:close/>
+                </a:path>
+              </a:pathLst>
+            </a:custGeom>
+            <a:ln/>
+          </p:spPr>
+          <p:style>
+            <a:lnRef idx="1">
+              <a:schemeClr val="accent3"/>
+            </a:lnRef>
+            <a:fillRef idx="2">
+              <a:schemeClr val="accent3"/>
+            </a:fillRef>
+            <a:effectRef idx="1">
+              <a:schemeClr val="accent3"/>
+            </a:effectRef>
+            <a:fontRef idx="minor">
+              <a:schemeClr val="dk1"/>
+            </a:fontRef>
+          </p:style>
+          <p:txBody>
+            <a:bodyPr spcFirstLastPara="1" wrap="square" lIns="91425" tIns="91425" rIns="91425" bIns="91425" anchor="ctr" anchorCtr="0">
+              <a:noAutofit/>
+            </a:bodyPr>
+            <a:lstStyle/>
+            <a:p>
+              <a:pPr marL="0" lvl="0" indent="0" algn="l" rtl="0">
+                <a:spcBef>
+                  <a:spcPts val="0"/>
+                </a:spcBef>
+                <a:spcAft>
+                  <a:spcPts val="0"/>
+                </a:spcAft>
+                <a:buNone/>
+              </a:pPr>
+              <a:endParaRPr/>
+            </a:p>
+          </p:txBody>
+        </p:sp>
+      </p:grpSp>
+      <p:grpSp>
+        <p:nvGrpSpPr>
+          <p:cNvPr id="28" name="Google Shape;1092;p50">
+            <a:extLst>
+              <a:ext uri="{FF2B5EF4-FFF2-40B4-BE49-F238E27FC236}">
+                <a16:creationId xmlns:a16="http://schemas.microsoft.com/office/drawing/2014/main" id="{6EBFE3C6-9990-442C-8FBE-8684CE414C22}"/>
+              </a:ext>
+            </a:extLst>
+          </p:cNvPr>
+          <p:cNvGrpSpPr/>
+          <p:nvPr/>
+        </p:nvGrpSpPr>
+        <p:grpSpPr>
+          <a:xfrm>
+            <a:off x="4996222" y="4639174"/>
+            <a:ext cx="411714" cy="411714"/>
+            <a:chOff x="5553950" y="1278575"/>
+            <a:chExt cx="480750" cy="480750"/>
+          </a:xfrm>
+        </p:grpSpPr>
+        <p:sp>
+          <p:nvSpPr>
+            <p:cNvPr id="29" name="Google Shape;1093;p50">
+              <a:extLst>
+                <a:ext uri="{FF2B5EF4-FFF2-40B4-BE49-F238E27FC236}">
+                  <a16:creationId xmlns:a16="http://schemas.microsoft.com/office/drawing/2014/main" id="{2679A176-3507-4A54-831B-439C37463DD8}"/>
+                </a:ext>
+              </a:extLst>
+            </p:cNvPr>
+            <p:cNvSpPr/>
+            <p:nvPr/>
+          </p:nvSpPr>
+          <p:spPr>
+            <a:xfrm>
+              <a:off x="5810250" y="1625975"/>
+              <a:ext cx="224450" cy="133350"/>
+            </a:xfrm>
+            <a:custGeom>
+              <a:avLst/>
+              <a:gdLst/>
+              <a:ahLst/>
+              <a:cxnLst/>
+              <a:rect l="l" t="t" r="r" b="b"/>
+              <a:pathLst>
+                <a:path w="8978" h="5334" extrusionOk="0">
+                  <a:moveTo>
+                    <a:pt x="5892" y="2094"/>
+                  </a:moveTo>
+                  <a:cubicBezTo>
+                    <a:pt x="6182" y="2094"/>
+                    <a:pt x="6460" y="2320"/>
+                    <a:pt x="6460" y="2659"/>
+                  </a:cubicBezTo>
+                  <a:cubicBezTo>
+                    <a:pt x="6460" y="2969"/>
+                    <a:pt x="6208" y="3221"/>
+                    <a:pt x="5898" y="3221"/>
+                  </a:cubicBezTo>
+                  <a:lnTo>
+                    <a:pt x="5895" y="3221"/>
+                  </a:lnTo>
+                  <a:cubicBezTo>
+                    <a:pt x="5393" y="3221"/>
+                    <a:pt x="5141" y="2614"/>
+                    <a:pt x="5498" y="2260"/>
+                  </a:cubicBezTo>
+                  <a:cubicBezTo>
+                    <a:pt x="5613" y="2145"/>
+                    <a:pt x="5754" y="2094"/>
+                    <a:pt x="5892" y="2094"/>
+                  </a:cubicBezTo>
+                  <a:close/>
+                  <a:moveTo>
+                    <a:pt x="7571" y="2094"/>
+                  </a:moveTo>
+                  <a:cubicBezTo>
+                    <a:pt x="7861" y="2094"/>
+                    <a:pt x="8140" y="2320"/>
+                    <a:pt x="8140" y="2659"/>
+                  </a:cubicBezTo>
+                  <a:cubicBezTo>
+                    <a:pt x="8140" y="2969"/>
+                    <a:pt x="7887" y="3221"/>
+                    <a:pt x="7575" y="3221"/>
+                  </a:cubicBezTo>
+                  <a:cubicBezTo>
+                    <a:pt x="7073" y="3221"/>
+                    <a:pt x="6820" y="2614"/>
+                    <a:pt x="7178" y="2260"/>
+                  </a:cubicBezTo>
+                  <a:cubicBezTo>
+                    <a:pt x="7292" y="2145"/>
+                    <a:pt x="7433" y="2094"/>
+                    <a:pt x="7571" y="2094"/>
+                  </a:cubicBezTo>
+                  <a:close/>
+                  <a:moveTo>
+                    <a:pt x="2253" y="1501"/>
+                  </a:moveTo>
+                  <a:cubicBezTo>
+                    <a:pt x="2565" y="1501"/>
+                    <a:pt x="2818" y="1753"/>
+                    <a:pt x="2818" y="2065"/>
+                  </a:cubicBezTo>
+                  <a:lnTo>
+                    <a:pt x="2818" y="2104"/>
+                  </a:lnTo>
+                  <a:lnTo>
+                    <a:pt x="2857" y="2104"/>
+                  </a:lnTo>
+                  <a:cubicBezTo>
+                    <a:pt x="3326" y="2104"/>
+                    <a:pt x="3660" y="2677"/>
+                    <a:pt x="3203" y="3161"/>
+                  </a:cubicBezTo>
+                  <a:cubicBezTo>
+                    <a:pt x="3158" y="3206"/>
+                    <a:pt x="3101" y="3230"/>
+                    <a:pt x="3038" y="3230"/>
+                  </a:cubicBezTo>
+                  <a:lnTo>
+                    <a:pt x="2818" y="3230"/>
+                  </a:lnTo>
+                  <a:lnTo>
+                    <a:pt x="2818" y="3453"/>
+                  </a:lnTo>
+                  <a:cubicBezTo>
+                    <a:pt x="2815" y="3516"/>
+                    <a:pt x="2791" y="3573"/>
+                    <a:pt x="2746" y="3615"/>
+                  </a:cubicBezTo>
+                  <a:cubicBezTo>
+                    <a:pt x="2583" y="3770"/>
+                    <a:pt x="2410" y="3835"/>
+                    <a:pt x="2253" y="3835"/>
+                  </a:cubicBezTo>
+                  <a:cubicBezTo>
+                    <a:pt x="1943" y="3835"/>
+                    <a:pt x="1692" y="3583"/>
+                    <a:pt x="1692" y="3272"/>
+                  </a:cubicBezTo>
+                  <a:lnTo>
+                    <a:pt x="1692" y="3230"/>
+                  </a:lnTo>
+                  <a:lnTo>
+                    <a:pt x="1469" y="3230"/>
+                  </a:lnTo>
+                  <a:cubicBezTo>
+                    <a:pt x="1406" y="3230"/>
+                    <a:pt x="1349" y="3206"/>
+                    <a:pt x="1307" y="3161"/>
+                  </a:cubicBezTo>
+                  <a:cubicBezTo>
+                    <a:pt x="847" y="2677"/>
+                    <a:pt x="1181" y="2104"/>
+                    <a:pt x="1650" y="2104"/>
+                  </a:cubicBezTo>
+                  <a:lnTo>
+                    <a:pt x="1692" y="2104"/>
+                  </a:lnTo>
+                  <a:lnTo>
+                    <a:pt x="1692" y="1881"/>
+                  </a:lnTo>
+                  <a:cubicBezTo>
+                    <a:pt x="1692" y="1821"/>
+                    <a:pt x="1716" y="1761"/>
+                    <a:pt x="1761" y="1719"/>
+                  </a:cubicBezTo>
+                  <a:cubicBezTo>
+                    <a:pt x="1923" y="1566"/>
+                    <a:pt x="2096" y="1501"/>
+                    <a:pt x="2253" y="1501"/>
+                  </a:cubicBezTo>
+                  <a:close/>
+                  <a:moveTo>
+                    <a:pt x="1770" y="0"/>
+                  </a:moveTo>
+                  <a:cubicBezTo>
+                    <a:pt x="793" y="0"/>
+                    <a:pt x="0" y="794"/>
+                    <a:pt x="0" y="1770"/>
+                  </a:cubicBezTo>
+                  <a:lnTo>
+                    <a:pt x="0" y="3564"/>
+                  </a:lnTo>
+                  <a:cubicBezTo>
+                    <a:pt x="0" y="4540"/>
+                    <a:pt x="793" y="5334"/>
+                    <a:pt x="1770" y="5334"/>
+                  </a:cubicBezTo>
+                  <a:lnTo>
+                    <a:pt x="7205" y="5334"/>
+                  </a:lnTo>
+                  <a:cubicBezTo>
+                    <a:pt x="8185" y="5334"/>
+                    <a:pt x="8978" y="4540"/>
+                    <a:pt x="8978" y="3564"/>
+                  </a:cubicBezTo>
+                  <a:lnTo>
+                    <a:pt x="8978" y="1773"/>
+                  </a:lnTo>
+                  <a:cubicBezTo>
+                    <a:pt x="8978" y="794"/>
+                    <a:pt x="8185" y="0"/>
+                    <a:pt x="7205" y="0"/>
+                  </a:cubicBezTo>
+                  <a:close/>
+                </a:path>
+              </a:pathLst>
+            </a:custGeom>
+            <a:ln/>
+          </p:spPr>
+          <p:style>
+            <a:lnRef idx="1">
+              <a:schemeClr val="accent3"/>
+            </a:lnRef>
+            <a:fillRef idx="2">
+              <a:schemeClr val="accent3"/>
+            </a:fillRef>
+            <a:effectRef idx="1">
+              <a:schemeClr val="accent3"/>
+            </a:effectRef>
+            <a:fontRef idx="minor">
+              <a:schemeClr val="dk1"/>
+            </a:fontRef>
+          </p:style>
+          <p:txBody>
+            <a:bodyPr spcFirstLastPara="1" wrap="square" lIns="91425" tIns="91425" rIns="91425" bIns="91425" anchor="ctr" anchorCtr="0">
+              <a:noAutofit/>
+            </a:bodyPr>
+            <a:lstStyle/>
+            <a:p>
+              <a:pPr marL="0" lvl="0" indent="0" algn="l" rtl="0">
+                <a:spcBef>
+                  <a:spcPts val="0"/>
+                </a:spcBef>
+                <a:spcAft>
+                  <a:spcPts val="0"/>
+                </a:spcAft>
+                <a:buNone/>
+              </a:pPr>
+              <a:endParaRPr/>
+            </a:p>
+          </p:txBody>
+        </p:sp>
+        <p:sp>
+          <p:nvSpPr>
+            <p:cNvPr id="30" name="Google Shape;1094;p50">
+              <a:extLst>
+                <a:ext uri="{FF2B5EF4-FFF2-40B4-BE49-F238E27FC236}">
+                  <a16:creationId xmlns:a16="http://schemas.microsoft.com/office/drawing/2014/main" id="{F35166F6-61B2-4976-A20A-A4E2A379F849}"/>
+                </a:ext>
+              </a:extLst>
+            </p:cNvPr>
+            <p:cNvSpPr/>
+            <p:nvPr/>
+          </p:nvSpPr>
+          <p:spPr>
+            <a:xfrm>
+              <a:off x="5553950" y="1625975"/>
+              <a:ext cx="224400" cy="133350"/>
+            </a:xfrm>
+            <a:custGeom>
+              <a:avLst/>
+              <a:gdLst/>
+              <a:ahLst/>
+              <a:cxnLst/>
+              <a:rect l="l" t="t" r="r" b="b"/>
+              <a:pathLst>
+                <a:path w="8976" h="5334" extrusionOk="0">
+                  <a:moveTo>
+                    <a:pt x="5885" y="2094"/>
+                  </a:moveTo>
+                  <a:cubicBezTo>
+                    <a:pt x="6176" y="2094"/>
+                    <a:pt x="6454" y="2320"/>
+                    <a:pt x="6454" y="2659"/>
+                  </a:cubicBezTo>
+                  <a:cubicBezTo>
+                    <a:pt x="6454" y="2969"/>
+                    <a:pt x="6202" y="3221"/>
+                    <a:pt x="5889" y="3221"/>
+                  </a:cubicBezTo>
+                  <a:cubicBezTo>
+                    <a:pt x="5388" y="3221"/>
+                    <a:pt x="5135" y="2614"/>
+                    <a:pt x="5490" y="2260"/>
+                  </a:cubicBezTo>
+                  <a:cubicBezTo>
+                    <a:pt x="5605" y="2145"/>
+                    <a:pt x="5747" y="2094"/>
+                    <a:pt x="5885" y="2094"/>
+                  </a:cubicBezTo>
+                  <a:close/>
+                  <a:moveTo>
+                    <a:pt x="7563" y="2094"/>
+                  </a:moveTo>
+                  <a:cubicBezTo>
+                    <a:pt x="7852" y="2094"/>
+                    <a:pt x="8131" y="2320"/>
+                    <a:pt x="8131" y="2659"/>
+                  </a:cubicBezTo>
+                  <a:cubicBezTo>
+                    <a:pt x="8131" y="2969"/>
+                    <a:pt x="7878" y="3221"/>
+                    <a:pt x="7569" y="3221"/>
+                  </a:cubicBezTo>
+                  <a:cubicBezTo>
+                    <a:pt x="7067" y="3221"/>
+                    <a:pt x="6815" y="2614"/>
+                    <a:pt x="7169" y="2260"/>
+                  </a:cubicBezTo>
+                  <a:cubicBezTo>
+                    <a:pt x="7284" y="2145"/>
+                    <a:pt x="7424" y="2094"/>
+                    <a:pt x="7563" y="2094"/>
+                  </a:cubicBezTo>
+                  <a:close/>
+                  <a:moveTo>
+                    <a:pt x="2254" y="1502"/>
+                  </a:moveTo>
+                  <a:cubicBezTo>
+                    <a:pt x="2559" y="1502"/>
+                    <a:pt x="2816" y="1750"/>
+                    <a:pt x="2816" y="2065"/>
+                  </a:cubicBezTo>
+                  <a:lnTo>
+                    <a:pt x="2816" y="2104"/>
+                  </a:lnTo>
+                  <a:lnTo>
+                    <a:pt x="2840" y="2104"/>
+                  </a:lnTo>
+                  <a:cubicBezTo>
+                    <a:pt x="2842" y="2104"/>
+                    <a:pt x="2844" y="2104"/>
+                    <a:pt x="2846" y="2104"/>
+                  </a:cubicBezTo>
+                  <a:cubicBezTo>
+                    <a:pt x="3135" y="2104"/>
+                    <a:pt x="3378" y="2316"/>
+                    <a:pt x="3417" y="2602"/>
+                  </a:cubicBezTo>
+                  <a:cubicBezTo>
+                    <a:pt x="3453" y="2939"/>
+                    <a:pt x="3191" y="3230"/>
+                    <a:pt x="2855" y="3230"/>
+                  </a:cubicBezTo>
+                  <a:lnTo>
+                    <a:pt x="2816" y="3230"/>
+                  </a:lnTo>
+                  <a:lnTo>
+                    <a:pt x="2816" y="3257"/>
+                  </a:lnTo>
+                  <a:cubicBezTo>
+                    <a:pt x="2819" y="3546"/>
+                    <a:pt x="2605" y="3795"/>
+                    <a:pt x="2317" y="3831"/>
+                  </a:cubicBezTo>
+                  <a:cubicBezTo>
+                    <a:pt x="2295" y="3834"/>
+                    <a:pt x="2273" y="3835"/>
+                    <a:pt x="2251" y="3835"/>
+                  </a:cubicBezTo>
+                  <a:cubicBezTo>
+                    <a:pt x="1945" y="3835"/>
+                    <a:pt x="1689" y="3586"/>
+                    <a:pt x="1689" y="3272"/>
+                  </a:cubicBezTo>
+                  <a:lnTo>
+                    <a:pt x="1689" y="3230"/>
+                  </a:lnTo>
+                  <a:lnTo>
+                    <a:pt x="1665" y="3230"/>
+                  </a:lnTo>
+                  <a:cubicBezTo>
+                    <a:pt x="1661" y="3230"/>
+                    <a:pt x="1657" y="3230"/>
+                    <a:pt x="1653" y="3230"/>
+                  </a:cubicBezTo>
+                  <a:cubicBezTo>
+                    <a:pt x="1367" y="3230"/>
+                    <a:pt x="1124" y="3016"/>
+                    <a:pt x="1088" y="2732"/>
+                  </a:cubicBezTo>
+                  <a:cubicBezTo>
+                    <a:pt x="1049" y="2398"/>
+                    <a:pt x="1310" y="2104"/>
+                    <a:pt x="1647" y="2104"/>
+                  </a:cubicBezTo>
+                  <a:lnTo>
+                    <a:pt x="1689" y="2104"/>
+                  </a:lnTo>
+                  <a:lnTo>
+                    <a:pt x="1689" y="2080"/>
+                  </a:lnTo>
+                  <a:cubicBezTo>
+                    <a:pt x="1686" y="1788"/>
+                    <a:pt x="1899" y="1542"/>
+                    <a:pt x="2188" y="1506"/>
+                  </a:cubicBezTo>
+                  <a:cubicBezTo>
+                    <a:pt x="2210" y="1503"/>
+                    <a:pt x="2232" y="1502"/>
+                    <a:pt x="2254" y="1502"/>
+                  </a:cubicBezTo>
+                  <a:close/>
+                  <a:moveTo>
+                    <a:pt x="1770" y="0"/>
+                  </a:moveTo>
+                  <a:cubicBezTo>
+                    <a:pt x="791" y="0"/>
+                    <a:pt x="0" y="794"/>
+                    <a:pt x="0" y="1770"/>
+                  </a:cubicBezTo>
+                  <a:lnTo>
+                    <a:pt x="0" y="3564"/>
+                  </a:lnTo>
+                  <a:cubicBezTo>
+                    <a:pt x="0" y="4540"/>
+                    <a:pt x="791" y="5334"/>
+                    <a:pt x="1770" y="5334"/>
+                  </a:cubicBezTo>
+                  <a:lnTo>
+                    <a:pt x="7205" y="5334"/>
+                  </a:lnTo>
+                  <a:cubicBezTo>
+                    <a:pt x="8182" y="5334"/>
+                    <a:pt x="8975" y="4540"/>
+                    <a:pt x="8975" y="3564"/>
+                  </a:cubicBezTo>
+                  <a:lnTo>
+                    <a:pt x="8975" y="1773"/>
+                  </a:lnTo>
+                  <a:cubicBezTo>
+                    <a:pt x="8975" y="794"/>
+                    <a:pt x="8182" y="0"/>
+                    <a:pt x="7205" y="0"/>
+                  </a:cubicBezTo>
+                  <a:close/>
+                </a:path>
+              </a:pathLst>
+            </a:custGeom>
+            <a:ln/>
+          </p:spPr>
+          <p:style>
+            <a:lnRef idx="1">
+              <a:schemeClr val="accent3"/>
+            </a:lnRef>
+            <a:fillRef idx="2">
+              <a:schemeClr val="accent3"/>
+            </a:fillRef>
+            <a:effectRef idx="1">
+              <a:schemeClr val="accent3"/>
+            </a:effectRef>
+            <a:fontRef idx="minor">
+              <a:schemeClr val="dk1"/>
+            </a:fontRef>
+          </p:style>
+          <p:txBody>
+            <a:bodyPr spcFirstLastPara="1" wrap="square" lIns="91425" tIns="91425" rIns="91425" bIns="91425" anchor="ctr" anchorCtr="0">
+              <a:noAutofit/>
+            </a:bodyPr>
+            <a:lstStyle/>
+            <a:p>
+              <a:pPr marL="0" lvl="0" indent="0" algn="l" rtl="0">
+                <a:spcBef>
+                  <a:spcPts val="0"/>
+                </a:spcBef>
+                <a:spcAft>
+                  <a:spcPts val="0"/>
+                </a:spcAft>
+                <a:buNone/>
+              </a:pPr>
+              <a:endParaRPr/>
+            </a:p>
+          </p:txBody>
+        </p:sp>
+        <p:sp>
+          <p:nvSpPr>
+            <p:cNvPr id="31" name="Google Shape;1095;p50">
+              <a:extLst>
+                <a:ext uri="{FF2B5EF4-FFF2-40B4-BE49-F238E27FC236}">
+                  <a16:creationId xmlns:a16="http://schemas.microsoft.com/office/drawing/2014/main" id="{88BBFE40-37BA-4CDC-90C5-A196F2271B81}"/>
+                </a:ext>
+              </a:extLst>
+            </p:cNvPr>
+            <p:cNvSpPr/>
+            <p:nvPr/>
+          </p:nvSpPr>
+          <p:spPr>
+            <a:xfrm>
+              <a:off x="5553950" y="1278575"/>
+              <a:ext cx="480750" cy="299575"/>
+            </a:xfrm>
+            <a:custGeom>
+              <a:avLst/>
+              <a:gdLst/>
+              <a:ahLst/>
+              <a:cxnLst/>
+              <a:rect l="l" t="t" r="r" b="b"/>
+              <a:pathLst>
+                <a:path w="19230" h="11983" extrusionOk="0">
+                  <a:moveTo>
+                    <a:pt x="8566" y="3923"/>
+                  </a:moveTo>
+                  <a:cubicBezTo>
+                    <a:pt x="8872" y="3923"/>
+                    <a:pt x="9128" y="4172"/>
+                    <a:pt x="9128" y="4486"/>
+                  </a:cubicBezTo>
+                  <a:lnTo>
+                    <a:pt x="9125" y="6301"/>
+                  </a:lnTo>
+                  <a:cubicBezTo>
+                    <a:pt x="9125" y="6421"/>
+                    <a:pt x="9086" y="6541"/>
+                    <a:pt x="9014" y="6637"/>
+                  </a:cubicBezTo>
+                  <a:lnTo>
+                    <a:pt x="8113" y="7839"/>
+                  </a:lnTo>
+                  <a:cubicBezTo>
+                    <a:pt x="7999" y="7988"/>
+                    <a:pt x="7830" y="8062"/>
+                    <a:pt x="7661" y="8062"/>
+                  </a:cubicBezTo>
+                  <a:cubicBezTo>
+                    <a:pt x="7492" y="8062"/>
+                    <a:pt x="7324" y="7988"/>
+                    <a:pt x="7211" y="7839"/>
+                  </a:cubicBezTo>
+                  <a:lnTo>
+                    <a:pt x="6310" y="6637"/>
+                  </a:lnTo>
+                  <a:cubicBezTo>
+                    <a:pt x="6238" y="6541"/>
+                    <a:pt x="6199" y="6421"/>
+                    <a:pt x="6199" y="6301"/>
+                  </a:cubicBezTo>
+                  <a:lnTo>
+                    <a:pt x="6199" y="4501"/>
+                  </a:lnTo>
+                  <a:cubicBezTo>
+                    <a:pt x="6196" y="4213"/>
+                    <a:pt x="6409" y="3963"/>
+                    <a:pt x="6698" y="3927"/>
+                  </a:cubicBezTo>
+                  <a:cubicBezTo>
+                    <a:pt x="6720" y="3925"/>
+                    <a:pt x="6742" y="3923"/>
+                    <a:pt x="6764" y="3923"/>
+                  </a:cubicBezTo>
+                  <a:cubicBezTo>
+                    <a:pt x="7069" y="3923"/>
+                    <a:pt x="7326" y="4172"/>
+                    <a:pt x="7326" y="4486"/>
+                  </a:cubicBezTo>
+                  <a:lnTo>
+                    <a:pt x="7326" y="6111"/>
+                  </a:lnTo>
+                  <a:lnTo>
+                    <a:pt x="7662" y="6562"/>
+                  </a:lnTo>
+                  <a:lnTo>
+                    <a:pt x="8002" y="6111"/>
+                  </a:lnTo>
+                  <a:lnTo>
+                    <a:pt x="8002" y="4501"/>
+                  </a:lnTo>
+                  <a:cubicBezTo>
+                    <a:pt x="7999" y="4210"/>
+                    <a:pt x="8212" y="3963"/>
+                    <a:pt x="8500" y="3927"/>
+                  </a:cubicBezTo>
+                  <a:cubicBezTo>
+                    <a:pt x="8523" y="3925"/>
+                    <a:pt x="8545" y="3923"/>
+                    <a:pt x="8566" y="3923"/>
+                  </a:cubicBezTo>
+                  <a:close/>
+                  <a:moveTo>
+                    <a:pt x="12283" y="3945"/>
+                  </a:moveTo>
+                  <a:cubicBezTo>
+                    <a:pt x="12569" y="3945"/>
+                    <a:pt x="12812" y="4157"/>
+                    <a:pt x="12851" y="4444"/>
+                  </a:cubicBezTo>
+                  <a:cubicBezTo>
+                    <a:pt x="12890" y="4777"/>
+                    <a:pt x="12629" y="5072"/>
+                    <a:pt x="12292" y="5072"/>
+                  </a:cubicBezTo>
+                  <a:lnTo>
+                    <a:pt x="10931" y="5072"/>
+                  </a:lnTo>
+                  <a:cubicBezTo>
+                    <a:pt x="10823" y="5072"/>
+                    <a:pt x="10736" y="5165"/>
+                    <a:pt x="10745" y="5273"/>
+                  </a:cubicBezTo>
+                  <a:cubicBezTo>
+                    <a:pt x="10754" y="5370"/>
+                    <a:pt x="10838" y="5448"/>
+                    <a:pt x="10935" y="5448"/>
+                  </a:cubicBezTo>
+                  <a:cubicBezTo>
+                    <a:pt x="10936" y="5448"/>
+                    <a:pt x="10938" y="5447"/>
+                    <a:pt x="10940" y="5447"/>
+                  </a:cubicBezTo>
+                  <a:lnTo>
+                    <a:pt x="11811" y="5447"/>
+                  </a:lnTo>
+                  <a:cubicBezTo>
+                    <a:pt x="12575" y="5447"/>
+                    <a:pt x="13200" y="6084"/>
+                    <a:pt x="13151" y="6848"/>
+                  </a:cubicBezTo>
+                  <a:cubicBezTo>
+                    <a:pt x="13106" y="7539"/>
+                    <a:pt x="12533" y="8076"/>
+                    <a:pt x="11838" y="8076"/>
+                  </a:cubicBezTo>
+                  <a:lnTo>
+                    <a:pt x="10495" y="8076"/>
+                  </a:lnTo>
+                  <a:cubicBezTo>
+                    <a:pt x="10493" y="8076"/>
+                    <a:pt x="10491" y="8076"/>
+                    <a:pt x="10489" y="8076"/>
+                  </a:cubicBezTo>
+                  <a:cubicBezTo>
+                    <a:pt x="10201" y="8076"/>
+                    <a:pt x="9957" y="7864"/>
+                    <a:pt x="9922" y="7578"/>
+                  </a:cubicBezTo>
+                  <a:cubicBezTo>
+                    <a:pt x="9882" y="7241"/>
+                    <a:pt x="10144" y="6950"/>
+                    <a:pt x="10480" y="6950"/>
+                  </a:cubicBezTo>
+                  <a:lnTo>
+                    <a:pt x="11838" y="6950"/>
+                  </a:lnTo>
+                  <a:cubicBezTo>
+                    <a:pt x="11947" y="6950"/>
+                    <a:pt x="12034" y="6860"/>
+                    <a:pt x="12028" y="6751"/>
+                  </a:cubicBezTo>
+                  <a:cubicBezTo>
+                    <a:pt x="12019" y="6651"/>
+                    <a:pt x="11935" y="6574"/>
+                    <a:pt x="11835" y="6574"/>
+                  </a:cubicBezTo>
+                  <a:cubicBezTo>
+                    <a:pt x="11833" y="6574"/>
+                    <a:pt x="11831" y="6574"/>
+                    <a:pt x="11829" y="6574"/>
+                  </a:cubicBezTo>
+                  <a:lnTo>
+                    <a:pt x="10961" y="6574"/>
+                  </a:lnTo>
+                  <a:cubicBezTo>
+                    <a:pt x="10192" y="6574"/>
+                    <a:pt x="9570" y="5943"/>
+                    <a:pt x="9621" y="5174"/>
+                  </a:cubicBezTo>
+                  <a:cubicBezTo>
+                    <a:pt x="9666" y="4483"/>
+                    <a:pt x="10240" y="3945"/>
+                    <a:pt x="10931" y="3945"/>
+                  </a:cubicBezTo>
+                  <a:lnTo>
+                    <a:pt x="12277" y="3945"/>
+                  </a:lnTo>
+                  <a:cubicBezTo>
+                    <a:pt x="12279" y="3945"/>
+                    <a:pt x="12281" y="3945"/>
+                    <a:pt x="12283" y="3945"/>
+                  </a:cubicBezTo>
+                  <a:close/>
+                  <a:moveTo>
+                    <a:pt x="562" y="0"/>
+                  </a:moveTo>
+                  <a:cubicBezTo>
+                    <a:pt x="250" y="0"/>
+                    <a:pt x="0" y="252"/>
+                    <a:pt x="0" y="565"/>
+                  </a:cubicBezTo>
+                  <a:lnTo>
+                    <a:pt x="0" y="11418"/>
+                  </a:lnTo>
+                  <a:cubicBezTo>
+                    <a:pt x="0" y="11730"/>
+                    <a:pt x="250" y="11982"/>
+                    <a:pt x="562" y="11982"/>
+                  </a:cubicBezTo>
+                  <a:lnTo>
+                    <a:pt x="2822" y="11982"/>
+                  </a:lnTo>
+                  <a:lnTo>
+                    <a:pt x="6199" y="8608"/>
+                  </a:lnTo>
+                  <a:cubicBezTo>
+                    <a:pt x="6309" y="8488"/>
+                    <a:pt x="6459" y="8428"/>
+                    <a:pt x="6610" y="8428"/>
+                  </a:cubicBezTo>
+                  <a:cubicBezTo>
+                    <a:pt x="6754" y="8428"/>
+                    <a:pt x="6898" y="8483"/>
+                    <a:pt x="7010" y="8593"/>
+                  </a:cubicBezTo>
+                  <a:cubicBezTo>
+                    <a:pt x="7235" y="8819"/>
+                    <a:pt x="7226" y="9188"/>
+                    <a:pt x="6995" y="9404"/>
+                  </a:cubicBezTo>
+                  <a:lnTo>
+                    <a:pt x="4417" y="11982"/>
+                  </a:lnTo>
+                  <a:lnTo>
+                    <a:pt x="18665" y="11982"/>
+                  </a:lnTo>
+                  <a:cubicBezTo>
+                    <a:pt x="18977" y="11982"/>
+                    <a:pt x="19230" y="11730"/>
+                    <a:pt x="19230" y="11418"/>
+                  </a:cubicBezTo>
+                  <a:lnTo>
+                    <a:pt x="19230" y="565"/>
+                  </a:lnTo>
+                  <a:cubicBezTo>
+                    <a:pt x="19230" y="252"/>
+                    <a:pt x="18977" y="0"/>
+                    <a:pt x="18665" y="0"/>
+                  </a:cubicBezTo>
+                  <a:lnTo>
+                    <a:pt x="16405" y="0"/>
+                  </a:lnTo>
+                  <a:lnTo>
+                    <a:pt x="13028" y="3374"/>
+                  </a:lnTo>
+                  <a:cubicBezTo>
+                    <a:pt x="12918" y="3492"/>
+                    <a:pt x="12770" y="3550"/>
+                    <a:pt x="12620" y="3550"/>
+                  </a:cubicBezTo>
+                  <a:cubicBezTo>
+                    <a:pt x="12476" y="3550"/>
+                    <a:pt x="12331" y="3496"/>
+                    <a:pt x="12220" y="3386"/>
+                  </a:cubicBezTo>
+                  <a:cubicBezTo>
+                    <a:pt x="11998" y="3161"/>
+                    <a:pt x="12001" y="2797"/>
+                    <a:pt x="12232" y="2578"/>
+                  </a:cubicBezTo>
+                  <a:lnTo>
+                    <a:pt x="14810" y="0"/>
+                  </a:lnTo>
+                  <a:close/>
+                </a:path>
+              </a:pathLst>
+            </a:custGeom>
+            <a:ln/>
+          </p:spPr>
+          <p:style>
+            <a:lnRef idx="1">
+              <a:schemeClr val="accent3"/>
+            </a:lnRef>
+            <a:fillRef idx="2">
+              <a:schemeClr val="accent3"/>
+            </a:fillRef>
+            <a:effectRef idx="1">
+              <a:schemeClr val="accent3"/>
+            </a:effectRef>
+            <a:fontRef idx="minor">
+              <a:schemeClr val="dk1"/>
+            </a:fontRef>
+          </p:style>
+          <p:txBody>
+            <a:bodyPr spcFirstLastPara="1" wrap="square" lIns="91425" tIns="91425" rIns="91425" bIns="91425" anchor="ctr" anchorCtr="0">
+              <a:noAutofit/>
+            </a:bodyPr>
+            <a:lstStyle/>
+            <a:p>
+              <a:pPr marL="0" lvl="0" indent="0" algn="l" rtl="0">
+                <a:spcBef>
+                  <a:spcPts val="0"/>
+                </a:spcBef>
+                <a:spcAft>
+                  <a:spcPts val="0"/>
+                </a:spcAft>
+                <a:buNone/>
+              </a:pPr>
+              <a:endParaRPr/>
+            </a:p>
+          </p:txBody>
+        </p:sp>
+      </p:grpSp>
     </p:spTree>
   </p:cSld>
   <p:clrMapOvr>
     <a:masterClrMapping/>
   </p:clrMapOvr>
+  <mc:AlternateContent xmlns:mc="http://schemas.openxmlformats.org/markup-compatibility/2006">
+    <mc:Choice xmlns:p14="http://schemas.microsoft.com/office/powerpoint/2010/main" Requires="p14">
+      <p:transition spd="slow" p14:dur="1500">
+        <p:random/>
+      </p:transition>
+    </mc:Choice>
+    <mc:Fallback>
+      <p:transition spd="slow">
+        <p:random/>
+      </p:transition>
+    </mc:Fallback>
+  </mc:AlternateContent>
+  <p:timing>
+    <p:tnLst>
+      <p:par>
+        <p:cTn id="1" dur="indefinite" restart="never" nodeType="tmRoot">
+          <p:childTnLst>
+            <p:seq concurrent="1" nextAc="seek">
+              <p:cTn id="2" dur="indefinite" nodeType="mainSeq">
+                <p:childTnLst>
+                  <p:par>
+                    <p:cTn id="3" fill="hold">
+                      <p:stCondLst>
+                        <p:cond delay="indefinite"/>
+                      </p:stCondLst>
+                      <p:childTnLst>
+                        <p:par>
+                          <p:cTn id="4" fill="hold">
+                            <p:stCondLst>
+                              <p:cond delay="0"/>
+                            </p:stCondLst>
+                            <p:childTnLst>
+                              <p:par>
+                                <p:cTn id="5" presetID="2" presetClass="entr" presetSubtype="4" fill="hold" grpId="0" nodeType="clickEffect">
+                                  <p:stCondLst>
+                                    <p:cond delay="0"/>
+                                  </p:stCondLst>
+                                  <p:childTnLst>
+                                    <p:set>
+                                      <p:cBhvr>
+                                        <p:cTn id="6" dur="1" fill="hold">
+                                          <p:stCondLst>
+                                            <p:cond delay="0"/>
+                                          </p:stCondLst>
+                                        </p:cTn>
+                                        <p:tgtEl>
+                                          <p:spTgt spid="61"/>
+                                        </p:tgtEl>
+                                        <p:attrNameLst>
+                                          <p:attrName>style.visibility</p:attrName>
+                                        </p:attrNameLst>
+                                      </p:cBhvr>
+                                      <p:to>
+                                        <p:strVal val="visible"/>
+                                      </p:to>
+                                    </p:set>
+                                    <p:anim calcmode="lin" valueType="num">
+                                      <p:cBhvr additive="base">
+                                        <p:cTn id="7" dur="500" fill="hold"/>
+                                        <p:tgtEl>
+                                          <p:spTgt spid="61"/>
+                                        </p:tgtEl>
+                                        <p:attrNameLst>
+                                          <p:attrName>ppt_x</p:attrName>
+                                        </p:attrNameLst>
+                                      </p:cBhvr>
+                                      <p:tavLst>
+                                        <p:tav tm="0">
+                                          <p:val>
+                                            <p:strVal val="#ppt_x"/>
+                                          </p:val>
+                                        </p:tav>
+                                        <p:tav tm="100000">
+                                          <p:val>
+                                            <p:strVal val="#ppt_x"/>
+                                          </p:val>
+                                        </p:tav>
+                                      </p:tavLst>
+                                    </p:anim>
+                                    <p:anim calcmode="lin" valueType="num">
+                                      <p:cBhvr additive="base">
+                                        <p:cTn id="8" dur="500" fill="hold"/>
+                                        <p:tgtEl>
+                                          <p:spTgt spid="61"/>
+                                        </p:tgtEl>
+                                        <p:attrNameLst>
+                                          <p:attrName>ppt_y</p:attrName>
+                                        </p:attrNameLst>
+                                      </p:cBhvr>
+                                      <p:tavLst>
+                                        <p:tav tm="0">
+                                          <p:val>
+                                            <p:strVal val="1+#ppt_h/2"/>
+                                          </p:val>
+                                        </p:tav>
+                                        <p:tav tm="100000">
+                                          <p:val>
+                                            <p:strVal val="#ppt_y"/>
+                                          </p:val>
+                                        </p:tav>
+                                      </p:tavLst>
+                                    </p:anim>
+                                  </p:childTnLst>
+                                </p:cTn>
+                              </p:par>
+                              <p:par>
+                                <p:cTn id="9" presetID="2" presetClass="entr" presetSubtype="4" fill="hold" nodeType="withEffect">
+                                  <p:stCondLst>
+                                    <p:cond delay="0"/>
+                                  </p:stCondLst>
+                                  <p:childTnLst>
+                                    <p:set>
+                                      <p:cBhvr>
+                                        <p:cTn id="10" dur="1" fill="hold">
+                                          <p:stCondLst>
+                                            <p:cond delay="0"/>
+                                          </p:stCondLst>
+                                        </p:cTn>
+                                        <p:tgtEl>
+                                          <p:spTgt spid="8"/>
+                                        </p:tgtEl>
+                                        <p:attrNameLst>
+                                          <p:attrName>style.visibility</p:attrName>
+                                        </p:attrNameLst>
+                                      </p:cBhvr>
+                                      <p:to>
+                                        <p:strVal val="visible"/>
+                                      </p:to>
+                                    </p:set>
+                                    <p:anim calcmode="lin" valueType="num">
+                                      <p:cBhvr additive="base">
+                                        <p:cTn id="11" dur="500" fill="hold"/>
+                                        <p:tgtEl>
+                                          <p:spTgt spid="8"/>
+                                        </p:tgtEl>
+                                        <p:attrNameLst>
+                                          <p:attrName>ppt_x</p:attrName>
+                                        </p:attrNameLst>
+                                      </p:cBhvr>
+                                      <p:tavLst>
+                                        <p:tav tm="0">
+                                          <p:val>
+                                            <p:strVal val="#ppt_x"/>
+                                          </p:val>
+                                        </p:tav>
+                                        <p:tav tm="100000">
+                                          <p:val>
+                                            <p:strVal val="#ppt_x"/>
+                                          </p:val>
+                                        </p:tav>
+                                      </p:tavLst>
+                                    </p:anim>
+                                    <p:anim calcmode="lin" valueType="num">
+                                      <p:cBhvr additive="base">
+                                        <p:cTn id="12" dur="500" fill="hold"/>
+                                        <p:tgtEl>
+                                          <p:spTgt spid="8"/>
+                                        </p:tgtEl>
+                                        <p:attrNameLst>
+                                          <p:attrName>ppt_y</p:attrName>
+                                        </p:attrNameLst>
+                                      </p:cBhvr>
+                                      <p:tavLst>
+                                        <p:tav tm="0">
+                                          <p:val>
+                                            <p:strVal val="1+#ppt_h/2"/>
+                                          </p:val>
+                                        </p:tav>
+                                        <p:tav tm="100000">
+                                          <p:val>
+                                            <p:strVal val="#ppt_y"/>
+                                          </p:val>
+                                        </p:tav>
+                                      </p:tavLst>
+                                    </p:anim>
+                                  </p:childTnLst>
+                                </p:cTn>
+                              </p:par>
+                              <p:par>
+                                <p:cTn id="13" presetID="2" presetClass="entr" presetSubtype="4" fill="hold" grpId="0" nodeType="withEffect">
+                                  <p:stCondLst>
+                                    <p:cond delay="0"/>
+                                  </p:stCondLst>
+                                  <p:childTnLst>
+                                    <p:set>
+                                      <p:cBhvr>
+                                        <p:cTn id="14" dur="1" fill="hold">
+                                          <p:stCondLst>
+                                            <p:cond delay="0"/>
+                                          </p:stCondLst>
+                                        </p:cTn>
+                                        <p:tgtEl>
+                                          <p:spTgt spid="63"/>
+                                        </p:tgtEl>
+                                        <p:attrNameLst>
+                                          <p:attrName>style.visibility</p:attrName>
+                                        </p:attrNameLst>
+                                      </p:cBhvr>
+                                      <p:to>
+                                        <p:strVal val="visible"/>
+                                      </p:to>
+                                    </p:set>
+                                    <p:anim calcmode="lin" valueType="num">
+                                      <p:cBhvr additive="base">
+                                        <p:cTn id="15" dur="500" fill="hold"/>
+                                        <p:tgtEl>
+                                          <p:spTgt spid="63"/>
+                                        </p:tgtEl>
+                                        <p:attrNameLst>
+                                          <p:attrName>ppt_x</p:attrName>
+                                        </p:attrNameLst>
+                                      </p:cBhvr>
+                                      <p:tavLst>
+                                        <p:tav tm="0">
+                                          <p:val>
+                                            <p:strVal val="#ppt_x"/>
+                                          </p:val>
+                                        </p:tav>
+                                        <p:tav tm="100000">
+                                          <p:val>
+                                            <p:strVal val="#ppt_x"/>
+                                          </p:val>
+                                        </p:tav>
+                                      </p:tavLst>
+                                    </p:anim>
+                                    <p:anim calcmode="lin" valueType="num">
+                                      <p:cBhvr additive="base">
+                                        <p:cTn id="16" dur="500" fill="hold"/>
+                                        <p:tgtEl>
+                                          <p:spTgt spid="63"/>
+                                        </p:tgtEl>
+                                        <p:attrNameLst>
+                                          <p:attrName>ppt_y</p:attrName>
+                                        </p:attrNameLst>
+                                      </p:cBhvr>
+                                      <p:tavLst>
+                                        <p:tav tm="0">
+                                          <p:val>
+                                            <p:strVal val="1+#ppt_h/2"/>
+                                          </p:val>
+                                        </p:tav>
+                                        <p:tav tm="100000">
+                                          <p:val>
+                                            <p:strVal val="#ppt_y"/>
+                                          </p:val>
+                                        </p:tav>
+                                      </p:tavLst>
+                                    </p:anim>
+                                  </p:childTnLst>
+                                </p:cTn>
+                              </p:par>
+                            </p:childTnLst>
+                          </p:cTn>
+                        </p:par>
+                      </p:childTnLst>
+                    </p:cTn>
+                  </p:par>
+                  <p:par>
+                    <p:cTn id="17" fill="hold">
+                      <p:stCondLst>
+                        <p:cond delay="indefinite"/>
+                      </p:stCondLst>
+                      <p:childTnLst>
+                        <p:par>
+                          <p:cTn id="18" fill="hold">
+                            <p:stCondLst>
+                              <p:cond delay="0"/>
+                            </p:stCondLst>
+                            <p:childTnLst>
+                              <p:par>
+                                <p:cTn id="19" presetID="1" presetClass="entr" presetSubtype="0" fill="hold" grpId="0" nodeType="clickEffect">
+                                  <p:stCondLst>
+                                    <p:cond delay="0"/>
+                                  </p:stCondLst>
+                                  <p:childTnLst>
+                                    <p:set>
+                                      <p:cBhvr>
+                                        <p:cTn id="20" dur="1" fill="hold">
+                                          <p:stCondLst>
+                                            <p:cond delay="0"/>
+                                          </p:stCondLst>
+                                        </p:cTn>
+                                        <p:tgtEl>
+                                          <p:spTgt spid="67"/>
+                                        </p:tgtEl>
+                                        <p:attrNameLst>
+                                          <p:attrName>style.visibility</p:attrName>
+                                        </p:attrNameLst>
+                                      </p:cBhvr>
+                                      <p:to>
+                                        <p:strVal val="visible"/>
+                                      </p:to>
+                                    </p:set>
+                                  </p:childTnLst>
+                                </p:cTn>
+                              </p:par>
+                            </p:childTnLst>
+                          </p:cTn>
+                        </p:par>
+                      </p:childTnLst>
+                    </p:cTn>
+                  </p:par>
+                  <p:par>
+                    <p:cTn id="21" fill="hold">
+                      <p:stCondLst>
+                        <p:cond delay="indefinite"/>
+                      </p:stCondLst>
+                      <p:childTnLst>
+                        <p:par>
+                          <p:cTn id="22" fill="hold">
+                            <p:stCondLst>
+                              <p:cond delay="0"/>
+                            </p:stCondLst>
+                            <p:childTnLst>
+                              <p:par>
+                                <p:cTn id="23" presetID="2" presetClass="entr" presetSubtype="4" fill="hold" nodeType="clickEffect">
+                                  <p:stCondLst>
+                                    <p:cond delay="0"/>
+                                  </p:stCondLst>
+                                  <p:childTnLst>
+                                    <p:set>
+                                      <p:cBhvr>
+                                        <p:cTn id="24" dur="1" fill="hold">
+                                          <p:stCondLst>
+                                            <p:cond delay="0"/>
+                                          </p:stCondLst>
+                                        </p:cTn>
+                                        <p:tgtEl>
+                                          <p:spTgt spid="2">
+                                            <p:txEl>
+                                              <p:pRg st="0" end="0"/>
+                                            </p:txEl>
+                                          </p:spTgt>
+                                        </p:tgtEl>
+                                        <p:attrNameLst>
+                                          <p:attrName>style.visibility</p:attrName>
+                                        </p:attrNameLst>
+                                      </p:cBhvr>
+                                      <p:to>
+                                        <p:strVal val="visible"/>
+                                      </p:to>
+                                    </p:set>
+                                    <p:anim calcmode="lin" valueType="num">
+                                      <p:cBhvr additive="base">
+                                        <p:cTn id="25" dur="500" fill="hold"/>
+                                        <p:tgtEl>
+                                          <p:spTgt spid="2">
+                                            <p:txEl>
+                                              <p:pRg st="0" end="0"/>
+                                            </p:txEl>
+                                          </p:spTgt>
+                                        </p:tgtEl>
+                                        <p:attrNameLst>
+                                          <p:attrName>ppt_x</p:attrName>
+                                        </p:attrNameLst>
+                                      </p:cBhvr>
+                                      <p:tavLst>
+                                        <p:tav tm="0">
+                                          <p:val>
+                                            <p:strVal val="#ppt_x"/>
+                                          </p:val>
+                                        </p:tav>
+                                        <p:tav tm="100000">
+                                          <p:val>
+                                            <p:strVal val="#ppt_x"/>
+                                          </p:val>
+                                        </p:tav>
+                                      </p:tavLst>
+                                    </p:anim>
+                                    <p:anim calcmode="lin" valueType="num">
+                                      <p:cBhvr additive="base">
+                                        <p:cTn id="26" dur="500" fill="hold"/>
+                                        <p:tgtEl>
+                                          <p:spTgt spid="2">
+                                            <p:txEl>
+                                              <p:pRg st="0" end="0"/>
+                                            </p:txEl>
+                                          </p:spTgt>
+                                        </p:tgtEl>
+                                        <p:attrNameLst>
+                                          <p:attrName>ppt_y</p:attrName>
+                                        </p:attrNameLst>
+                                      </p:cBhvr>
+                                      <p:tavLst>
+                                        <p:tav tm="0">
+                                          <p:val>
+                                            <p:strVal val="1+#ppt_h/2"/>
+                                          </p:val>
+                                        </p:tav>
+                                        <p:tav tm="100000">
+                                          <p:val>
+                                            <p:strVal val="#ppt_y"/>
+                                          </p:val>
+                                        </p:tav>
+                                      </p:tavLst>
+                                    </p:anim>
+                                  </p:childTnLst>
+                                </p:cTn>
+                              </p:par>
+                            </p:childTnLst>
+                          </p:cTn>
+                        </p:par>
+                      </p:childTnLst>
+                    </p:cTn>
+                  </p:par>
+                  <p:par>
+                    <p:cTn id="27" fill="hold">
+                      <p:stCondLst>
+                        <p:cond delay="indefinite"/>
+                      </p:stCondLst>
+                      <p:childTnLst>
+                        <p:par>
+                          <p:cTn id="28" fill="hold">
+                            <p:stCondLst>
+                              <p:cond delay="0"/>
+                            </p:stCondLst>
+                            <p:childTnLst>
+                              <p:par>
+                                <p:cTn id="29" presetID="42" presetClass="entr" presetSubtype="0" fill="hold" nodeType="clickEffect">
+                                  <p:stCondLst>
+                                    <p:cond delay="0"/>
+                                  </p:stCondLst>
+                                  <p:childTnLst>
+                                    <p:set>
+                                      <p:cBhvr>
+                                        <p:cTn id="30" dur="1" fill="hold">
+                                          <p:stCondLst>
+                                            <p:cond delay="0"/>
+                                          </p:stCondLst>
+                                        </p:cTn>
+                                        <p:tgtEl>
+                                          <p:spTgt spid="24"/>
+                                        </p:tgtEl>
+                                        <p:attrNameLst>
+                                          <p:attrName>style.visibility</p:attrName>
+                                        </p:attrNameLst>
+                                      </p:cBhvr>
+                                      <p:to>
+                                        <p:strVal val="visible"/>
+                                      </p:to>
+                                    </p:set>
+                                    <p:animEffect transition="in" filter="fade">
+                                      <p:cBhvr>
+                                        <p:cTn id="31" dur="1000"/>
+                                        <p:tgtEl>
+                                          <p:spTgt spid="24"/>
+                                        </p:tgtEl>
+                                      </p:cBhvr>
+                                    </p:animEffect>
+                                    <p:anim calcmode="lin" valueType="num">
+                                      <p:cBhvr>
+                                        <p:cTn id="32" dur="1000" fill="hold"/>
+                                        <p:tgtEl>
+                                          <p:spTgt spid="24"/>
+                                        </p:tgtEl>
+                                        <p:attrNameLst>
+                                          <p:attrName>ppt_x</p:attrName>
+                                        </p:attrNameLst>
+                                      </p:cBhvr>
+                                      <p:tavLst>
+                                        <p:tav tm="0">
+                                          <p:val>
+                                            <p:strVal val="#ppt_x"/>
+                                          </p:val>
+                                        </p:tav>
+                                        <p:tav tm="100000">
+                                          <p:val>
+                                            <p:strVal val="#ppt_x"/>
+                                          </p:val>
+                                        </p:tav>
+                                      </p:tavLst>
+                                    </p:anim>
+                                    <p:anim calcmode="lin" valueType="num">
+                                      <p:cBhvr>
+                                        <p:cTn id="33" dur="1000" fill="hold"/>
+                                        <p:tgtEl>
+                                          <p:spTgt spid="24"/>
+                                        </p:tgtEl>
+                                        <p:attrNameLst>
+                                          <p:attrName>ppt_y</p:attrName>
+                                        </p:attrNameLst>
+                                      </p:cBhvr>
+                                      <p:tavLst>
+                                        <p:tav tm="0">
+                                          <p:val>
+                                            <p:strVal val="#ppt_y+.1"/>
+                                          </p:val>
+                                        </p:tav>
+                                        <p:tav tm="100000">
+                                          <p:val>
+                                            <p:strVal val="#ppt_y"/>
+                                          </p:val>
+                                        </p:tav>
+                                      </p:tavLst>
+                                    </p:anim>
+                                  </p:childTnLst>
+                                </p:cTn>
+                              </p:par>
+                              <p:par>
+                                <p:cTn id="34" presetID="42" presetClass="entr" presetSubtype="0" fill="hold" nodeType="withEffect">
+                                  <p:stCondLst>
+                                    <p:cond delay="0"/>
+                                  </p:stCondLst>
+                                  <p:childTnLst>
+                                    <p:set>
+                                      <p:cBhvr>
+                                        <p:cTn id="35" dur="1" fill="hold">
+                                          <p:stCondLst>
+                                            <p:cond delay="0"/>
+                                          </p:stCondLst>
+                                        </p:cTn>
+                                        <p:tgtEl>
+                                          <p:spTgt spid="2">
+                                            <p:txEl>
+                                              <p:pRg st="2" end="2"/>
+                                            </p:txEl>
+                                          </p:spTgt>
+                                        </p:tgtEl>
+                                        <p:attrNameLst>
+                                          <p:attrName>style.visibility</p:attrName>
+                                        </p:attrNameLst>
+                                      </p:cBhvr>
+                                      <p:to>
+                                        <p:strVal val="visible"/>
+                                      </p:to>
+                                    </p:set>
+                                    <p:animEffect transition="in" filter="fade">
+                                      <p:cBhvr>
+                                        <p:cTn id="36" dur="1000"/>
+                                        <p:tgtEl>
+                                          <p:spTgt spid="2">
+                                            <p:txEl>
+                                              <p:pRg st="2" end="2"/>
+                                            </p:txEl>
+                                          </p:spTgt>
+                                        </p:tgtEl>
+                                      </p:cBhvr>
+                                    </p:animEffect>
+                                    <p:anim calcmode="lin" valueType="num">
+                                      <p:cBhvr>
+                                        <p:cTn id="37" dur="1000" fill="hold"/>
+                                        <p:tgtEl>
+                                          <p:spTgt spid="2">
+                                            <p:txEl>
+                                              <p:pRg st="2" end="2"/>
+                                            </p:txEl>
+                                          </p:spTgt>
+                                        </p:tgtEl>
+                                        <p:attrNameLst>
+                                          <p:attrName>ppt_x</p:attrName>
+                                        </p:attrNameLst>
+                                      </p:cBhvr>
+                                      <p:tavLst>
+                                        <p:tav tm="0">
+                                          <p:val>
+                                            <p:strVal val="#ppt_x"/>
+                                          </p:val>
+                                        </p:tav>
+                                        <p:tav tm="100000">
+                                          <p:val>
+                                            <p:strVal val="#ppt_x"/>
+                                          </p:val>
+                                        </p:tav>
+                                      </p:tavLst>
+                                    </p:anim>
+                                    <p:anim calcmode="lin" valueType="num">
+                                      <p:cBhvr>
+                                        <p:cTn id="38" dur="1000" fill="hold"/>
+                                        <p:tgtEl>
+                                          <p:spTgt spid="2">
+                                            <p:txEl>
+                                              <p:pRg st="2" end="2"/>
+                                            </p:txEl>
+                                          </p:spTgt>
+                                        </p:tgtEl>
+                                        <p:attrNameLst>
+                                          <p:attrName>ppt_y</p:attrName>
+                                        </p:attrNameLst>
+                                      </p:cBhvr>
+                                      <p:tavLst>
+                                        <p:tav tm="0">
+                                          <p:val>
+                                            <p:strVal val="#ppt_y+.1"/>
+                                          </p:val>
+                                        </p:tav>
+                                        <p:tav tm="100000">
+                                          <p:val>
+                                            <p:strVal val="#ppt_y"/>
+                                          </p:val>
+                                        </p:tav>
+                                      </p:tavLst>
+                                    </p:anim>
+                                  </p:childTnLst>
+                                </p:cTn>
+                              </p:par>
+                            </p:childTnLst>
+                          </p:cTn>
+                        </p:par>
+                      </p:childTnLst>
+                    </p:cTn>
+                  </p:par>
+                  <p:par>
+                    <p:cTn id="39" fill="hold">
+                      <p:stCondLst>
+                        <p:cond delay="indefinite"/>
+                      </p:stCondLst>
+                      <p:childTnLst>
+                        <p:par>
+                          <p:cTn id="40" fill="hold">
+                            <p:stCondLst>
+                              <p:cond delay="0"/>
+                            </p:stCondLst>
+                            <p:childTnLst>
+                              <p:par>
+                                <p:cTn id="41" presetID="2" presetClass="entr" presetSubtype="4" fill="hold" nodeType="clickEffect">
+                                  <p:stCondLst>
+                                    <p:cond delay="0"/>
+                                  </p:stCondLst>
+                                  <p:childTnLst>
+                                    <p:set>
+                                      <p:cBhvr>
+                                        <p:cTn id="42" dur="1" fill="hold">
+                                          <p:stCondLst>
+                                            <p:cond delay="0"/>
+                                          </p:stCondLst>
+                                        </p:cTn>
+                                        <p:tgtEl>
+                                          <p:spTgt spid="2">
+                                            <p:txEl>
+                                              <p:pRg st="4" end="4"/>
+                                            </p:txEl>
+                                          </p:spTgt>
+                                        </p:tgtEl>
+                                        <p:attrNameLst>
+                                          <p:attrName>style.visibility</p:attrName>
+                                        </p:attrNameLst>
+                                      </p:cBhvr>
+                                      <p:to>
+                                        <p:strVal val="visible"/>
+                                      </p:to>
+                                    </p:set>
+                                    <p:anim calcmode="lin" valueType="num">
+                                      <p:cBhvr additive="base">
+                                        <p:cTn id="43" dur="500" fill="hold"/>
+                                        <p:tgtEl>
+                                          <p:spTgt spid="2">
+                                            <p:txEl>
+                                              <p:pRg st="4" end="4"/>
+                                            </p:txEl>
+                                          </p:spTgt>
+                                        </p:tgtEl>
+                                        <p:attrNameLst>
+                                          <p:attrName>ppt_x</p:attrName>
+                                        </p:attrNameLst>
+                                      </p:cBhvr>
+                                      <p:tavLst>
+                                        <p:tav tm="0">
+                                          <p:val>
+                                            <p:strVal val="#ppt_x"/>
+                                          </p:val>
+                                        </p:tav>
+                                        <p:tav tm="100000">
+                                          <p:val>
+                                            <p:strVal val="#ppt_x"/>
+                                          </p:val>
+                                        </p:tav>
+                                      </p:tavLst>
+                                    </p:anim>
+                                    <p:anim calcmode="lin" valueType="num">
+                                      <p:cBhvr additive="base">
+                                        <p:cTn id="44" dur="500" fill="hold"/>
+                                        <p:tgtEl>
+                                          <p:spTgt spid="2">
+                                            <p:txEl>
+                                              <p:pRg st="4" end="4"/>
+                                            </p:txEl>
+                                          </p:spTgt>
+                                        </p:tgtEl>
+                                        <p:attrNameLst>
+                                          <p:attrName>ppt_y</p:attrName>
+                                        </p:attrNameLst>
+                                      </p:cBhvr>
+                                      <p:tavLst>
+                                        <p:tav tm="0">
+                                          <p:val>
+                                            <p:strVal val="1+#ppt_h/2"/>
+                                          </p:val>
+                                        </p:tav>
+                                        <p:tav tm="100000">
+                                          <p:val>
+                                            <p:strVal val="#ppt_y"/>
+                                          </p:val>
+                                        </p:tav>
+                                      </p:tavLst>
+                                    </p:anim>
+                                  </p:childTnLst>
+                                </p:cTn>
+                              </p:par>
+                            </p:childTnLst>
+                          </p:cTn>
+                        </p:par>
+                      </p:childTnLst>
+                    </p:cTn>
+                  </p:par>
+                  <p:par>
+                    <p:cTn id="45" fill="hold">
+                      <p:stCondLst>
+                        <p:cond delay="indefinite"/>
+                      </p:stCondLst>
+                      <p:childTnLst>
+                        <p:par>
+                          <p:cTn id="46" fill="hold">
+                            <p:stCondLst>
+                              <p:cond delay="0"/>
+                            </p:stCondLst>
+                            <p:childTnLst>
+                              <p:par>
+                                <p:cTn id="47" presetID="2" presetClass="entr" presetSubtype="4" fill="hold" nodeType="clickEffect">
+                                  <p:stCondLst>
+                                    <p:cond delay="0"/>
+                                  </p:stCondLst>
+                                  <p:childTnLst>
+                                    <p:set>
+                                      <p:cBhvr>
+                                        <p:cTn id="48" dur="1" fill="hold">
+                                          <p:stCondLst>
+                                            <p:cond delay="0"/>
+                                          </p:stCondLst>
+                                        </p:cTn>
+                                        <p:tgtEl>
+                                          <p:spTgt spid="16"/>
+                                        </p:tgtEl>
+                                        <p:attrNameLst>
+                                          <p:attrName>style.visibility</p:attrName>
+                                        </p:attrNameLst>
+                                      </p:cBhvr>
+                                      <p:to>
+                                        <p:strVal val="visible"/>
+                                      </p:to>
+                                    </p:set>
+                                    <p:anim calcmode="lin" valueType="num">
+                                      <p:cBhvr additive="base">
+                                        <p:cTn id="49" dur="500" fill="hold"/>
+                                        <p:tgtEl>
+                                          <p:spTgt spid="16"/>
+                                        </p:tgtEl>
+                                        <p:attrNameLst>
+                                          <p:attrName>ppt_x</p:attrName>
+                                        </p:attrNameLst>
+                                      </p:cBhvr>
+                                      <p:tavLst>
+                                        <p:tav tm="0">
+                                          <p:val>
+                                            <p:strVal val="#ppt_x"/>
+                                          </p:val>
+                                        </p:tav>
+                                        <p:tav tm="100000">
+                                          <p:val>
+                                            <p:strVal val="#ppt_x"/>
+                                          </p:val>
+                                        </p:tav>
+                                      </p:tavLst>
+                                    </p:anim>
+                                    <p:anim calcmode="lin" valueType="num">
+                                      <p:cBhvr additive="base">
+                                        <p:cTn id="50" dur="500" fill="hold"/>
+                                        <p:tgtEl>
+                                          <p:spTgt spid="16"/>
+                                        </p:tgtEl>
+                                        <p:attrNameLst>
+                                          <p:attrName>ppt_y</p:attrName>
+                                        </p:attrNameLst>
+                                      </p:cBhvr>
+                                      <p:tavLst>
+                                        <p:tav tm="0">
+                                          <p:val>
+                                            <p:strVal val="1+#ppt_h/2"/>
+                                          </p:val>
+                                        </p:tav>
+                                        <p:tav tm="100000">
+                                          <p:val>
+                                            <p:strVal val="#ppt_y"/>
+                                          </p:val>
+                                        </p:tav>
+                                      </p:tavLst>
+                                    </p:anim>
+                                  </p:childTnLst>
+                                </p:cTn>
+                              </p:par>
+                              <p:par>
+                                <p:cTn id="51" presetID="2" presetClass="entr" presetSubtype="4" fill="hold" nodeType="withEffect">
+                                  <p:stCondLst>
+                                    <p:cond delay="0"/>
+                                  </p:stCondLst>
+                                  <p:childTnLst>
+                                    <p:set>
+                                      <p:cBhvr>
+                                        <p:cTn id="52" dur="1" fill="hold">
+                                          <p:stCondLst>
+                                            <p:cond delay="0"/>
+                                          </p:stCondLst>
+                                        </p:cTn>
+                                        <p:tgtEl>
+                                          <p:spTgt spid="2">
+                                            <p:txEl>
+                                              <p:pRg st="6" end="6"/>
+                                            </p:txEl>
+                                          </p:spTgt>
+                                        </p:tgtEl>
+                                        <p:attrNameLst>
+                                          <p:attrName>style.visibility</p:attrName>
+                                        </p:attrNameLst>
+                                      </p:cBhvr>
+                                      <p:to>
+                                        <p:strVal val="visible"/>
+                                      </p:to>
+                                    </p:set>
+                                    <p:anim calcmode="lin" valueType="num">
+                                      <p:cBhvr additive="base">
+                                        <p:cTn id="53" dur="500" fill="hold"/>
+                                        <p:tgtEl>
+                                          <p:spTgt spid="2">
+                                            <p:txEl>
+                                              <p:pRg st="6" end="6"/>
+                                            </p:txEl>
+                                          </p:spTgt>
+                                        </p:tgtEl>
+                                        <p:attrNameLst>
+                                          <p:attrName>ppt_x</p:attrName>
+                                        </p:attrNameLst>
+                                      </p:cBhvr>
+                                      <p:tavLst>
+                                        <p:tav tm="0">
+                                          <p:val>
+                                            <p:strVal val="#ppt_x"/>
+                                          </p:val>
+                                        </p:tav>
+                                        <p:tav tm="100000">
+                                          <p:val>
+                                            <p:strVal val="#ppt_x"/>
+                                          </p:val>
+                                        </p:tav>
+                                      </p:tavLst>
+                                    </p:anim>
+                                    <p:anim calcmode="lin" valueType="num">
+                                      <p:cBhvr additive="base">
+                                        <p:cTn id="54" dur="500" fill="hold"/>
+                                        <p:tgtEl>
+                                          <p:spTgt spid="2">
+                                            <p:txEl>
+                                              <p:pRg st="6" end="6"/>
+                                            </p:txEl>
+                                          </p:spTgt>
+                                        </p:tgtEl>
+                                        <p:attrNameLst>
+                                          <p:attrName>ppt_y</p:attrName>
+                                        </p:attrNameLst>
+                                      </p:cBhvr>
+                                      <p:tavLst>
+                                        <p:tav tm="0">
+                                          <p:val>
+                                            <p:strVal val="1+#ppt_h/2"/>
+                                          </p:val>
+                                        </p:tav>
+                                        <p:tav tm="100000">
+                                          <p:val>
+                                            <p:strVal val="#ppt_y"/>
+                                          </p:val>
+                                        </p:tav>
+                                      </p:tavLst>
+                                    </p:anim>
+                                  </p:childTnLst>
+                                </p:cTn>
+                              </p:par>
+                            </p:childTnLst>
+                          </p:cTn>
+                        </p:par>
+                      </p:childTnLst>
+                    </p:cTn>
+                  </p:par>
+                  <p:par>
+                    <p:cTn id="55" fill="hold">
+                      <p:stCondLst>
+                        <p:cond delay="indefinite"/>
+                      </p:stCondLst>
+                      <p:childTnLst>
+                        <p:par>
+                          <p:cTn id="56" fill="hold">
+                            <p:stCondLst>
+                              <p:cond delay="0"/>
+                            </p:stCondLst>
+                            <p:childTnLst>
+                              <p:par>
+                                <p:cTn id="57" presetID="2" presetClass="entr" presetSubtype="4" fill="hold" nodeType="clickEffect">
+                                  <p:stCondLst>
+                                    <p:cond delay="0"/>
+                                  </p:stCondLst>
+                                  <p:childTnLst>
+                                    <p:set>
+                                      <p:cBhvr>
+                                        <p:cTn id="58" dur="1" fill="hold">
+                                          <p:stCondLst>
+                                            <p:cond delay="0"/>
+                                          </p:stCondLst>
+                                        </p:cTn>
+                                        <p:tgtEl>
+                                          <p:spTgt spid="2">
+                                            <p:txEl>
+                                              <p:pRg st="8" end="8"/>
+                                            </p:txEl>
+                                          </p:spTgt>
+                                        </p:tgtEl>
+                                        <p:attrNameLst>
+                                          <p:attrName>style.visibility</p:attrName>
+                                        </p:attrNameLst>
+                                      </p:cBhvr>
+                                      <p:to>
+                                        <p:strVal val="visible"/>
+                                      </p:to>
+                                    </p:set>
+                                    <p:anim calcmode="lin" valueType="num">
+                                      <p:cBhvr additive="base">
+                                        <p:cTn id="59" dur="500" fill="hold"/>
+                                        <p:tgtEl>
+                                          <p:spTgt spid="2">
+                                            <p:txEl>
+                                              <p:pRg st="8" end="8"/>
+                                            </p:txEl>
+                                          </p:spTgt>
+                                        </p:tgtEl>
+                                        <p:attrNameLst>
+                                          <p:attrName>ppt_x</p:attrName>
+                                        </p:attrNameLst>
+                                      </p:cBhvr>
+                                      <p:tavLst>
+                                        <p:tav tm="0">
+                                          <p:val>
+                                            <p:strVal val="#ppt_x"/>
+                                          </p:val>
+                                        </p:tav>
+                                        <p:tav tm="100000">
+                                          <p:val>
+                                            <p:strVal val="#ppt_x"/>
+                                          </p:val>
+                                        </p:tav>
+                                      </p:tavLst>
+                                    </p:anim>
+                                    <p:anim calcmode="lin" valueType="num">
+                                      <p:cBhvr additive="base">
+                                        <p:cTn id="60" dur="500" fill="hold"/>
+                                        <p:tgtEl>
+                                          <p:spTgt spid="2">
+                                            <p:txEl>
+                                              <p:pRg st="8" end="8"/>
+                                            </p:txEl>
+                                          </p:spTgt>
+                                        </p:tgtEl>
+                                        <p:attrNameLst>
+                                          <p:attrName>ppt_y</p:attrName>
+                                        </p:attrNameLst>
+                                      </p:cBhvr>
+                                      <p:tavLst>
+                                        <p:tav tm="0">
+                                          <p:val>
+                                            <p:strVal val="1+#ppt_h/2"/>
+                                          </p:val>
+                                        </p:tav>
+                                        <p:tav tm="100000">
+                                          <p:val>
+                                            <p:strVal val="#ppt_y"/>
+                                          </p:val>
+                                        </p:tav>
+                                      </p:tavLst>
+                                    </p:anim>
+                                  </p:childTnLst>
+                                </p:cTn>
+                              </p:par>
+                              <p:par>
+                                <p:cTn id="61" presetID="2" presetClass="entr" presetSubtype="4" fill="hold" nodeType="withEffect">
+                                  <p:stCondLst>
+                                    <p:cond delay="0"/>
+                                  </p:stCondLst>
+                                  <p:childTnLst>
+                                    <p:set>
+                                      <p:cBhvr>
+                                        <p:cTn id="62" dur="1" fill="hold">
+                                          <p:stCondLst>
+                                            <p:cond delay="0"/>
+                                          </p:stCondLst>
+                                        </p:cTn>
+                                        <p:tgtEl>
+                                          <p:spTgt spid="28"/>
+                                        </p:tgtEl>
+                                        <p:attrNameLst>
+                                          <p:attrName>style.visibility</p:attrName>
+                                        </p:attrNameLst>
+                                      </p:cBhvr>
+                                      <p:to>
+                                        <p:strVal val="visible"/>
+                                      </p:to>
+                                    </p:set>
+                                    <p:anim calcmode="lin" valueType="num">
+                                      <p:cBhvr additive="base">
+                                        <p:cTn id="63" dur="500" fill="hold"/>
+                                        <p:tgtEl>
+                                          <p:spTgt spid="28"/>
+                                        </p:tgtEl>
+                                        <p:attrNameLst>
+                                          <p:attrName>ppt_x</p:attrName>
+                                        </p:attrNameLst>
+                                      </p:cBhvr>
+                                      <p:tavLst>
+                                        <p:tav tm="0">
+                                          <p:val>
+                                            <p:strVal val="#ppt_x"/>
+                                          </p:val>
+                                        </p:tav>
+                                        <p:tav tm="100000">
+                                          <p:val>
+                                            <p:strVal val="#ppt_x"/>
+                                          </p:val>
+                                        </p:tav>
+                                      </p:tavLst>
+                                    </p:anim>
+                                    <p:anim calcmode="lin" valueType="num">
+                                      <p:cBhvr additive="base">
+                                        <p:cTn id="64" dur="500" fill="hold"/>
+                                        <p:tgtEl>
+                                          <p:spTgt spid="28"/>
+                                        </p:tgtEl>
+                                        <p:attrNameLst>
+                                          <p:attrName>ppt_y</p:attrName>
+                                        </p:attrNameLst>
+                                      </p:cBhvr>
+                                      <p:tavLst>
+                                        <p:tav tm="0">
+                                          <p:val>
+                                            <p:strVal val="1+#ppt_h/2"/>
+                                          </p:val>
+                                        </p:tav>
+                                        <p:tav tm="100000">
+                                          <p:val>
+                                            <p:strVal val="#ppt_y"/>
+                                          </p:val>
+                                        </p:tav>
+                                      </p:tavLst>
+                                    </p:anim>
+                                  </p:childTnLst>
+                                </p:cTn>
+                              </p:par>
+                            </p:childTnLst>
+                          </p:cTn>
+                        </p:par>
+                      </p:childTnLst>
+                    </p:cTn>
+                  </p:par>
+                  <p:par>
+                    <p:cTn id="65" fill="hold">
+                      <p:stCondLst>
+                        <p:cond delay="indefinite"/>
+                      </p:stCondLst>
+                      <p:childTnLst>
+                        <p:par>
+                          <p:cTn id="66" fill="hold">
+                            <p:stCondLst>
+                              <p:cond delay="0"/>
+                            </p:stCondLst>
+                            <p:childTnLst>
+                              <p:par>
+                                <p:cTn id="67" presetID="1" presetClass="entr" presetSubtype="0" fill="hold" grpId="0" nodeType="clickEffect">
+                                  <p:stCondLst>
+                                    <p:cond delay="0"/>
+                                  </p:stCondLst>
+                                  <p:childTnLst>
+                                    <p:set>
+                                      <p:cBhvr>
+                                        <p:cTn id="68" dur="1" fill="hold">
+                                          <p:stCondLst>
+                                            <p:cond delay="0"/>
+                                          </p:stCondLst>
+                                        </p:cTn>
+                                        <p:tgtEl>
+                                          <p:spTgt spid="7"/>
+                                        </p:tgtEl>
+                                        <p:attrNameLst>
+                                          <p:attrName>style.visibility</p:attrName>
+                                        </p:attrNameLst>
+                                      </p:cBhvr>
+                                      <p:to>
+                                        <p:strVal val="visible"/>
+                                      </p:to>
+                                    </p:set>
+                                  </p:childTnLst>
+                                </p:cTn>
+                              </p:par>
+                            </p:childTnLst>
+                          </p:cTn>
+                        </p:par>
+                      </p:childTnLst>
+                    </p:cTn>
+                  </p:par>
+                  <p:par>
+                    <p:cTn id="69" fill="hold">
+                      <p:stCondLst>
+                        <p:cond delay="indefinite"/>
+                      </p:stCondLst>
+                      <p:childTnLst>
+                        <p:par>
+                          <p:cTn id="70" fill="hold">
+                            <p:stCondLst>
+                              <p:cond delay="0"/>
+                            </p:stCondLst>
+                            <p:childTnLst>
+                              <p:par>
+                                <p:cTn id="71" presetID="2" presetClass="entr" presetSubtype="4" fill="hold" nodeType="clickEffect">
+                                  <p:stCondLst>
+                                    <p:cond delay="0"/>
+                                  </p:stCondLst>
+                                  <p:childTnLst>
+                                    <p:set>
+                                      <p:cBhvr>
+                                        <p:cTn id="72" dur="1" fill="hold">
+                                          <p:stCondLst>
+                                            <p:cond delay="0"/>
+                                          </p:stCondLst>
+                                        </p:cTn>
+                                        <p:tgtEl>
+                                          <p:spTgt spid="3">
+                                            <p:txEl>
+                                              <p:pRg st="0" end="0"/>
+                                            </p:txEl>
+                                          </p:spTgt>
+                                        </p:tgtEl>
+                                        <p:attrNameLst>
+                                          <p:attrName>style.visibility</p:attrName>
+                                        </p:attrNameLst>
+                                      </p:cBhvr>
+                                      <p:to>
+                                        <p:strVal val="visible"/>
+                                      </p:to>
+                                    </p:set>
+                                    <p:anim calcmode="lin" valueType="num">
+                                      <p:cBhvr additive="base">
+                                        <p:cTn id="73" dur="500" fill="hold"/>
+                                        <p:tgtEl>
+                                          <p:spTgt spid="3">
+                                            <p:txEl>
+                                              <p:pRg st="0" end="0"/>
+                                            </p:txEl>
+                                          </p:spTgt>
+                                        </p:tgtEl>
+                                        <p:attrNameLst>
+                                          <p:attrName>ppt_x</p:attrName>
+                                        </p:attrNameLst>
+                                      </p:cBhvr>
+                                      <p:tavLst>
+                                        <p:tav tm="0">
+                                          <p:val>
+                                            <p:strVal val="#ppt_x"/>
+                                          </p:val>
+                                        </p:tav>
+                                        <p:tav tm="100000">
+                                          <p:val>
+                                            <p:strVal val="#ppt_x"/>
+                                          </p:val>
+                                        </p:tav>
+                                      </p:tavLst>
+                                    </p:anim>
+                                    <p:anim calcmode="lin" valueType="num">
+                                      <p:cBhvr additive="base">
+                                        <p:cTn id="74" dur="500" fill="hold"/>
+                                        <p:tgtEl>
+                                          <p:spTgt spid="3">
+                                            <p:txEl>
+                                              <p:pRg st="0" end="0"/>
+                                            </p:txEl>
+                                          </p:spTgt>
+                                        </p:tgtEl>
+                                        <p:attrNameLst>
+                                          <p:attrName>ppt_y</p:attrName>
+                                        </p:attrNameLst>
+                                      </p:cBhvr>
+                                      <p:tavLst>
+                                        <p:tav tm="0">
+                                          <p:val>
+                                            <p:strVal val="1+#ppt_h/2"/>
+                                          </p:val>
+                                        </p:tav>
+                                        <p:tav tm="100000">
+                                          <p:val>
+                                            <p:strVal val="#ppt_y"/>
+                                          </p:val>
+                                        </p:tav>
+                                      </p:tavLst>
+                                    </p:anim>
+                                  </p:childTnLst>
+                                </p:cTn>
+                              </p:par>
+                              <p:par>
+                                <p:cTn id="75" presetID="2" presetClass="entr" presetSubtype="4" fill="hold" nodeType="withEffect">
+                                  <p:stCondLst>
+                                    <p:cond delay="0"/>
+                                  </p:stCondLst>
+                                  <p:childTnLst>
+                                    <p:set>
+                                      <p:cBhvr>
+                                        <p:cTn id="76" dur="1" fill="hold">
+                                          <p:stCondLst>
+                                            <p:cond delay="0"/>
+                                          </p:stCondLst>
+                                        </p:cTn>
+                                        <p:tgtEl>
+                                          <p:spTgt spid="40"/>
+                                        </p:tgtEl>
+                                        <p:attrNameLst>
+                                          <p:attrName>style.visibility</p:attrName>
+                                        </p:attrNameLst>
+                                      </p:cBhvr>
+                                      <p:to>
+                                        <p:strVal val="visible"/>
+                                      </p:to>
+                                    </p:set>
+                                    <p:anim calcmode="lin" valueType="num">
+                                      <p:cBhvr additive="base">
+                                        <p:cTn id="77" dur="500" fill="hold"/>
+                                        <p:tgtEl>
+                                          <p:spTgt spid="40"/>
+                                        </p:tgtEl>
+                                        <p:attrNameLst>
+                                          <p:attrName>ppt_x</p:attrName>
+                                        </p:attrNameLst>
+                                      </p:cBhvr>
+                                      <p:tavLst>
+                                        <p:tav tm="0">
+                                          <p:val>
+                                            <p:strVal val="#ppt_x"/>
+                                          </p:val>
+                                        </p:tav>
+                                        <p:tav tm="100000">
+                                          <p:val>
+                                            <p:strVal val="#ppt_x"/>
+                                          </p:val>
+                                        </p:tav>
+                                      </p:tavLst>
+                                    </p:anim>
+                                    <p:anim calcmode="lin" valueType="num">
+                                      <p:cBhvr additive="base">
+                                        <p:cTn id="78" dur="500" fill="hold"/>
+                                        <p:tgtEl>
+                                          <p:spTgt spid="40"/>
+                                        </p:tgtEl>
+                                        <p:attrNameLst>
+                                          <p:attrName>ppt_y</p:attrName>
+                                        </p:attrNameLst>
+                                      </p:cBhvr>
+                                      <p:tavLst>
+                                        <p:tav tm="0">
+                                          <p:val>
+                                            <p:strVal val="1+#ppt_h/2"/>
+                                          </p:val>
+                                        </p:tav>
+                                        <p:tav tm="100000">
+                                          <p:val>
+                                            <p:strVal val="#ppt_y"/>
+                                          </p:val>
+                                        </p:tav>
+                                      </p:tavLst>
+                                    </p:anim>
+                                  </p:childTnLst>
+                                </p:cTn>
+                              </p:par>
+                              <p:par>
+                                <p:cTn id="79" presetID="2" presetClass="entr" presetSubtype="4" fill="hold" nodeType="withEffect">
+                                  <p:stCondLst>
+                                    <p:cond delay="0"/>
+                                  </p:stCondLst>
+                                  <p:childTnLst>
+                                    <p:set>
+                                      <p:cBhvr>
+                                        <p:cTn id="80" dur="1" fill="hold">
+                                          <p:stCondLst>
+                                            <p:cond delay="0"/>
+                                          </p:stCondLst>
+                                        </p:cTn>
+                                        <p:tgtEl>
+                                          <p:spTgt spid="3">
+                                            <p:txEl>
+                                              <p:pRg st="3" end="3"/>
+                                            </p:txEl>
+                                          </p:spTgt>
+                                        </p:tgtEl>
+                                        <p:attrNameLst>
+                                          <p:attrName>style.visibility</p:attrName>
+                                        </p:attrNameLst>
+                                      </p:cBhvr>
+                                      <p:to>
+                                        <p:strVal val="visible"/>
+                                      </p:to>
+                                    </p:set>
+                                    <p:anim calcmode="lin" valueType="num">
+                                      <p:cBhvr additive="base">
+                                        <p:cTn id="81" dur="500" fill="hold"/>
+                                        <p:tgtEl>
+                                          <p:spTgt spid="3">
+                                            <p:txEl>
+                                              <p:pRg st="3" end="3"/>
+                                            </p:txEl>
+                                          </p:spTgt>
+                                        </p:tgtEl>
+                                        <p:attrNameLst>
+                                          <p:attrName>ppt_x</p:attrName>
+                                        </p:attrNameLst>
+                                      </p:cBhvr>
+                                      <p:tavLst>
+                                        <p:tav tm="0">
+                                          <p:val>
+                                            <p:strVal val="#ppt_x"/>
+                                          </p:val>
+                                        </p:tav>
+                                        <p:tav tm="100000">
+                                          <p:val>
+                                            <p:strVal val="#ppt_x"/>
+                                          </p:val>
+                                        </p:tav>
+                                      </p:tavLst>
+                                    </p:anim>
+                                    <p:anim calcmode="lin" valueType="num">
+                                      <p:cBhvr additive="base">
+                                        <p:cTn id="82" dur="500" fill="hold"/>
+                                        <p:tgtEl>
+                                          <p:spTgt spid="3">
+                                            <p:txEl>
+                                              <p:pRg st="3" end="3"/>
+                                            </p:txEl>
+                                          </p:spTgt>
+                                        </p:tgtEl>
+                                        <p:attrNameLst>
+                                          <p:attrName>ppt_y</p:attrName>
+                                        </p:attrNameLst>
+                                      </p:cBhvr>
+                                      <p:tavLst>
+                                        <p:tav tm="0">
+                                          <p:val>
+                                            <p:strVal val="1+#ppt_h/2"/>
+                                          </p:val>
+                                        </p:tav>
+                                        <p:tav tm="100000">
+                                          <p:val>
+                                            <p:strVal val="#ppt_y"/>
+                                          </p:val>
+                                        </p:tav>
+                                      </p:tavLst>
+                                    </p:anim>
+                                  </p:childTnLst>
+                                </p:cTn>
+                              </p:par>
+                            </p:childTnLst>
+                          </p:cTn>
+                        </p:par>
+                      </p:childTnLst>
+                    </p:cTn>
+                  </p:par>
+                  <p:par>
+                    <p:cTn id="83" fill="hold">
+                      <p:stCondLst>
+                        <p:cond delay="indefinite"/>
+                      </p:stCondLst>
+                      <p:childTnLst>
+                        <p:par>
+                          <p:cTn id="84" fill="hold">
+                            <p:stCondLst>
+                              <p:cond delay="0"/>
+                            </p:stCondLst>
+                            <p:childTnLst>
+                              <p:par>
+                                <p:cTn id="85" presetID="2" presetClass="entr" presetSubtype="4" fill="hold" nodeType="clickEffect">
+                                  <p:stCondLst>
+                                    <p:cond delay="0"/>
+                                  </p:stCondLst>
+                                  <p:childTnLst>
+                                    <p:set>
+                                      <p:cBhvr>
+                                        <p:cTn id="86" dur="1" fill="hold">
+                                          <p:stCondLst>
+                                            <p:cond delay="0"/>
+                                          </p:stCondLst>
+                                        </p:cTn>
+                                        <p:tgtEl>
+                                          <p:spTgt spid="3">
+                                            <p:txEl>
+                                              <p:pRg st="5" end="5"/>
+                                            </p:txEl>
+                                          </p:spTgt>
+                                        </p:tgtEl>
+                                        <p:attrNameLst>
+                                          <p:attrName>style.visibility</p:attrName>
+                                        </p:attrNameLst>
+                                      </p:cBhvr>
+                                      <p:to>
+                                        <p:strVal val="visible"/>
+                                      </p:to>
+                                    </p:set>
+                                    <p:anim calcmode="lin" valueType="num">
+                                      <p:cBhvr additive="base">
+                                        <p:cTn id="87" dur="500" fill="hold"/>
+                                        <p:tgtEl>
+                                          <p:spTgt spid="3">
+                                            <p:txEl>
+                                              <p:pRg st="5" end="5"/>
+                                            </p:txEl>
+                                          </p:spTgt>
+                                        </p:tgtEl>
+                                        <p:attrNameLst>
+                                          <p:attrName>ppt_x</p:attrName>
+                                        </p:attrNameLst>
+                                      </p:cBhvr>
+                                      <p:tavLst>
+                                        <p:tav tm="0">
+                                          <p:val>
+                                            <p:strVal val="#ppt_x"/>
+                                          </p:val>
+                                        </p:tav>
+                                        <p:tav tm="100000">
+                                          <p:val>
+                                            <p:strVal val="#ppt_x"/>
+                                          </p:val>
+                                        </p:tav>
+                                      </p:tavLst>
+                                    </p:anim>
+                                    <p:anim calcmode="lin" valueType="num">
+                                      <p:cBhvr additive="base">
+                                        <p:cTn id="88" dur="500" fill="hold"/>
+                                        <p:tgtEl>
+                                          <p:spTgt spid="3">
+                                            <p:txEl>
+                                              <p:pRg st="5" end="5"/>
+                                            </p:txEl>
+                                          </p:spTgt>
+                                        </p:tgtEl>
+                                        <p:attrNameLst>
+                                          <p:attrName>ppt_y</p:attrName>
+                                        </p:attrNameLst>
+                                      </p:cBhvr>
+                                      <p:tavLst>
+                                        <p:tav tm="0">
+                                          <p:val>
+                                            <p:strVal val="1+#ppt_h/2"/>
+                                          </p:val>
+                                        </p:tav>
+                                        <p:tav tm="100000">
+                                          <p:val>
+                                            <p:strVal val="#ppt_y"/>
+                                          </p:val>
+                                        </p:tav>
+                                      </p:tavLst>
+                                    </p:anim>
+                                  </p:childTnLst>
+                                </p:cTn>
+                              </p:par>
+                              <p:par>
+                                <p:cTn id="89" presetID="2" presetClass="entr" presetSubtype="4" fill="hold" nodeType="withEffect">
+                                  <p:stCondLst>
+                                    <p:cond delay="0"/>
+                                  </p:stCondLst>
+                                  <p:childTnLst>
+                                    <p:set>
+                                      <p:cBhvr>
+                                        <p:cTn id="90" dur="1" fill="hold">
+                                          <p:stCondLst>
+                                            <p:cond delay="0"/>
+                                          </p:stCondLst>
+                                        </p:cTn>
+                                        <p:tgtEl>
+                                          <p:spTgt spid="3">
+                                            <p:txEl>
+                                              <p:pRg st="6" end="6"/>
+                                            </p:txEl>
+                                          </p:spTgt>
+                                        </p:tgtEl>
+                                        <p:attrNameLst>
+                                          <p:attrName>style.visibility</p:attrName>
+                                        </p:attrNameLst>
+                                      </p:cBhvr>
+                                      <p:to>
+                                        <p:strVal val="visible"/>
+                                      </p:to>
+                                    </p:set>
+                                    <p:anim calcmode="lin" valueType="num">
+                                      <p:cBhvr additive="base">
+                                        <p:cTn id="91" dur="500" fill="hold"/>
+                                        <p:tgtEl>
+                                          <p:spTgt spid="3">
+                                            <p:txEl>
+                                              <p:pRg st="6" end="6"/>
+                                            </p:txEl>
+                                          </p:spTgt>
+                                        </p:tgtEl>
+                                        <p:attrNameLst>
+                                          <p:attrName>ppt_x</p:attrName>
+                                        </p:attrNameLst>
+                                      </p:cBhvr>
+                                      <p:tavLst>
+                                        <p:tav tm="0">
+                                          <p:val>
+                                            <p:strVal val="#ppt_x"/>
+                                          </p:val>
+                                        </p:tav>
+                                        <p:tav tm="100000">
+                                          <p:val>
+                                            <p:strVal val="#ppt_x"/>
+                                          </p:val>
+                                        </p:tav>
+                                      </p:tavLst>
+                                    </p:anim>
+                                    <p:anim calcmode="lin" valueType="num">
+                                      <p:cBhvr additive="base">
+                                        <p:cTn id="92" dur="500" fill="hold"/>
+                                        <p:tgtEl>
+                                          <p:spTgt spid="3">
+                                            <p:txEl>
+                                              <p:pRg st="6" end="6"/>
+                                            </p:txEl>
+                                          </p:spTgt>
+                                        </p:tgtEl>
+                                        <p:attrNameLst>
+                                          <p:attrName>ppt_y</p:attrName>
+                                        </p:attrNameLst>
+                                      </p:cBhvr>
+                                      <p:tavLst>
+                                        <p:tav tm="0">
+                                          <p:val>
+                                            <p:strVal val="1+#ppt_h/2"/>
+                                          </p:val>
+                                        </p:tav>
+                                        <p:tav tm="100000">
+                                          <p:val>
+                                            <p:strVal val="#ppt_y"/>
+                                          </p:val>
+                                        </p:tav>
+                                      </p:tavLst>
+                                    </p:anim>
+                                  </p:childTnLst>
+                                </p:cTn>
+                              </p:par>
+                              <p:par>
+                                <p:cTn id="93" presetID="2" presetClass="entr" presetSubtype="4" fill="hold" nodeType="withEffect">
+                                  <p:stCondLst>
+                                    <p:cond delay="0"/>
+                                  </p:stCondLst>
+                                  <p:childTnLst>
+                                    <p:set>
+                                      <p:cBhvr>
+                                        <p:cTn id="94" dur="1" fill="hold">
+                                          <p:stCondLst>
+                                            <p:cond delay="0"/>
+                                          </p:stCondLst>
+                                        </p:cTn>
+                                        <p:tgtEl>
+                                          <p:spTgt spid="45"/>
+                                        </p:tgtEl>
+                                        <p:attrNameLst>
+                                          <p:attrName>style.visibility</p:attrName>
+                                        </p:attrNameLst>
+                                      </p:cBhvr>
+                                      <p:to>
+                                        <p:strVal val="visible"/>
+                                      </p:to>
+                                    </p:set>
+                                    <p:anim calcmode="lin" valueType="num">
+                                      <p:cBhvr additive="base">
+                                        <p:cTn id="95" dur="500" fill="hold"/>
+                                        <p:tgtEl>
+                                          <p:spTgt spid="45"/>
+                                        </p:tgtEl>
+                                        <p:attrNameLst>
+                                          <p:attrName>ppt_x</p:attrName>
+                                        </p:attrNameLst>
+                                      </p:cBhvr>
+                                      <p:tavLst>
+                                        <p:tav tm="0">
+                                          <p:val>
+                                            <p:strVal val="#ppt_x"/>
+                                          </p:val>
+                                        </p:tav>
+                                        <p:tav tm="100000">
+                                          <p:val>
+                                            <p:strVal val="#ppt_x"/>
+                                          </p:val>
+                                        </p:tav>
+                                      </p:tavLst>
+                                    </p:anim>
+                                    <p:anim calcmode="lin" valueType="num">
+                                      <p:cBhvr additive="base">
+                                        <p:cTn id="96" dur="500" fill="hold"/>
+                                        <p:tgtEl>
+                                          <p:spTgt spid="45"/>
+                                        </p:tgtEl>
+                                        <p:attrNameLst>
+                                          <p:attrName>ppt_y</p:attrName>
+                                        </p:attrNameLst>
+                                      </p:cBhvr>
+                                      <p:tavLst>
+                                        <p:tav tm="0">
+                                          <p:val>
+                                            <p:strVal val="1+#ppt_h/2"/>
+                                          </p:val>
+                                        </p:tav>
+                                        <p:tav tm="100000">
+                                          <p:val>
+                                            <p:strVal val="#ppt_y"/>
+                                          </p:val>
+                                        </p:tav>
+                                      </p:tavLst>
+                                    </p:anim>
+                                  </p:childTnLst>
+                                </p:cTn>
+                              </p:par>
+                            </p:childTnLst>
+                          </p:cTn>
+                        </p:par>
+                      </p:childTnLst>
+                    </p:cTn>
+                  </p:par>
+                </p:childTnLst>
+              </p:cTn>
+              <p:prevCondLst>
+                <p:cond evt="onPrev" delay="0">
+                  <p:tgtEl>
+                    <p:sldTgt/>
+                  </p:tgtEl>
+                </p:cond>
+              </p:prevCondLst>
+              <p:nextCondLst>
+                <p:cond evt="onNext" delay="0">
+                  <p:tgtEl>
+                    <p:sldTgt/>
+                  </p:tgtEl>
+                </p:cond>
+              </p:nextCondLst>
+            </p:seq>
+          </p:childTnLst>
+        </p:cTn>
+      </p:par>
+    </p:tnLst>
+    <p:bldLst>
+      <p:bldP spid="61" grpId="0"/>
+      <p:bldP spid="63" grpId="0"/>
+      <p:bldP spid="67" grpId="0"/>
+      <p:bldP spid="7" grpId="0"/>
+    </p:bldLst>
+  </p:timing>
 </p:sld>
 </file>
 
@@ -31556,6 +33255,18 @@
   <p:clrMapOvr>
     <a:masterClrMapping/>
   </p:clrMapOvr>
+  <mc:AlternateContent xmlns:mc="http://schemas.openxmlformats.org/markup-compatibility/2006">
+    <mc:Choice xmlns:p14="http://schemas.microsoft.com/office/powerpoint/2010/main" Requires="p14">
+      <p:transition spd="slow" p14:dur="1500">
+        <p:random/>
+      </p:transition>
+    </mc:Choice>
+    <mc:Fallback>
+      <p:transition spd="slow">
+        <p:random/>
+      </p:transition>
+    </mc:Fallback>
+  </mc:AlternateContent>
 </p:sld>
 </file>
 

--- a/Presentation/week1-concepts/NP-group3-Caro-week1.pptx
+++ b/Presentation/week1-concepts/NP-group3-Caro-week1.pptx
@@ -18530,13 +18530,13 @@
   <p:clrMapOvr>
     <a:masterClrMapping/>
   </p:clrMapOvr>
-  <mc:AlternateContent xmlns:mc="http://schemas.openxmlformats.org/markup-compatibility/2006">
-    <mc:Choice xmlns:p14="http://schemas.microsoft.com/office/powerpoint/2010/main" Requires="p14">
+  <mc:AlternateContent xmlns:mc="http://schemas.openxmlformats.org/markup-compatibility/2006" xmlns:p14="http://schemas.microsoft.com/office/powerpoint/2010/main">
+    <mc:Choice Requires="p14">
       <p:transition spd="slow" p14:dur="1500">
         <p:random/>
       </p:transition>
     </mc:Choice>
-    <mc:Fallback>
+    <mc:Fallback xmlns="">
       <p:transition spd="slow">
         <p:random/>
       </p:transition>
@@ -18784,13 +18784,13 @@
   <p:clrMapOvr>
     <a:masterClrMapping/>
   </p:clrMapOvr>
-  <mc:AlternateContent xmlns:mc="http://schemas.openxmlformats.org/markup-compatibility/2006">
-    <mc:Choice xmlns:p14="http://schemas.microsoft.com/office/powerpoint/2010/main" Requires="p14">
+  <mc:AlternateContent xmlns:mc="http://schemas.openxmlformats.org/markup-compatibility/2006" xmlns:p14="http://schemas.microsoft.com/office/powerpoint/2010/main">
+    <mc:Choice Requires="p14">
       <p:transition spd="slow" p14:dur="1500">
         <p:random/>
       </p:transition>
     </mc:Choice>
-    <mc:Fallback>
+    <mc:Fallback xmlns="">
       <p:transition spd="slow">
         <p:random/>
       </p:transition>
@@ -18897,7 +18897,7 @@
             </a:pPr>
             <a:r>
               <a:rPr lang="en-US" dirty="0"/>
-              <a:t>Caro (in Vietnamese), also called Five in a Row, or </a:t>
+              <a:t>Caro (in Vietnamese), also called Tic Tac Toe, or </a:t>
             </a:r>
             <a:r>
               <a:rPr lang="en-US" dirty="0" err="1"/>
@@ -21342,13 +21342,13 @@
   <p:clrMapOvr>
     <a:masterClrMapping/>
   </p:clrMapOvr>
-  <mc:AlternateContent xmlns:mc="http://schemas.openxmlformats.org/markup-compatibility/2006">
-    <mc:Choice xmlns:p14="http://schemas.microsoft.com/office/powerpoint/2010/main" Requires="p14">
+  <mc:AlternateContent xmlns:mc="http://schemas.openxmlformats.org/markup-compatibility/2006" xmlns:p14="http://schemas.microsoft.com/office/powerpoint/2010/main">
+    <mc:Choice Requires="p14">
       <p:transition spd="slow" p14:dur="1500">
         <p:random/>
       </p:transition>
     </mc:Choice>
-    <mc:Fallback>
+    <mc:Fallback xmlns="">
       <p:transition spd="slow">
         <p:random/>
       </p:transition>
@@ -21500,7 +21500,7 @@
             </a:pPr>
             <a:r>
               <a:rPr lang="en-US" dirty="0"/>
-              <a:t>The winner is the first player to form an unbroken chain of five moves horizontally, vertically, or diagonally. Placing so that a line of more than five same moves is created does not result in a win</a:t>
+              <a:t>The winner is the first player to form an unbroken chain of five moves horizontally, vertically, or diagonally. Placing so that a line of more than five same moves is created still results in a win</a:t>
             </a:r>
             <a:endParaRPr dirty="0"/>
           </a:p>
@@ -22414,13 +22414,13 @@
   <p:clrMapOvr>
     <a:masterClrMapping/>
   </p:clrMapOvr>
-  <mc:AlternateContent xmlns:mc="http://schemas.openxmlformats.org/markup-compatibility/2006">
-    <mc:Choice xmlns:p14="http://schemas.microsoft.com/office/powerpoint/2010/main" Requires="p14">
+  <mc:AlternateContent xmlns:mc="http://schemas.openxmlformats.org/markup-compatibility/2006" xmlns:p14="http://schemas.microsoft.com/office/powerpoint/2010/main">
+    <mc:Choice Requires="p14">
       <p:transition spd="slow" p14:dur="1500">
         <p:random/>
       </p:transition>
     </mc:Choice>
-    <mc:Fallback>
+    <mc:Fallback xmlns="">
       <p:transition spd="slow">
         <p:random/>
       </p:transition>
@@ -22607,7 +22607,46 @@
                 <a:effectLst/>
                 <a:latin typeface="-apple-system"/>
               </a:rPr>
-              <a:t>, a temporary id is assigned and result is not recorded for future plays</a:t>
+              <a:t>, a </a:t>
+            </a:r>
+            <a:r>
+              <a:rPr lang="en-US" b="0" i="0">
+                <a:solidFill>
+                  <a:srgbClr val="0070C0"/>
+                </a:solidFill>
+                <a:effectLst/>
+                <a:latin typeface="-apple-system"/>
+              </a:rPr>
+              <a:t>temporary </a:t>
+            </a:r>
+            <a:r>
+              <a:rPr lang="en-US">
+                <a:solidFill>
+                  <a:srgbClr val="0070C0"/>
+                </a:solidFill>
+                <a:latin typeface="-apple-system"/>
+              </a:rPr>
+              <a:t>username</a:t>
+            </a:r>
+            <a:r>
+              <a:rPr lang="en-US" b="0" i="0">
+                <a:solidFill>
+                  <a:srgbClr val="0070C0"/>
+                </a:solidFill>
+                <a:effectLst/>
+                <a:latin typeface="-apple-system"/>
+              </a:rPr>
+              <a:t> </a:t>
+            </a:r>
+            <a:r>
+              <a:rPr lang="en-US" b="0" i="0" dirty="0">
+                <a:solidFill>
+                  <a:srgbClr val="0070C0"/>
+                </a:solidFill>
+                <a:effectLst/>
+                <a:latin typeface="-apple-system"/>
+              </a:rPr>
+              <a:t>is assigned and result is not recorded for future plays</a:t>
             </a:r>
           </a:p>
           <a:p>
@@ -28444,13 +28483,13 @@
   <p:clrMapOvr>
     <a:masterClrMapping/>
   </p:clrMapOvr>
-  <mc:AlternateContent xmlns:mc="http://schemas.openxmlformats.org/markup-compatibility/2006">
-    <mc:Choice xmlns:p14="http://schemas.microsoft.com/office/powerpoint/2010/main" Requires="p14">
+  <mc:AlternateContent xmlns:mc="http://schemas.openxmlformats.org/markup-compatibility/2006" xmlns:p14="http://schemas.microsoft.com/office/powerpoint/2010/main">
+    <mc:Choice Requires="p14">
       <p:transition spd="slow" p14:dur="1500">
         <p:random/>
       </p:transition>
     </mc:Choice>
-    <mc:Fallback>
+    <mc:Fallback xmlns="">
       <p:transition spd="slow">
         <p:random/>
       </p:transition>
@@ -33255,13 +33294,13 @@
   <p:clrMapOvr>
     <a:masterClrMapping/>
   </p:clrMapOvr>
-  <mc:AlternateContent xmlns:mc="http://schemas.openxmlformats.org/markup-compatibility/2006">
-    <mc:Choice xmlns:p14="http://schemas.microsoft.com/office/powerpoint/2010/main" Requires="p14">
+  <mc:AlternateContent xmlns:mc="http://schemas.openxmlformats.org/markup-compatibility/2006" xmlns:p14="http://schemas.microsoft.com/office/powerpoint/2010/main">
+    <mc:Choice Requires="p14">
       <p:transition spd="slow" p14:dur="1500">
         <p:random/>
       </p:transition>
     </mc:Choice>
-    <mc:Fallback>
+    <mc:Fallback xmlns="">
       <p:transition spd="slow">
         <p:random/>
       </p:transition>
